--- a/DATA1030 Midterm Presentation.pptx
+++ b/DATA1030 Midterm Presentation.pptx
@@ -4,16 +4,20 @@
   <p:sldMasterIdLst>
     <p:sldMasterId id="2147483840" r:id="rId1"/>
   </p:sldMasterIdLst>
+  <p:notesMasterIdLst>
+    <p:notesMasterId r:id="rId12"/>
+  </p:notesMasterIdLst>
   <p:sldIdLst>
     <p:sldId id="256" r:id="rId2"/>
     <p:sldId id="257" r:id="rId3"/>
-    <p:sldId id="262" r:id="rId4"/>
-    <p:sldId id="259" r:id="rId5"/>
-    <p:sldId id="260" r:id="rId6"/>
-    <p:sldId id="261" r:id="rId7"/>
-    <p:sldId id="263" r:id="rId8"/>
-    <p:sldId id="264" r:id="rId9"/>
-    <p:sldId id="265" r:id="rId10"/>
+    <p:sldId id="259" r:id="rId4"/>
+    <p:sldId id="260" r:id="rId5"/>
+    <p:sldId id="261" r:id="rId6"/>
+    <p:sldId id="263" r:id="rId7"/>
+    <p:sldId id="264" r:id="rId8"/>
+    <p:sldId id="266" r:id="rId9"/>
+    <p:sldId id="267" r:id="rId10"/>
+    <p:sldId id="265" r:id="rId11"/>
   </p:sldIdLst>
   <p:sldSz cx="12192000" cy="6858000"/>
   <p:notesSz cx="6858000" cy="9144000"/>
@@ -115,7 +119,7 @@
   <p:extLst>
     <p:ext uri="{EFAFB233-063F-42B5-8137-9DF3F51BA10A}">
       <p15:sldGuideLst xmlns:p15="http://schemas.microsoft.com/office/powerpoint/2012/main">
-        <p15:guide id="1" orient="horz" pos="2160">
+        <p15:guide id="1" orient="horz" pos="2183" userDrawn="1">
           <p15:clr>
             <a:srgbClr val="A4A3A4"/>
           </p15:clr>
@@ -129,6 +133,631 @@
     </p:ext>
   </p:extLst>
 </p:presentation>
+</file>
+
+<file path=ppt/notesMasters/notesMaster1.xml><?xml version="1.0" encoding="utf-8"?>
+<p:notesMaster xmlns:a="http://schemas.openxmlformats.org/drawingml/2006/main" xmlns:r="http://schemas.openxmlformats.org/officeDocument/2006/relationships" xmlns:p="http://schemas.openxmlformats.org/presentationml/2006/main">
+  <p:cSld>
+    <p:bg>
+      <p:bgRef idx="1001">
+        <a:schemeClr val="bg1"/>
+      </p:bgRef>
+    </p:bg>
+    <p:spTree>
+      <p:nvGrpSpPr>
+        <p:cNvPr id="1" name=""/>
+        <p:cNvGrpSpPr/>
+        <p:nvPr/>
+      </p:nvGrpSpPr>
+      <p:grpSpPr>
+        <a:xfrm>
+          <a:off x="0" y="0"/>
+          <a:ext cx="0" cy="0"/>
+          <a:chOff x="0" y="0"/>
+          <a:chExt cx="0" cy="0"/>
+        </a:xfrm>
+      </p:grpSpPr>
+      <p:sp>
+        <p:nvSpPr>
+          <p:cNvPr id="2" name="页眉占位符 1"/>
+          <p:cNvSpPr>
+            <a:spLocks noGrp="1"/>
+          </p:cNvSpPr>
+          <p:nvPr>
+            <p:ph type="hdr" sz="quarter"/>
+          </p:nvPr>
+        </p:nvSpPr>
+        <p:spPr>
+          <a:xfrm>
+            <a:off x="0" y="0"/>
+            <a:ext cx="2971800" cy="458788"/>
+          </a:xfrm>
+          <a:prstGeom prst="rect">
+            <a:avLst/>
+          </a:prstGeom>
+        </p:spPr>
+        <p:txBody>
+          <a:bodyPr vert="horz" lIns="91440" tIns="45720" rIns="91440" bIns="45720" rtlCol="0"/>
+          <a:lstStyle>
+            <a:lvl1pPr algn="l">
+              <a:defRPr sz="1200"/>
+            </a:lvl1pPr>
+          </a:lstStyle>
+          <a:p>
+            <a:endParaRPr kumimoji="1" lang="zh-CN" altLang="en-US"/>
+          </a:p>
+        </p:txBody>
+      </p:sp>
+      <p:sp>
+        <p:nvSpPr>
+          <p:cNvPr id="3" name="日期占位符 2"/>
+          <p:cNvSpPr>
+            <a:spLocks noGrp="1"/>
+          </p:cNvSpPr>
+          <p:nvPr>
+            <p:ph type="dt" idx="1"/>
+          </p:nvPr>
+        </p:nvSpPr>
+        <p:spPr>
+          <a:xfrm>
+            <a:off x="3884613" y="0"/>
+            <a:ext cx="2971800" cy="458788"/>
+          </a:xfrm>
+          <a:prstGeom prst="rect">
+            <a:avLst/>
+          </a:prstGeom>
+        </p:spPr>
+        <p:txBody>
+          <a:bodyPr vert="horz" lIns="91440" tIns="45720" rIns="91440" bIns="45720" rtlCol="0"/>
+          <a:lstStyle>
+            <a:lvl1pPr algn="r">
+              <a:defRPr sz="1200"/>
+            </a:lvl1pPr>
+          </a:lstStyle>
+          <a:p>
+            <a:fld id="{89193B68-2286-124E-B70B-F14C32E46BD9}" type="datetimeFigureOut">
+              <a:rPr kumimoji="1" lang="zh-CN" altLang="en-US" smtClean="0"/>
+              <a:t>2024/10/18</a:t>
+            </a:fld>
+            <a:endParaRPr kumimoji="1" lang="zh-CN" altLang="en-US"/>
+          </a:p>
+        </p:txBody>
+      </p:sp>
+      <p:sp>
+        <p:nvSpPr>
+          <p:cNvPr id="4" name="幻灯片图像占位符 3"/>
+          <p:cNvSpPr>
+            <a:spLocks noGrp="1" noRot="1" noChangeAspect="1"/>
+          </p:cNvSpPr>
+          <p:nvPr>
+            <p:ph type="sldImg" idx="2"/>
+          </p:nvPr>
+        </p:nvSpPr>
+        <p:spPr>
+          <a:xfrm>
+            <a:off x="685800" y="1143000"/>
+            <a:ext cx="5486400" cy="3086100"/>
+          </a:xfrm>
+          <a:prstGeom prst="rect">
+            <a:avLst/>
+          </a:prstGeom>
+          <a:noFill/>
+          <a:ln w="12700">
+            <a:solidFill>
+              <a:prstClr val="black"/>
+            </a:solidFill>
+          </a:ln>
+        </p:spPr>
+        <p:txBody>
+          <a:bodyPr vert="horz" lIns="91440" tIns="45720" rIns="91440" bIns="45720" rtlCol="0" anchor="ctr"/>
+          <a:lstStyle/>
+          <a:p>
+            <a:endParaRPr lang="zh-CN" altLang="en-US"/>
+          </a:p>
+        </p:txBody>
+      </p:sp>
+      <p:sp>
+        <p:nvSpPr>
+          <p:cNvPr id="5" name="备注占位符 4"/>
+          <p:cNvSpPr>
+            <a:spLocks noGrp="1"/>
+          </p:cNvSpPr>
+          <p:nvPr>
+            <p:ph type="body" sz="quarter" idx="3"/>
+          </p:nvPr>
+        </p:nvSpPr>
+        <p:spPr>
+          <a:xfrm>
+            <a:off x="685800" y="4400550"/>
+            <a:ext cx="5486400" cy="3600450"/>
+          </a:xfrm>
+          <a:prstGeom prst="rect">
+            <a:avLst/>
+          </a:prstGeom>
+        </p:spPr>
+        <p:txBody>
+          <a:bodyPr vert="horz" lIns="91440" tIns="45720" rIns="91440" bIns="45720" rtlCol="0"/>
+          <a:lstStyle/>
+          <a:p>
+            <a:pPr lvl="0"/>
+            <a:r>
+              <a:rPr kumimoji="1" lang="zh-CN" altLang="en-US"/>
+              <a:t>单击此处编辑母版文本样式</a:t>
+            </a:r>
+          </a:p>
+          <a:p>
+            <a:pPr lvl="1"/>
+            <a:r>
+              <a:rPr kumimoji="1" lang="zh-CN" altLang="en-US"/>
+              <a:t>二级</a:t>
+            </a:r>
+          </a:p>
+          <a:p>
+            <a:pPr lvl="2"/>
+            <a:r>
+              <a:rPr kumimoji="1" lang="zh-CN" altLang="en-US"/>
+              <a:t>三级</a:t>
+            </a:r>
+          </a:p>
+          <a:p>
+            <a:pPr lvl="3"/>
+            <a:r>
+              <a:rPr kumimoji="1" lang="zh-CN" altLang="en-US"/>
+              <a:t>四级</a:t>
+            </a:r>
+          </a:p>
+          <a:p>
+            <a:pPr lvl="4"/>
+            <a:r>
+              <a:rPr kumimoji="1" lang="zh-CN" altLang="en-US"/>
+              <a:t>五级</a:t>
+            </a:r>
+          </a:p>
+        </p:txBody>
+      </p:sp>
+      <p:sp>
+        <p:nvSpPr>
+          <p:cNvPr id="6" name="页脚占位符 5"/>
+          <p:cNvSpPr>
+            <a:spLocks noGrp="1"/>
+          </p:cNvSpPr>
+          <p:nvPr>
+            <p:ph type="ftr" sz="quarter" idx="4"/>
+          </p:nvPr>
+        </p:nvSpPr>
+        <p:spPr>
+          <a:xfrm>
+            <a:off x="0" y="8685213"/>
+            <a:ext cx="2971800" cy="458787"/>
+          </a:xfrm>
+          <a:prstGeom prst="rect">
+            <a:avLst/>
+          </a:prstGeom>
+        </p:spPr>
+        <p:txBody>
+          <a:bodyPr vert="horz" lIns="91440" tIns="45720" rIns="91440" bIns="45720" rtlCol="0" anchor="b"/>
+          <a:lstStyle>
+            <a:lvl1pPr algn="l">
+              <a:defRPr sz="1200"/>
+            </a:lvl1pPr>
+          </a:lstStyle>
+          <a:p>
+            <a:endParaRPr kumimoji="1" lang="zh-CN" altLang="en-US"/>
+          </a:p>
+        </p:txBody>
+      </p:sp>
+      <p:sp>
+        <p:nvSpPr>
+          <p:cNvPr id="7" name="灯片编号占位符 6"/>
+          <p:cNvSpPr>
+            <a:spLocks noGrp="1"/>
+          </p:cNvSpPr>
+          <p:nvPr>
+            <p:ph type="sldNum" sz="quarter" idx="5"/>
+          </p:nvPr>
+        </p:nvSpPr>
+        <p:spPr>
+          <a:xfrm>
+            <a:off x="3884613" y="8685213"/>
+            <a:ext cx="2971800" cy="458787"/>
+          </a:xfrm>
+          <a:prstGeom prst="rect">
+            <a:avLst/>
+          </a:prstGeom>
+        </p:spPr>
+        <p:txBody>
+          <a:bodyPr vert="horz" lIns="91440" tIns="45720" rIns="91440" bIns="45720" rtlCol="0" anchor="b"/>
+          <a:lstStyle>
+            <a:lvl1pPr algn="r">
+              <a:defRPr sz="1200"/>
+            </a:lvl1pPr>
+          </a:lstStyle>
+          <a:p>
+            <a:fld id="{8AC3DE86-1BAE-4742-82A7-E109ACB8EC62}" type="slidenum">
+              <a:rPr kumimoji="1" lang="zh-CN" altLang="en-US" smtClean="0"/>
+              <a:t>‹#›</a:t>
+            </a:fld>
+            <a:endParaRPr kumimoji="1" lang="zh-CN" altLang="en-US"/>
+          </a:p>
+        </p:txBody>
+      </p:sp>
+    </p:spTree>
+    <p:extLst>
+      <p:ext uri="{BB962C8B-B14F-4D97-AF65-F5344CB8AC3E}">
+        <p14:creationId xmlns:p14="http://schemas.microsoft.com/office/powerpoint/2010/main" val="3114201205"/>
+      </p:ext>
+    </p:extLst>
+  </p:cSld>
+  <p:clrMap bg1="lt1" tx1="dk1" bg2="lt2" tx2="dk2" accent1="accent1" accent2="accent2" accent3="accent3" accent4="accent4" accent5="accent5" accent6="accent6" hlink="hlink" folHlink="folHlink"/>
+  <p:notesStyle>
+    <a:lvl1pPr marL="0" algn="l" defTabSz="914400" rtl="0" eaLnBrk="1" latinLnBrk="0" hangingPunct="1">
+      <a:defRPr sz="1200" kern="1200">
+        <a:solidFill>
+          <a:schemeClr val="tx1"/>
+        </a:solidFill>
+        <a:latin typeface="+mn-lt"/>
+        <a:ea typeface="+mn-ea"/>
+        <a:cs typeface="+mn-cs"/>
+      </a:defRPr>
+    </a:lvl1pPr>
+    <a:lvl2pPr marL="457200" algn="l" defTabSz="914400" rtl="0" eaLnBrk="1" latinLnBrk="0" hangingPunct="1">
+      <a:defRPr sz="1200" kern="1200">
+        <a:solidFill>
+          <a:schemeClr val="tx1"/>
+        </a:solidFill>
+        <a:latin typeface="+mn-lt"/>
+        <a:ea typeface="+mn-ea"/>
+        <a:cs typeface="+mn-cs"/>
+      </a:defRPr>
+    </a:lvl2pPr>
+    <a:lvl3pPr marL="914400" algn="l" defTabSz="914400" rtl="0" eaLnBrk="1" latinLnBrk="0" hangingPunct="1">
+      <a:defRPr sz="1200" kern="1200">
+        <a:solidFill>
+          <a:schemeClr val="tx1"/>
+        </a:solidFill>
+        <a:latin typeface="+mn-lt"/>
+        <a:ea typeface="+mn-ea"/>
+        <a:cs typeface="+mn-cs"/>
+      </a:defRPr>
+    </a:lvl3pPr>
+    <a:lvl4pPr marL="1371600" algn="l" defTabSz="914400" rtl="0" eaLnBrk="1" latinLnBrk="0" hangingPunct="1">
+      <a:defRPr sz="1200" kern="1200">
+        <a:solidFill>
+          <a:schemeClr val="tx1"/>
+        </a:solidFill>
+        <a:latin typeface="+mn-lt"/>
+        <a:ea typeface="+mn-ea"/>
+        <a:cs typeface="+mn-cs"/>
+      </a:defRPr>
+    </a:lvl4pPr>
+    <a:lvl5pPr marL="1828800" algn="l" defTabSz="914400" rtl="0" eaLnBrk="1" latinLnBrk="0" hangingPunct="1">
+      <a:defRPr sz="1200" kern="1200">
+        <a:solidFill>
+          <a:schemeClr val="tx1"/>
+        </a:solidFill>
+        <a:latin typeface="+mn-lt"/>
+        <a:ea typeface="+mn-ea"/>
+        <a:cs typeface="+mn-cs"/>
+      </a:defRPr>
+    </a:lvl5pPr>
+    <a:lvl6pPr marL="2286000" algn="l" defTabSz="914400" rtl="0" eaLnBrk="1" latinLnBrk="0" hangingPunct="1">
+      <a:defRPr sz="1200" kern="1200">
+        <a:solidFill>
+          <a:schemeClr val="tx1"/>
+        </a:solidFill>
+        <a:latin typeface="+mn-lt"/>
+        <a:ea typeface="+mn-ea"/>
+        <a:cs typeface="+mn-cs"/>
+      </a:defRPr>
+    </a:lvl6pPr>
+    <a:lvl7pPr marL="2743200" algn="l" defTabSz="914400" rtl="0" eaLnBrk="1" latinLnBrk="0" hangingPunct="1">
+      <a:defRPr sz="1200" kern="1200">
+        <a:solidFill>
+          <a:schemeClr val="tx1"/>
+        </a:solidFill>
+        <a:latin typeface="+mn-lt"/>
+        <a:ea typeface="+mn-ea"/>
+        <a:cs typeface="+mn-cs"/>
+      </a:defRPr>
+    </a:lvl7pPr>
+    <a:lvl8pPr marL="3200400" algn="l" defTabSz="914400" rtl="0" eaLnBrk="1" latinLnBrk="0" hangingPunct="1">
+      <a:defRPr sz="1200" kern="1200">
+        <a:solidFill>
+          <a:schemeClr val="tx1"/>
+        </a:solidFill>
+        <a:latin typeface="+mn-lt"/>
+        <a:ea typeface="+mn-ea"/>
+        <a:cs typeface="+mn-cs"/>
+      </a:defRPr>
+    </a:lvl8pPr>
+    <a:lvl9pPr marL="3657600" algn="l" defTabSz="914400" rtl="0" eaLnBrk="1" latinLnBrk="0" hangingPunct="1">
+      <a:defRPr sz="1200" kern="1200">
+        <a:solidFill>
+          <a:schemeClr val="tx1"/>
+        </a:solidFill>
+        <a:latin typeface="+mn-lt"/>
+        <a:ea typeface="+mn-ea"/>
+        <a:cs typeface="+mn-cs"/>
+      </a:defRPr>
+    </a:lvl9pPr>
+  </p:notesStyle>
+</p:notesMaster>
+</file>
+
+<file path=ppt/notesSlides/notesSlide1.xml><?xml version="1.0" encoding="utf-8"?>
+<p:notes xmlns:a="http://schemas.openxmlformats.org/drawingml/2006/main" xmlns:r="http://schemas.openxmlformats.org/officeDocument/2006/relationships" xmlns:p="http://schemas.openxmlformats.org/presentationml/2006/main">
+  <p:cSld>
+    <p:spTree>
+      <p:nvGrpSpPr>
+        <p:cNvPr id="1" name=""/>
+        <p:cNvGrpSpPr/>
+        <p:nvPr/>
+      </p:nvGrpSpPr>
+      <p:grpSpPr>
+        <a:xfrm>
+          <a:off x="0" y="0"/>
+          <a:ext cx="0" cy="0"/>
+          <a:chOff x="0" y="0"/>
+          <a:chExt cx="0" cy="0"/>
+        </a:xfrm>
+      </p:grpSpPr>
+      <p:sp>
+        <p:nvSpPr>
+          <p:cNvPr id="2" name="幻灯片图像占位符 1"/>
+          <p:cNvSpPr>
+            <a:spLocks noGrp="1" noRot="1" noChangeAspect="1"/>
+          </p:cNvSpPr>
+          <p:nvPr>
+            <p:ph type="sldImg"/>
+          </p:nvPr>
+        </p:nvSpPr>
+        <p:spPr/>
+      </p:sp>
+      <p:sp>
+        <p:nvSpPr>
+          <p:cNvPr id="3" name="备注占位符 2"/>
+          <p:cNvSpPr>
+            <a:spLocks noGrp="1"/>
+          </p:cNvSpPr>
+          <p:nvPr>
+            <p:ph type="body" idx="1"/>
+          </p:nvPr>
+        </p:nvSpPr>
+        <p:spPr/>
+        <p:txBody>
+          <a:bodyPr/>
+          <a:lstStyle/>
+          <a:p>
+            <a:endParaRPr kumimoji="1" lang="zh-CN" altLang="en-US" dirty="0"/>
+          </a:p>
+        </p:txBody>
+      </p:sp>
+      <p:sp>
+        <p:nvSpPr>
+          <p:cNvPr id="4" name="灯片编号占位符 3"/>
+          <p:cNvSpPr>
+            <a:spLocks noGrp="1"/>
+          </p:cNvSpPr>
+          <p:nvPr>
+            <p:ph type="sldNum" sz="quarter" idx="5"/>
+          </p:nvPr>
+        </p:nvSpPr>
+        <p:spPr/>
+        <p:txBody>
+          <a:bodyPr/>
+          <a:lstStyle/>
+          <a:p>
+            <a:fld id="{8AC3DE86-1BAE-4742-82A7-E109ACB8EC62}" type="slidenum">
+              <a:rPr kumimoji="1" lang="zh-CN" altLang="en-US" smtClean="0"/>
+              <a:t>5</a:t>
+            </a:fld>
+            <a:endParaRPr kumimoji="1" lang="zh-CN" altLang="en-US"/>
+          </a:p>
+        </p:txBody>
+      </p:sp>
+    </p:spTree>
+    <p:extLst>
+      <p:ext uri="{BB962C8B-B14F-4D97-AF65-F5344CB8AC3E}">
+        <p14:creationId xmlns:p14="http://schemas.microsoft.com/office/powerpoint/2010/main" val="60421913"/>
+      </p:ext>
+    </p:extLst>
+  </p:cSld>
+  <p:clrMapOvr>
+    <a:masterClrMapping/>
+  </p:clrMapOvr>
+</p:notes>
+</file>
+
+<file path=ppt/notesSlides/notesSlide2.xml><?xml version="1.0" encoding="utf-8"?>
+<p:notes xmlns:a="http://schemas.openxmlformats.org/drawingml/2006/main" xmlns:r="http://schemas.openxmlformats.org/officeDocument/2006/relationships" xmlns:p="http://schemas.openxmlformats.org/presentationml/2006/main">
+  <p:cSld>
+    <p:spTree>
+      <p:nvGrpSpPr>
+        <p:cNvPr id="1" name=""/>
+        <p:cNvGrpSpPr/>
+        <p:nvPr/>
+      </p:nvGrpSpPr>
+      <p:grpSpPr>
+        <a:xfrm>
+          <a:off x="0" y="0"/>
+          <a:ext cx="0" cy="0"/>
+          <a:chOff x="0" y="0"/>
+          <a:chExt cx="0" cy="0"/>
+        </a:xfrm>
+      </p:grpSpPr>
+      <p:sp>
+        <p:nvSpPr>
+          <p:cNvPr id="2" name="幻灯片图像占位符 1"/>
+          <p:cNvSpPr>
+            <a:spLocks noGrp="1" noRot="1" noChangeAspect="1"/>
+          </p:cNvSpPr>
+          <p:nvPr>
+            <p:ph type="sldImg"/>
+          </p:nvPr>
+        </p:nvSpPr>
+        <p:spPr/>
+      </p:sp>
+      <p:sp>
+        <p:nvSpPr>
+          <p:cNvPr id="3" name="备注占位符 2"/>
+          <p:cNvSpPr>
+            <a:spLocks noGrp="1"/>
+          </p:cNvSpPr>
+          <p:nvPr>
+            <p:ph type="body" idx="1"/>
+          </p:nvPr>
+        </p:nvSpPr>
+        <p:spPr/>
+        <p:txBody>
+          <a:bodyPr/>
+          <a:lstStyle/>
+          <a:p>
+            <a:endParaRPr kumimoji="1" lang="zh-CN" altLang="en-US" dirty="0"/>
+          </a:p>
+        </p:txBody>
+      </p:sp>
+      <p:sp>
+        <p:nvSpPr>
+          <p:cNvPr id="4" name="灯片编号占位符 3"/>
+          <p:cNvSpPr>
+            <a:spLocks noGrp="1"/>
+          </p:cNvSpPr>
+          <p:nvPr>
+            <p:ph type="sldNum" sz="quarter" idx="5"/>
+          </p:nvPr>
+        </p:nvSpPr>
+        <p:spPr/>
+        <p:txBody>
+          <a:bodyPr/>
+          <a:lstStyle/>
+          <a:p>
+            <a:fld id="{8AC3DE86-1BAE-4742-82A7-E109ACB8EC62}" type="slidenum">
+              <a:rPr kumimoji="1" lang="zh-CN" altLang="en-US" smtClean="0"/>
+              <a:t>8</a:t>
+            </a:fld>
+            <a:endParaRPr kumimoji="1" lang="zh-CN" altLang="en-US"/>
+          </a:p>
+        </p:txBody>
+      </p:sp>
+    </p:spTree>
+    <p:extLst>
+      <p:ext uri="{BB962C8B-B14F-4D97-AF65-F5344CB8AC3E}">
+        <p14:creationId xmlns:p14="http://schemas.microsoft.com/office/powerpoint/2010/main" val="3937336497"/>
+      </p:ext>
+    </p:extLst>
+  </p:cSld>
+  <p:clrMapOvr>
+    <a:masterClrMapping/>
+  </p:clrMapOvr>
+</p:notes>
+</file>
+
+<file path=ppt/notesSlides/notesSlide3.xml><?xml version="1.0" encoding="utf-8"?>
+<p:notes xmlns:a="http://schemas.openxmlformats.org/drawingml/2006/main" xmlns:r="http://schemas.openxmlformats.org/officeDocument/2006/relationships" xmlns:p="http://schemas.openxmlformats.org/presentationml/2006/main">
+  <p:cSld>
+    <p:spTree>
+      <p:nvGrpSpPr>
+        <p:cNvPr id="1" name="">
+          <a:extLst>
+            <a:ext uri="{FF2B5EF4-FFF2-40B4-BE49-F238E27FC236}">
+              <a16:creationId xmlns:a16="http://schemas.microsoft.com/office/drawing/2014/main" id="{AF757F01-AA56-C5E7-0FB2-AFFB94BD9F6C}"/>
+            </a:ext>
+          </a:extLst>
+        </p:cNvPr>
+        <p:cNvGrpSpPr/>
+        <p:nvPr/>
+      </p:nvGrpSpPr>
+      <p:grpSpPr>
+        <a:xfrm>
+          <a:off x="0" y="0"/>
+          <a:ext cx="0" cy="0"/>
+          <a:chOff x="0" y="0"/>
+          <a:chExt cx="0" cy="0"/>
+        </a:xfrm>
+      </p:grpSpPr>
+      <p:sp>
+        <p:nvSpPr>
+          <p:cNvPr id="2" name="幻灯片图像占位符 1">
+            <a:extLst>
+              <a:ext uri="{FF2B5EF4-FFF2-40B4-BE49-F238E27FC236}">
+                <a16:creationId xmlns:a16="http://schemas.microsoft.com/office/drawing/2014/main" id="{201C0F7E-4EA1-03A3-9B4C-E260AC19E694}"/>
+              </a:ext>
+            </a:extLst>
+          </p:cNvPr>
+          <p:cNvSpPr>
+            <a:spLocks noGrp="1" noRot="1" noChangeAspect="1"/>
+          </p:cNvSpPr>
+          <p:nvPr>
+            <p:ph type="sldImg"/>
+          </p:nvPr>
+        </p:nvSpPr>
+        <p:spPr/>
+      </p:sp>
+      <p:sp>
+        <p:nvSpPr>
+          <p:cNvPr id="3" name="备注占位符 2">
+            <a:extLst>
+              <a:ext uri="{FF2B5EF4-FFF2-40B4-BE49-F238E27FC236}">
+                <a16:creationId xmlns:a16="http://schemas.microsoft.com/office/drawing/2014/main" id="{EB199794-1FCC-E7DC-662F-00273FBB5E51}"/>
+              </a:ext>
+            </a:extLst>
+          </p:cNvPr>
+          <p:cNvSpPr>
+            <a:spLocks noGrp="1"/>
+          </p:cNvSpPr>
+          <p:nvPr>
+            <p:ph type="body" idx="1"/>
+          </p:nvPr>
+        </p:nvSpPr>
+        <p:spPr/>
+        <p:txBody>
+          <a:bodyPr/>
+          <a:lstStyle/>
+          <a:p>
+            <a:endParaRPr kumimoji="1" lang="zh-CN" altLang="en-US" dirty="0"/>
+          </a:p>
+        </p:txBody>
+      </p:sp>
+      <p:sp>
+        <p:nvSpPr>
+          <p:cNvPr id="4" name="灯片编号占位符 3">
+            <a:extLst>
+              <a:ext uri="{FF2B5EF4-FFF2-40B4-BE49-F238E27FC236}">
+                <a16:creationId xmlns:a16="http://schemas.microsoft.com/office/drawing/2014/main" id="{9E5F4473-6EFE-CB49-DC5D-EE7885C1CB64}"/>
+              </a:ext>
+            </a:extLst>
+          </p:cNvPr>
+          <p:cNvSpPr>
+            <a:spLocks noGrp="1"/>
+          </p:cNvSpPr>
+          <p:nvPr>
+            <p:ph type="sldNum" sz="quarter" idx="5"/>
+          </p:nvPr>
+        </p:nvSpPr>
+        <p:spPr/>
+        <p:txBody>
+          <a:bodyPr/>
+          <a:lstStyle/>
+          <a:p>
+            <a:fld id="{8AC3DE86-1BAE-4742-82A7-E109ACB8EC62}" type="slidenum">
+              <a:rPr kumimoji="1" lang="zh-CN" altLang="en-US" smtClean="0"/>
+              <a:t>9</a:t>
+            </a:fld>
+            <a:endParaRPr kumimoji="1" lang="zh-CN" altLang="en-US"/>
+          </a:p>
+        </p:txBody>
+      </p:sp>
+    </p:spTree>
+    <p:extLst>
+      <p:ext uri="{BB962C8B-B14F-4D97-AF65-F5344CB8AC3E}">
+        <p14:creationId xmlns:p14="http://schemas.microsoft.com/office/powerpoint/2010/main" val="1463159001"/>
+      </p:ext>
+    </p:extLst>
+  </p:cSld>
+  <p:clrMapOvr>
+    <a:masterClrMapping/>
+  </p:clrMapOvr>
+</p:notes>
 </file>
 
 <file path=ppt/slideLayouts/slideLayout1.xml><?xml version="1.0" encoding="utf-8"?>
@@ -632,7 +1261,7 @@
           <a:p>
             <a:fld id="{83284890-85D2-4D7B-8EF5-15A9C1DB8F42}" type="datetimeFigureOut">
               <a:rPr lang="en-US" smtClean="0"/>
-              <a:t>10/14/24</a:t>
+              <a:t>10/16/24</a:t>
             </a:fld>
             <a:endParaRPr lang="en-US"/>
           </a:p>
@@ -812,7 +1441,7 @@
           <a:p>
             <a:fld id="{87157CC2-0FC8-4686-B024-99790E0F5162}" type="datetimeFigureOut">
               <a:rPr lang="en-US" smtClean="0"/>
-              <a:t>10/14/24</a:t>
+              <a:t>10/16/24</a:t>
             </a:fld>
             <a:endParaRPr lang="en-US"/>
           </a:p>
@@ -992,7 +1621,7 @@
           <a:p>
             <a:fld id="{F6764DA5-CD3D-4590-A511-FCD3BC7A793E}" type="datetimeFigureOut">
               <a:rPr lang="en-US" smtClean="0"/>
-              <a:t>10/14/24</a:t>
+              <a:t>10/16/24</a:t>
             </a:fld>
             <a:endParaRPr lang="en-US"/>
           </a:p>
@@ -1162,7 +1791,7 @@
           <a:p>
             <a:fld id="{82F5661D-6934-4B32-B92C-470368BF1EC6}" type="datetimeFigureOut">
               <a:rPr lang="en-US" smtClean="0"/>
-              <a:t>10/14/24</a:t>
+              <a:t>10/16/24</a:t>
             </a:fld>
             <a:endParaRPr lang="en-US"/>
           </a:p>
@@ -1220,6 +1849,42 @@
   <p:clrMapOvr>
     <a:masterClrMapping/>
   </p:clrMapOvr>
+  <p:extLst>
+    <p:ext uri="{DCECCB84-F9BA-43D5-87BE-67443E8EF086}">
+      <p15:sldGuideLst xmlns:p15="http://schemas.microsoft.com/office/powerpoint/2012/main">
+        <p15:guide id="1" pos="665" userDrawn="1">
+          <p15:clr>
+            <a:srgbClr val="FBAE40"/>
+          </p15:clr>
+        </p15:guide>
+        <p15:guide id="2" pos="7015" userDrawn="1">
+          <p15:clr>
+            <a:srgbClr val="FBAE40"/>
+          </p15:clr>
+        </p15:guide>
+        <p15:guide id="3" orient="horz" pos="1003" userDrawn="1">
+          <p15:clr>
+            <a:srgbClr val="FBAE40"/>
+          </p15:clr>
+        </p15:guide>
+        <p15:guide id="4" orient="horz" pos="1253" userDrawn="1">
+          <p15:clr>
+            <a:srgbClr val="FBAE40"/>
+          </p15:clr>
+        </p15:guide>
+        <p15:guide id="5" orient="horz" pos="3884" userDrawn="1">
+          <p15:clr>
+            <a:srgbClr val="FBAE40"/>
+          </p15:clr>
+        </p15:guide>
+        <p15:guide id="6" orient="horz" pos="572" userDrawn="1">
+          <p15:clr>
+            <a:srgbClr val="FBAE40"/>
+          </p15:clr>
+        </p15:guide>
+      </p15:sldGuideLst>
+    </p:ext>
+  </p:extLst>
 </p:sldLayout>
 </file>
 
@@ -1483,7 +2148,7 @@
           <a:p>
             <a:fld id="{C6F822A4-8DA6-4447-9B1F-C5DB58435268}" type="datetimeFigureOut">
               <a:rPr lang="en-US" smtClean="0"/>
-              <a:t>10/14/24</a:t>
+              <a:t>10/16/24</a:t>
             </a:fld>
             <a:endParaRPr lang="en-US" dirty="0"/>
           </a:p>
@@ -1944,7 +2609,7 @@
           <a:p>
             <a:fld id="{E548D31E-DCDA-41A7-9C67-C4B11B94D21D}" type="datetimeFigureOut">
               <a:rPr lang="en-US" smtClean="0"/>
-              <a:t>10/14/24</a:t>
+              <a:t>10/16/24</a:t>
             </a:fld>
             <a:endParaRPr lang="en-US"/>
           </a:p>
@@ -2355,7 +3020,7 @@
           <a:p>
             <a:fld id="{9B3762C0-B258-48F1-ADE6-176B4174CCDD}" type="datetimeFigureOut">
               <a:rPr lang="en-US" smtClean="0"/>
-              <a:t>10/14/24</a:t>
+              <a:t>10/16/24</a:t>
             </a:fld>
             <a:endParaRPr lang="en-US"/>
           </a:p>
@@ -2473,7 +3138,7 @@
           <a:p>
             <a:fld id="{677919A6-33EB-49BD-A62F-1FA56B9F9712}" type="datetimeFigureOut">
               <a:rPr lang="en-US" smtClean="0"/>
-              <a:t>10/14/24</a:t>
+              <a:t>10/16/24</a:t>
             </a:fld>
             <a:endParaRPr lang="en-US"/>
           </a:p>
@@ -2591,7 +3256,7 @@
           <a:p>
             <a:fld id="{CA4E7D1B-D673-4CF6-8672-009D42ABD2A0}" type="datetimeFigureOut">
               <a:rPr lang="en-US" smtClean="0"/>
-              <a:t>10/14/24</a:t>
+              <a:t>10/16/24</a:t>
             </a:fld>
             <a:endParaRPr lang="en-US"/>
           </a:p>
@@ -2949,7 +3614,7 @@
           <a:p>
             <a:fld id="{DA16AA21-1863-4931-97CB-99D0A168701B}" type="datetimeFigureOut">
               <a:rPr lang="en-US" smtClean="0"/>
-              <a:t>10/14/24</a:t>
+              <a:t>10/16/24</a:t>
             </a:fld>
             <a:endParaRPr lang="en-US"/>
           </a:p>
@@ -3456,7 +4121,7 @@
           <a:p>
             <a:fld id="{3772C379-9A7C-4C87-A116-CBE9F58B04C5}" type="datetimeFigureOut">
               <a:rPr lang="en-US" smtClean="0"/>
-              <a:t>10/14/24</a:t>
+              <a:t>10/16/24</a:t>
             </a:fld>
             <a:endParaRPr lang="en-US"/>
           </a:p>
@@ -3811,7 +4476,7 @@
           <a:p>
             <a:fld id="{8664C608-40B1-4030-A28D-5B74BC98ADCE}" type="datetimeFigureOut">
               <a:rPr lang="en-US" smtClean="0"/>
-              <a:t>10/14/24</a:t>
+              <a:t>10/16/24</a:t>
             </a:fld>
             <a:endParaRPr lang="en-US" dirty="0"/>
           </a:p>
@@ -4486,14 +5151,13 @@
           <a:p>
             <a:pPr fontAlgn="base"/>
             <a:r>
-              <a:rPr lang="en-US" altLang="zh-CN" sz="7200" b="1" i="0" dirty="0">
+              <a:rPr lang="en-US" altLang="zh-CN" sz="6600" b="1" i="0" dirty="0">
                 <a:solidFill>
                   <a:srgbClr val="202124"/>
                 </a:solidFill>
                 <a:effectLst/>
-                <a:latin typeface="Inter"/>
               </a:rPr>
-              <a:t>Music &amp; Mental Health Survey Results</a:t>
+              <a:t>Key Resume Attributes Impacting Job Callbacks</a:t>
             </a:r>
           </a:p>
         </p:txBody>
@@ -4516,8 +5180,8 @@
         </p:nvSpPr>
         <p:spPr>
           <a:xfrm>
-            <a:off x="1069848" y="4389119"/>
-            <a:ext cx="7891272" cy="1739537"/>
+            <a:off x="1069847" y="4492356"/>
+            <a:ext cx="8737830" cy="1274262"/>
           </a:xfrm>
         </p:spPr>
         <p:txBody>
@@ -4527,125 +5191,51 @@
           <a:lstStyle/>
           <a:p>
             <a:r>
-              <a:rPr kumimoji="1" lang="en-US" altLang="zh-CN" dirty="0">
-                <a:hlinkClick r:id="rId2"/>
+              <a:rPr lang="en-US" altLang="zh-CN" sz="1800" b="0" i="0" u="none" strike="noStrike" dirty="0" err="1">
+                <a:solidFill>
+                  <a:srgbClr val="000000"/>
+                </a:solidFill>
+                <a:effectLst/>
               </a:rPr>
-              <a:t>https://www.kaggle.com/datasets/catherinerasgaitis/mxmh-survey-results</a:t>
-            </a:r>
-            <a:endParaRPr kumimoji="1" lang="en-US" altLang="zh-CN" dirty="0"/>
-          </a:p>
-          <a:p>
+              <a:t>Kejing</a:t>
+            </a:r>
             <a:r>
               <a:rPr lang="en-US" altLang="zh-CN" sz="1800" b="0" i="0" u="none" strike="noStrike" dirty="0">
                 <a:solidFill>
                   <a:srgbClr val="000000"/>
                 </a:solidFill>
                 <a:effectLst/>
-                <a:latin typeface="Arial" panose="020B0604020202020204" pitchFamily="34" charset="0"/>
               </a:rPr>
-              <a:t>Your title slide should include the </a:t>
-            </a:r>
-            <a:r>
-              <a:rPr lang="en-US" altLang="zh-CN" sz="1800" b="1" i="0" u="none" strike="noStrike" dirty="0">
-                <a:solidFill>
-                  <a:srgbClr val="000000"/>
-                </a:solidFill>
-                <a:effectLst/>
-                <a:latin typeface="Arial" panose="020B0604020202020204" pitchFamily="34" charset="0"/>
-              </a:rPr>
-              <a:t>title</a:t>
-            </a:r>
+              <a:t> Yan</a:t>
+            </a:r>
+          </a:p>
+          <a:p>
             <a:r>
               <a:rPr lang="en-US" altLang="zh-CN" sz="1800" b="0" i="0" u="none" strike="noStrike" dirty="0">
                 <a:solidFill>
                   <a:srgbClr val="000000"/>
                 </a:solidFill>
                 <a:effectLst/>
-                <a:latin typeface="Arial" panose="020B0604020202020204" pitchFamily="34" charset="0"/>
               </a:rPr>
-              <a:t> of your presentation, your </a:t>
-            </a:r>
-            <a:r>
-              <a:rPr lang="en-US" altLang="zh-CN" sz="1800" b="1" i="0" u="none" strike="noStrike" dirty="0">
+              <a:t>Brown University Data Science Institute</a:t>
+            </a:r>
+          </a:p>
+          <a:p>
+            <a:r>
+              <a:rPr lang="en-US" altLang="zh-CN" sz="1800" dirty="0">
                 <a:solidFill>
                   <a:srgbClr val="000000"/>
                 </a:solidFill>
-                <a:effectLst/>
-                <a:latin typeface="Arial" panose="020B0604020202020204" pitchFamily="34" charset="0"/>
+                <a:hlinkClick r:id="rId2"/>
               </a:rPr>
-              <a:t>name</a:t>
-            </a:r>
-            <a:r>
-              <a:rPr lang="en-US" altLang="zh-CN" sz="1800" b="0" i="0" u="none" strike="noStrike" dirty="0">
-                <a:solidFill>
-                  <a:srgbClr val="000000"/>
-                </a:solidFill>
-                <a:effectLst/>
-                <a:latin typeface="Arial" panose="020B0604020202020204" pitchFamily="34" charset="0"/>
-              </a:rPr>
-              <a:t>, </a:t>
-            </a:r>
-            <a:r>
-              <a:rPr lang="en-US" altLang="zh-CN" sz="1800" b="1" i="0" u="none" strike="noStrike" dirty="0">
-                <a:solidFill>
-                  <a:srgbClr val="000000"/>
-                </a:solidFill>
-                <a:effectLst/>
-                <a:latin typeface="Arial" panose="020B0604020202020204" pitchFamily="34" charset="0"/>
-              </a:rPr>
-              <a:t>institute</a:t>
-            </a:r>
-            <a:r>
-              <a:rPr lang="en-US" altLang="zh-CN" sz="1800" b="0" i="0" u="none" strike="noStrike" dirty="0">
-                <a:solidFill>
-                  <a:srgbClr val="000000"/>
-                </a:solidFill>
-                <a:effectLst/>
-                <a:latin typeface="Arial" panose="020B0604020202020204" pitchFamily="34" charset="0"/>
-              </a:rPr>
-              <a:t>, the </a:t>
-            </a:r>
-            <a:r>
-              <a:rPr lang="en-US" altLang="zh-CN" sz="1800" b="1" i="0" u="none" strike="noStrike" dirty="0">
-                <a:solidFill>
-                  <a:srgbClr val="000000"/>
-                </a:solidFill>
-                <a:effectLst/>
-                <a:latin typeface="Arial" panose="020B0604020202020204" pitchFamily="34" charset="0"/>
-              </a:rPr>
-              <a:t>date</a:t>
-            </a:r>
-            <a:r>
-              <a:rPr lang="en-US" altLang="zh-CN" sz="1800" b="0" i="0" u="none" strike="noStrike" dirty="0">
-                <a:solidFill>
-                  <a:srgbClr val="000000"/>
-                </a:solidFill>
-                <a:effectLst/>
-                <a:latin typeface="Arial" panose="020B0604020202020204" pitchFamily="34" charset="0"/>
-              </a:rPr>
-              <a:t> of your presentation, and a link to your </a:t>
-            </a:r>
-            <a:r>
-              <a:rPr lang="en-US" altLang="zh-CN" sz="1800" b="1" i="0" u="none" strike="noStrike" dirty="0">
-                <a:solidFill>
-                  <a:srgbClr val="000000"/>
-                </a:solidFill>
-                <a:effectLst/>
-                <a:latin typeface="Arial" panose="020B0604020202020204" pitchFamily="34" charset="0"/>
-              </a:rPr>
-              <a:t>GitHub</a:t>
-            </a:r>
-            <a:r>
-              <a:rPr lang="en-US" altLang="zh-CN" sz="1800" b="0" i="0" u="none" strike="noStrike" dirty="0">
-                <a:solidFill>
-                  <a:srgbClr val="000000"/>
-                </a:solidFill>
-                <a:effectLst/>
-                <a:latin typeface="Arial" panose="020B0604020202020204" pitchFamily="34" charset="0"/>
-              </a:rPr>
-              <a:t> repository (make sure it’s public). </a:t>
-            </a:r>
-            <a:endParaRPr kumimoji="1" lang="zh-CN" altLang="en-US" dirty="0"/>
+              <a:t>GitHub Repo Link</a:t>
+            </a:r>
+            <a:endParaRPr lang="en-US" altLang="zh-CN" sz="1800" b="0" i="0" u="none" strike="noStrike" dirty="0">
+              <a:solidFill>
+                <a:srgbClr val="000000"/>
+              </a:solidFill>
+              <a:effectLst/>
+            </a:endParaRPr>
           </a:p>
         </p:txBody>
       </p:sp>
@@ -4653,6 +5243,90 @@
     <p:extLst>
       <p:ext uri="{BB962C8B-B14F-4D97-AF65-F5344CB8AC3E}">
         <p14:creationId xmlns:p14="http://schemas.microsoft.com/office/powerpoint/2010/main" val="824827389"/>
+      </p:ext>
+    </p:extLst>
+  </p:cSld>
+  <p:clrMapOvr>
+    <a:masterClrMapping/>
+  </p:clrMapOvr>
+</p:sld>
+</file>
+
+<file path=ppt/slides/slide10.xml><?xml version="1.0" encoding="utf-8"?>
+<p:sld xmlns:a="http://schemas.openxmlformats.org/drawingml/2006/main" xmlns:r="http://schemas.openxmlformats.org/officeDocument/2006/relationships" xmlns:p="http://schemas.openxmlformats.org/presentationml/2006/main">
+  <p:cSld>
+    <p:spTree>
+      <p:nvGrpSpPr>
+        <p:cNvPr id="1" name=""/>
+        <p:cNvGrpSpPr/>
+        <p:nvPr/>
+      </p:nvGrpSpPr>
+      <p:grpSpPr>
+        <a:xfrm>
+          <a:off x="0" y="0"/>
+          <a:ext cx="0" cy="0"/>
+          <a:chOff x="0" y="0"/>
+          <a:chExt cx="0" cy="0"/>
+        </a:xfrm>
+      </p:grpSpPr>
+      <p:sp>
+        <p:nvSpPr>
+          <p:cNvPr id="2" name="标题 1">
+            <a:extLst>
+              <a:ext uri="{FF2B5EF4-FFF2-40B4-BE49-F238E27FC236}">
+                <a16:creationId xmlns:a16="http://schemas.microsoft.com/office/drawing/2014/main" id="{66EF6FF1-F40C-C604-A7AE-670CD5363C1E}"/>
+              </a:ext>
+            </a:extLst>
+          </p:cNvPr>
+          <p:cNvSpPr>
+            <a:spLocks noGrp="1"/>
+          </p:cNvSpPr>
+          <p:nvPr>
+            <p:ph type="title"/>
+          </p:nvPr>
+        </p:nvSpPr>
+        <p:spPr/>
+        <p:txBody>
+          <a:bodyPr/>
+          <a:lstStyle/>
+          <a:p>
+            <a:r>
+              <a:rPr kumimoji="1" lang="en-US" altLang="zh-CN" dirty="0"/>
+              <a:t>Q&amp;A</a:t>
+            </a:r>
+            <a:endParaRPr kumimoji="1" lang="zh-CN" altLang="en-US" dirty="0"/>
+          </a:p>
+        </p:txBody>
+      </p:sp>
+      <p:sp>
+        <p:nvSpPr>
+          <p:cNvPr id="3" name="文本占位符 2">
+            <a:extLst>
+              <a:ext uri="{FF2B5EF4-FFF2-40B4-BE49-F238E27FC236}">
+                <a16:creationId xmlns:a16="http://schemas.microsoft.com/office/drawing/2014/main" id="{7D3D1A14-862A-6EC8-F487-15C1F677443C}"/>
+              </a:ext>
+            </a:extLst>
+          </p:cNvPr>
+          <p:cNvSpPr>
+            <a:spLocks noGrp="1"/>
+          </p:cNvSpPr>
+          <p:nvPr>
+            <p:ph type="body" idx="1"/>
+          </p:nvPr>
+        </p:nvSpPr>
+        <p:spPr/>
+        <p:txBody>
+          <a:bodyPr/>
+          <a:lstStyle/>
+          <a:p>
+            <a:endParaRPr kumimoji="1" lang="zh-CN" altLang="en-US" dirty="0"/>
+          </a:p>
+        </p:txBody>
+      </p:sp>
+    </p:spTree>
+    <p:extLst>
+      <p:ext uri="{BB962C8B-B14F-4D97-AF65-F5344CB8AC3E}">
+        <p14:creationId xmlns:p14="http://schemas.microsoft.com/office/powerpoint/2010/main" val="3987010234"/>
       </p:ext>
     </p:extLst>
   </p:cSld>
@@ -4695,7 +5369,12 @@
             <p:ph type="title"/>
           </p:nvPr>
         </p:nvSpPr>
-        <p:spPr/>
+        <p:spPr>
+          <a:xfrm>
+            <a:off x="971876" y="582603"/>
+            <a:ext cx="10058400" cy="1609344"/>
+          </a:xfrm>
+        </p:spPr>
         <p:txBody>
           <a:bodyPr/>
           <a:lstStyle/>
@@ -4724,37 +5403,335 @@
             <p:ph idx="1"/>
           </p:nvPr>
         </p:nvSpPr>
-        <p:spPr/>
-        <p:txBody>
-          <a:bodyPr/>
-          <a:lstStyle/>
-          <a:p>
-            <a:r>
-              <a:rPr lang="en-US" altLang="zh-CN" sz="1800" b="0" i="0" u="none" strike="noStrike" dirty="0">
-                <a:solidFill>
-                  <a:srgbClr val="000000"/>
-                </a:solidFill>
-                <a:effectLst/>
-                <a:latin typeface="Arial" panose="020B0604020202020204" pitchFamily="34" charset="0"/>
-              </a:rPr>
-              <a:t>where you got the data from, and how the data was collected.</a:t>
-            </a:r>
-          </a:p>
-          <a:p>
-            <a:r>
-              <a:rPr lang="en-US" altLang="zh-CN" sz="1800" b="0" i="0" u="none" strike="noStrike" dirty="0">
-                <a:solidFill>
-                  <a:srgbClr val="000000"/>
-                </a:solidFill>
-                <a:effectLst/>
-                <a:latin typeface="Arial" panose="020B0604020202020204" pitchFamily="34" charset="0"/>
-              </a:rPr>
-              <a:t>The intro slide should explain the problem you want to solve, why this is important, whether it is a regression or classification problem,  </a:t>
-            </a:r>
-            <a:endParaRPr kumimoji="1" lang="zh-CN" altLang="en-US" dirty="0"/>
-          </a:p>
-        </p:txBody>
-      </p:sp>
+        <p:spPr>
+          <a:xfrm>
+            <a:off x="1374760" y="1978252"/>
+            <a:ext cx="9791049" cy="4176712"/>
+          </a:xfrm>
+        </p:spPr>
+        <p:txBody>
+          <a:bodyPr>
+            <a:noAutofit/>
+          </a:bodyPr>
+          <a:lstStyle/>
+          <a:p>
+            <a:pPr marL="0" lvl="1" indent="0">
+              <a:lnSpc>
+                <a:spcPct val="100000"/>
+              </a:lnSpc>
+              <a:spcBef>
+                <a:spcPts val="1200"/>
+              </a:spcBef>
+              <a:buNone/>
+            </a:pPr>
+            <a:r>
+              <a:rPr lang="en-US" altLang="zh-CN" sz="2000" b="1" dirty="0"/>
+              <a:t>Problem to Solve</a:t>
+            </a:r>
+          </a:p>
+          <a:p>
+            <a:pPr lvl="1">
+              <a:lnSpc>
+                <a:spcPct val="100000"/>
+              </a:lnSpc>
+              <a:buFont typeface="Arial" panose="020B0604020202020204" pitchFamily="34" charset="0"/>
+              <a:buChar char="•"/>
+            </a:pPr>
+            <a:r>
+              <a:rPr lang="en-US" altLang="zh-CN" sz="1600" b="1" dirty="0"/>
+              <a:t>Objective</a:t>
+            </a:r>
+            <a:r>
+              <a:rPr lang="en-US" altLang="zh-CN" sz="1600" dirty="0"/>
+              <a:t>: Attributes influential in determining </a:t>
+            </a:r>
+            <a:r>
+              <a:rPr lang="en-US" altLang="zh-CN" sz="1600" i="1" dirty="0"/>
+              <a:t>job application callback rates</a:t>
+            </a:r>
+            <a:r>
+              <a:rPr lang="en-US" altLang="zh-CN" sz="1600" dirty="0"/>
+              <a:t>.</a:t>
+            </a:r>
+          </a:p>
+          <a:p>
+            <a:pPr lvl="1">
+              <a:lnSpc>
+                <a:spcPct val="100000"/>
+              </a:lnSpc>
+              <a:buFont typeface="Arial" panose="020B0604020202020204" pitchFamily="34" charset="0"/>
+              <a:buChar char="•"/>
+            </a:pPr>
+            <a:r>
+              <a:rPr lang="en-US" altLang="zh-CN" sz="1600" b="1" dirty="0"/>
+              <a:t>Key Question</a:t>
+            </a:r>
+            <a:r>
+              <a:rPr lang="en-US" altLang="zh-CN" sz="1600" dirty="0"/>
+              <a:t>: Can we predict factors increase the likelihood of receiving callback?</a:t>
+            </a:r>
+          </a:p>
+          <a:p>
+            <a:pPr marL="0" lvl="1" indent="0">
+              <a:lnSpc>
+                <a:spcPct val="100000"/>
+              </a:lnSpc>
+              <a:spcBef>
+                <a:spcPts val="1200"/>
+              </a:spcBef>
+              <a:buNone/>
+            </a:pPr>
+            <a:r>
+              <a:rPr lang="en-US" altLang="zh-CN" sz="2000" b="1" dirty="0"/>
+              <a:t>Why This is Important</a:t>
+            </a:r>
+          </a:p>
+          <a:p>
+            <a:pPr lvl="1">
+              <a:lnSpc>
+                <a:spcPct val="100000"/>
+              </a:lnSpc>
+              <a:buFont typeface="Arial" panose="020B0604020202020204" pitchFamily="34" charset="0"/>
+              <a:buChar char="•"/>
+            </a:pPr>
+            <a:r>
+              <a:rPr lang="en-US" altLang="zh-CN" sz="1600" b="1" dirty="0"/>
+              <a:t>Importance</a:t>
+            </a:r>
+            <a:r>
+              <a:rPr lang="en-US" altLang="zh-CN" sz="1600" dirty="0"/>
+              <a:t>: Beneficial to help addressing bias in hiring practices.</a:t>
+            </a:r>
+          </a:p>
+          <a:p>
+            <a:pPr lvl="1">
+              <a:lnSpc>
+                <a:spcPct val="100000"/>
+              </a:lnSpc>
+              <a:buFont typeface="Arial" panose="020B0604020202020204" pitchFamily="34" charset="0"/>
+              <a:buChar char="•"/>
+            </a:pPr>
+            <a:r>
+              <a:rPr lang="en-US" altLang="zh-CN" sz="1600" b="1" dirty="0"/>
+              <a:t>Impact</a:t>
+            </a:r>
+            <a:endParaRPr lang="en-US" altLang="zh-CN" sz="1600" dirty="0"/>
+          </a:p>
+          <a:p>
+            <a:pPr lvl="2">
+              <a:lnSpc>
+                <a:spcPct val="100000"/>
+              </a:lnSpc>
+              <a:buFont typeface="Arial" panose="020B0604020202020204" pitchFamily="34" charset="0"/>
+              <a:buChar char="•"/>
+            </a:pPr>
+            <a:r>
+              <a:rPr lang="en-US" altLang="zh-CN" dirty="0"/>
+              <a:t>Improving fairness and transparency in hiring processes</a:t>
+            </a:r>
+          </a:p>
+          <a:p>
+            <a:pPr lvl="2">
+              <a:lnSpc>
+                <a:spcPct val="100000"/>
+              </a:lnSpc>
+              <a:buFont typeface="Arial" panose="020B0604020202020204" pitchFamily="34" charset="0"/>
+              <a:buChar char="•"/>
+            </a:pPr>
+            <a:r>
+              <a:rPr lang="en-US" altLang="zh-CN" dirty="0"/>
+              <a:t>Guiding applicants in optimizing their resumes</a:t>
+            </a:r>
+          </a:p>
+          <a:p>
+            <a:pPr marL="0" indent="0">
+              <a:lnSpc>
+                <a:spcPct val="100000"/>
+              </a:lnSpc>
+              <a:buNone/>
+            </a:pPr>
+            <a:r>
+              <a:rPr lang="en-US" altLang="zh-CN" b="1" dirty="0"/>
+              <a:t>Type of Problem</a:t>
+            </a:r>
+          </a:p>
+          <a:p>
+            <a:pPr lvl="1">
+              <a:lnSpc>
+                <a:spcPct val="100000"/>
+              </a:lnSpc>
+              <a:buFont typeface="Arial" panose="020B0604020202020204" pitchFamily="34" charset="0"/>
+              <a:buChar char="•"/>
+            </a:pPr>
+            <a:r>
+              <a:rPr lang="en-US" altLang="zh-CN" sz="1600" b="1" dirty="0"/>
+              <a:t>Problem Type</a:t>
+            </a:r>
+          </a:p>
+          <a:p>
+            <a:pPr lvl="2">
+              <a:lnSpc>
+                <a:spcPct val="100000"/>
+              </a:lnSpc>
+              <a:buFont typeface="Arial" panose="020B0604020202020204" pitchFamily="34" charset="0"/>
+              <a:buChar char="•"/>
+            </a:pPr>
+            <a:r>
+              <a:rPr lang="en-US" altLang="zh-CN" dirty="0"/>
+              <a:t>This is a </a:t>
+            </a:r>
+            <a:r>
+              <a:rPr lang="en-US" altLang="zh-CN" i="1" u="sng" dirty="0"/>
+              <a:t>binary classification</a:t>
+            </a:r>
+            <a:r>
+              <a:rPr lang="en-US" altLang="zh-CN" i="1" dirty="0"/>
+              <a:t> </a:t>
+            </a:r>
+            <a:r>
+              <a:rPr lang="en-US" altLang="zh-CN" dirty="0"/>
+              <a:t>problem</a:t>
+            </a:r>
+          </a:p>
+          <a:p>
+            <a:pPr lvl="2">
+              <a:lnSpc>
+                <a:spcPct val="100000"/>
+              </a:lnSpc>
+              <a:buFont typeface="Arial" panose="020B0604020202020204" pitchFamily="34" charset="0"/>
+              <a:buChar char="•"/>
+            </a:pPr>
+            <a:r>
+              <a:rPr lang="en-US" altLang="zh-CN" dirty="0"/>
+              <a:t>Target variable (received callback) is either </a:t>
+            </a:r>
+            <a:r>
+              <a:rPr lang="en-US" altLang="zh-CN" b="1" dirty="0"/>
+              <a:t>1</a:t>
+            </a:r>
+            <a:r>
+              <a:rPr lang="en-US" altLang="zh-CN" dirty="0"/>
+              <a:t> (callback received) or </a:t>
+            </a:r>
+            <a:r>
+              <a:rPr lang="en-US" altLang="zh-CN" b="1" dirty="0"/>
+              <a:t>0</a:t>
+            </a:r>
+            <a:r>
+              <a:rPr lang="en-US" altLang="zh-CN" dirty="0"/>
+              <a:t> (no callback received)</a:t>
+            </a:r>
+          </a:p>
+        </p:txBody>
+      </p:sp>
+      <p:pic>
+        <p:nvPicPr>
+          <p:cNvPr id="5" name="图形 4" descr="问题 纯色填充">
+            <a:extLst>
+              <a:ext uri="{FF2B5EF4-FFF2-40B4-BE49-F238E27FC236}">
+                <a16:creationId xmlns:a16="http://schemas.microsoft.com/office/drawing/2014/main" id="{EAAAB612-466A-1030-F58B-A7ED66D5CFD2}"/>
+              </a:ext>
+            </a:extLst>
+          </p:cNvPr>
+          <p:cNvPicPr>
+            <a:picLocks noChangeAspect="1"/>
+          </p:cNvPicPr>
+          <p:nvPr/>
+        </p:nvPicPr>
+        <p:blipFill>
+          <a:blip r:embed="rId2">
+            <a:extLst>
+              <a:ext uri="{96DAC541-7B7A-43D3-8B79-37D633B846F1}">
+                <asvg:svgBlip xmlns:asvg="http://schemas.microsoft.com/office/drawing/2016/SVG/main" r:embed="rId3"/>
+              </a:ext>
+            </a:extLst>
+          </a:blip>
+          <a:stretch>
+            <a:fillRect/>
+          </a:stretch>
+        </p:blipFill>
+        <p:spPr>
+          <a:xfrm>
+            <a:off x="1038714" y="1999544"/>
+            <a:ext cx="355310" cy="355310"/>
+          </a:xfrm>
+          <a:prstGeom prst="rect">
+            <a:avLst/>
+          </a:prstGeom>
+        </p:spPr>
+      </p:pic>
+      <p:pic>
+        <p:nvPicPr>
+          <p:cNvPr id="7" name="图形 6" descr="评论重要 纯色填充">
+            <a:extLst>
+              <a:ext uri="{FF2B5EF4-FFF2-40B4-BE49-F238E27FC236}">
+                <a16:creationId xmlns:a16="http://schemas.microsoft.com/office/drawing/2014/main" id="{2953A872-BD4D-44CD-03D9-ACD775BFD493}"/>
+              </a:ext>
+            </a:extLst>
+          </p:cNvPr>
+          <p:cNvPicPr>
+            <a:picLocks noChangeAspect="1"/>
+          </p:cNvPicPr>
+          <p:nvPr/>
+        </p:nvPicPr>
+        <p:blipFill>
+          <a:blip r:embed="rId4">
+            <a:extLst>
+              <a:ext uri="{96DAC541-7B7A-43D3-8B79-37D633B846F1}">
+                <asvg:svgBlip xmlns:asvg="http://schemas.microsoft.com/office/drawing/2016/SVG/main" r:embed="rId5"/>
+              </a:ext>
+            </a:extLst>
+          </a:blip>
+          <a:stretch>
+            <a:fillRect/>
+          </a:stretch>
+        </p:blipFill>
+        <p:spPr>
+          <a:xfrm>
+            <a:off x="1038714" y="3149510"/>
+            <a:ext cx="355310" cy="355310"/>
+          </a:xfrm>
+          <a:prstGeom prst="rect">
+            <a:avLst/>
+          </a:prstGeom>
+        </p:spPr>
+      </p:pic>
+      <p:pic>
+        <p:nvPicPr>
+          <p:cNvPr id="9" name="图形 8" descr="层次结构 纯色填充">
+            <a:extLst>
+              <a:ext uri="{FF2B5EF4-FFF2-40B4-BE49-F238E27FC236}">
+                <a16:creationId xmlns:a16="http://schemas.microsoft.com/office/drawing/2014/main" id="{89EE9507-11A0-2BFF-DA1E-5552842C8473}"/>
+              </a:ext>
+            </a:extLst>
+          </p:cNvPr>
+          <p:cNvPicPr>
+            <a:picLocks noChangeAspect="1"/>
+          </p:cNvPicPr>
+          <p:nvPr/>
+        </p:nvPicPr>
+        <p:blipFill>
+          <a:blip r:embed="rId6">
+            <a:extLst>
+              <a:ext uri="{96DAC541-7B7A-43D3-8B79-37D633B846F1}">
+                <asvg:svgBlip xmlns:asvg="http://schemas.microsoft.com/office/drawing/2016/SVG/main" r:embed="rId7"/>
+              </a:ext>
+            </a:extLst>
+          </a:blip>
+          <a:stretch>
+            <a:fillRect/>
+          </a:stretch>
+        </p:blipFill>
+        <p:spPr>
+          <a:xfrm>
+            <a:off x="1038714" y="4893504"/>
+            <a:ext cx="355310" cy="355310"/>
+          </a:xfrm>
+          <a:prstGeom prst="rect">
+            <a:avLst/>
+          </a:prstGeom>
+        </p:spPr>
+      </p:pic>
     </p:spTree>
     <p:extLst>
       <p:ext uri="{BB962C8B-B14F-4D97-AF65-F5344CB8AC3E}">
@@ -4790,130 +5767,6 @@
           <p:cNvPr id="2" name="标题 1">
             <a:extLst>
               <a:ext uri="{FF2B5EF4-FFF2-40B4-BE49-F238E27FC236}">
-                <a16:creationId xmlns:a16="http://schemas.microsoft.com/office/drawing/2014/main" id="{3D336F86-B280-2EFF-A208-4ADDF72C51AB}"/>
-              </a:ext>
-            </a:extLst>
-          </p:cNvPr>
-          <p:cNvSpPr>
-            <a:spLocks noGrp="1"/>
-          </p:cNvSpPr>
-          <p:nvPr>
-            <p:ph type="title"/>
-          </p:nvPr>
-        </p:nvSpPr>
-        <p:spPr/>
-        <p:txBody>
-          <a:bodyPr/>
-          <a:lstStyle/>
-          <a:p>
-            <a:r>
-              <a:rPr kumimoji="1" lang="en-US" altLang="zh-CN" dirty="0"/>
-              <a:t>EDA</a:t>
-            </a:r>
-            <a:endParaRPr kumimoji="1" lang="zh-CN" altLang="en-US" dirty="0"/>
-          </a:p>
-        </p:txBody>
-      </p:sp>
-      <p:sp>
-        <p:nvSpPr>
-          <p:cNvPr id="3" name="内容占位符 2">
-            <a:extLst>
-              <a:ext uri="{FF2B5EF4-FFF2-40B4-BE49-F238E27FC236}">
-                <a16:creationId xmlns:a16="http://schemas.microsoft.com/office/drawing/2014/main" id="{BB59492C-7CA5-0F03-605C-AC350086D173}"/>
-              </a:ext>
-            </a:extLst>
-          </p:cNvPr>
-          <p:cNvSpPr>
-            <a:spLocks noGrp="1"/>
-          </p:cNvSpPr>
-          <p:nvPr>
-            <p:ph idx="1"/>
-          </p:nvPr>
-        </p:nvSpPr>
-        <p:spPr/>
-        <p:txBody>
-          <a:bodyPr/>
-          <a:lstStyle/>
-          <a:p>
-            <a:pPr algn="just" rtl="0">
-              <a:spcBef>
-                <a:spcPts val="0"/>
-              </a:spcBef>
-              <a:spcAft>
-                <a:spcPts val="0"/>
-              </a:spcAft>
-            </a:pPr>
-            <a:r>
-              <a:rPr lang="en-US" altLang="zh-CN" sz="1800" b="0" i="0" u="none" strike="noStrike" dirty="0">
-                <a:solidFill>
-                  <a:srgbClr val="000000"/>
-                </a:solidFill>
-                <a:effectLst/>
-                <a:latin typeface="Arial" panose="020B0604020202020204" pitchFamily="34" charset="0"/>
-              </a:rPr>
-              <a:t>Why are they interesting, unexpected, important?</a:t>
-            </a:r>
-          </a:p>
-          <a:p>
-            <a:pPr algn="just" rtl="0">
-              <a:spcBef>
-                <a:spcPts val="0"/>
-              </a:spcBef>
-              <a:spcAft>
-                <a:spcPts val="0"/>
-              </a:spcAft>
-            </a:pPr>
-            <a:r>
-              <a:rPr lang="en-US" altLang="zh-CN" sz="1800" b="0" i="0" u="none" strike="noStrike" dirty="0">
-                <a:solidFill>
-                  <a:srgbClr val="000000"/>
-                </a:solidFill>
-                <a:effectLst/>
-                <a:latin typeface="Arial" panose="020B0604020202020204" pitchFamily="34" charset="0"/>
-              </a:rPr>
-              <a:t>Show us what you think were the most interesting, unexpected, or important insights that you gained during EDA.</a:t>
-            </a:r>
-            <a:endParaRPr lang="en-US" altLang="zh-CN" b="0" dirty="0">
-              <a:effectLst/>
-            </a:endParaRPr>
-          </a:p>
-        </p:txBody>
-      </p:sp>
-    </p:spTree>
-    <p:extLst>
-      <p:ext uri="{BB962C8B-B14F-4D97-AF65-F5344CB8AC3E}">
-        <p14:creationId xmlns:p14="http://schemas.microsoft.com/office/powerpoint/2010/main" val="1744540564"/>
-      </p:ext>
-    </p:extLst>
-  </p:cSld>
-  <p:clrMapOvr>
-    <a:masterClrMapping/>
-  </p:clrMapOvr>
-</p:sld>
-</file>
-
-<file path=ppt/slides/slide4.xml><?xml version="1.0" encoding="utf-8"?>
-<p:sld xmlns:a="http://schemas.openxmlformats.org/drawingml/2006/main" xmlns:r="http://schemas.openxmlformats.org/officeDocument/2006/relationships" xmlns:p="http://schemas.openxmlformats.org/presentationml/2006/main">
-  <p:cSld>
-    <p:spTree>
-      <p:nvGrpSpPr>
-        <p:cNvPr id="1" name=""/>
-        <p:cNvGrpSpPr/>
-        <p:nvPr/>
-      </p:nvGrpSpPr>
-      <p:grpSpPr>
-        <a:xfrm>
-          <a:off x="0" y="0"/>
-          <a:ext cx="0" cy="0"/>
-          <a:chOff x="0" y="0"/>
-          <a:chExt cx="0" cy="0"/>
-        </a:xfrm>
-      </p:grpSpPr>
-      <p:sp>
-        <p:nvSpPr>
-          <p:cNvPr id="2" name="标题 1">
-            <a:extLst>
-              <a:ext uri="{FF2B5EF4-FFF2-40B4-BE49-F238E27FC236}">
                 <a16:creationId xmlns:a16="http://schemas.microsoft.com/office/drawing/2014/main" id="{6C07B5DD-9F51-B759-7646-261544131B01}"/>
               </a:ext>
             </a:extLst>
@@ -4930,32 +5783,18 @@
           <a:bodyPr/>
           <a:lstStyle/>
           <a:p>
+            <a:r>
+              <a:rPr lang="en-US" altLang="zh-CN" dirty="0"/>
+              <a:t>Visualization 1</a:t>
+            </a:r>
+            <a:br>
+              <a:rPr lang="en-US" altLang="zh-CN" dirty="0"/>
+            </a:br>
+            <a:r>
+              <a:rPr lang="en-US" altLang="zh-CN" dirty="0"/>
+              <a:t>(Heatmap)</a:t>
+            </a:r>
             <a:endParaRPr kumimoji="1" lang="zh-CN" altLang="en-US" dirty="0"/>
-          </a:p>
-        </p:txBody>
-      </p:sp>
-      <p:sp>
-        <p:nvSpPr>
-          <p:cNvPr id="3" name="图片占位符 2">
-            <a:extLst>
-              <a:ext uri="{FF2B5EF4-FFF2-40B4-BE49-F238E27FC236}">
-                <a16:creationId xmlns:a16="http://schemas.microsoft.com/office/drawing/2014/main" id="{93E77A59-2F7F-5583-7895-0D247ED5B9C3}"/>
-              </a:ext>
-            </a:extLst>
-          </p:cNvPr>
-          <p:cNvSpPr>
-            <a:spLocks noGrp="1"/>
-          </p:cNvSpPr>
-          <p:nvPr>
-            <p:ph type="pic" idx="1"/>
-          </p:nvPr>
-        </p:nvSpPr>
-        <p:spPr/>
-        <p:txBody>
-          <a:bodyPr/>
-          <a:lstStyle/>
-          <a:p>
-            <a:endParaRPr lang="zh-CN" altLang="en-US" dirty="0"/>
           </a:p>
         </p:txBody>
       </p:sp>
@@ -4977,23 +5816,119 @@
         </p:nvSpPr>
         <p:spPr/>
         <p:txBody>
+          <a:bodyPr>
+            <a:normAutofit/>
+          </a:bodyPr>
+          <a:lstStyle/>
+          <a:p>
+            <a:pPr marL="285750" indent="-285750">
+              <a:buFontTx/>
+              <a:buChar char="-"/>
+            </a:pPr>
+            <a:r>
+              <a:rPr lang="en-US" altLang="zh-CN" sz="1800" dirty="0">
+                <a:solidFill>
+                  <a:schemeClr val="tx1"/>
+                </a:solidFill>
+              </a:rPr>
+              <a:t>Boston shows significantly higher callback rates across most job</a:t>
+            </a:r>
+          </a:p>
+          <a:p>
+            <a:pPr marL="285750" indent="-285750">
+              <a:buFontTx/>
+              <a:buChar char="-"/>
+            </a:pPr>
+            <a:r>
+              <a:rPr kumimoji="1" lang="en-US" altLang="zh-CN" sz="1800" dirty="0">
+                <a:solidFill>
+                  <a:schemeClr val="tx1"/>
+                </a:solidFill>
+              </a:rPr>
+              <a:t>Chicago outcompete Boston in </a:t>
+            </a:r>
+            <a:r>
+              <a:rPr kumimoji="1" lang="en-US" altLang="zh-CN" sz="1800" dirty="0" err="1">
+                <a:solidFill>
+                  <a:schemeClr val="tx1"/>
+                </a:solidFill>
+              </a:rPr>
+              <a:t>Sales_rep</a:t>
+            </a:r>
+            <a:endParaRPr kumimoji="1" lang="en-US" altLang="zh-CN" sz="1800" dirty="0">
+              <a:solidFill>
+                <a:schemeClr val="tx1"/>
+              </a:solidFill>
+            </a:endParaRPr>
+          </a:p>
+          <a:p>
+            <a:endParaRPr kumimoji="1" lang="zh-CN" altLang="en-US" sz="1100" dirty="0">
+              <a:solidFill>
+                <a:schemeClr val="tx1"/>
+              </a:solidFill>
+            </a:endParaRPr>
+          </a:p>
+        </p:txBody>
+      </p:sp>
+      <p:sp>
+        <p:nvSpPr>
+          <p:cNvPr id="7" name="图片占位符 6">
+            <a:extLst>
+              <a:ext uri="{FF2B5EF4-FFF2-40B4-BE49-F238E27FC236}">
+                <a16:creationId xmlns:a16="http://schemas.microsoft.com/office/drawing/2014/main" id="{D5544B9A-7709-C9D6-FCB2-36AED9FC670F}"/>
+              </a:ext>
+            </a:extLst>
+          </p:cNvPr>
+          <p:cNvSpPr>
+            <a:spLocks noGrp="1"/>
+          </p:cNvSpPr>
+          <p:nvPr>
+            <p:ph type="pic" idx="1"/>
+          </p:nvPr>
+        </p:nvSpPr>
+        <p:spPr>
+          <a:solidFill>
+            <a:schemeClr val="bg1"/>
+          </a:solidFill>
+        </p:spPr>
+        <p:txBody>
           <a:bodyPr/>
           <a:lstStyle/>
           <a:p>
-            <a:r>
-              <a:rPr lang="en-US" altLang="zh-CN" sz="1800" b="0" i="0" u="none" strike="noStrike" dirty="0">
-                <a:solidFill>
-                  <a:srgbClr val="000000"/>
-                </a:solidFill>
-                <a:effectLst/>
-                <a:latin typeface="Arial" panose="020B0604020202020204" pitchFamily="34" charset="0"/>
-              </a:rPr>
-              <a:t>at least three different informative visualization types</a:t>
-            </a:r>
-            <a:endParaRPr kumimoji="1" lang="zh-CN" altLang="en-US" dirty="0"/>
-          </a:p>
-        </p:txBody>
-      </p:sp>
+            <a:endParaRPr lang="zh-CN" altLang="en-US" dirty="0"/>
+          </a:p>
+        </p:txBody>
+      </p:sp>
+      <p:pic>
+        <p:nvPicPr>
+          <p:cNvPr id="9" name="图片 8">
+            <a:extLst>
+              <a:ext uri="{FF2B5EF4-FFF2-40B4-BE49-F238E27FC236}">
+                <a16:creationId xmlns:a16="http://schemas.microsoft.com/office/drawing/2014/main" id="{705F7D02-3A18-1E5C-1397-1584B6126825}"/>
+              </a:ext>
+            </a:extLst>
+          </p:cNvPr>
+          <p:cNvPicPr>
+            <a:picLocks noChangeAspect="1"/>
+          </p:cNvPicPr>
+          <p:nvPr/>
+        </p:nvPicPr>
+        <p:blipFill>
+          <a:blip r:embed="rId2"/>
+          <a:stretch>
+            <a:fillRect/>
+          </a:stretch>
+        </p:blipFill>
+        <p:spPr>
+          <a:xfrm>
+            <a:off x="1" y="331780"/>
+            <a:ext cx="8303739" cy="6253432"/>
+          </a:xfrm>
+          <a:prstGeom prst="rect">
+            <a:avLst/>
+          </a:prstGeom>
+        </p:spPr>
+      </p:pic>
     </p:spTree>
     <p:extLst>
       <p:ext uri="{BB962C8B-B14F-4D97-AF65-F5344CB8AC3E}">
@@ -5007,7 +5942,7 @@
 </p:sld>
 </file>
 
-<file path=ppt/slides/slide5.xml><?xml version="1.0" encoding="utf-8"?>
+<file path=ppt/slides/slide4.xml><?xml version="1.0" encoding="utf-8"?>
 <p:sld xmlns:a="http://schemas.openxmlformats.org/drawingml/2006/main" xmlns:r="http://schemas.openxmlformats.org/officeDocument/2006/relationships" xmlns:p="http://schemas.openxmlformats.org/presentationml/2006/main">
   <p:cSld>
     <p:spTree>
@@ -5051,6 +5986,17 @@
           <a:bodyPr/>
           <a:lstStyle/>
           <a:p>
+            <a:r>
+              <a:rPr kumimoji="1" lang="en-US" altLang="zh-CN" dirty="0"/>
+              <a:t>VISUALIZATION 2</a:t>
+            </a:r>
+            <a:br>
+              <a:rPr kumimoji="1" lang="en-US" altLang="zh-CN" dirty="0"/>
+            </a:br>
+            <a:r>
+              <a:rPr kumimoji="1" lang="en-US" altLang="zh-CN" dirty="0"/>
+              <a:t>(Histogram)</a:t>
+            </a:r>
             <a:endParaRPr kumimoji="1" lang="zh-CN" altLang="en-US" dirty="0"/>
           </a:p>
         </p:txBody>
@@ -5071,7 +6017,11 @@
             <p:ph type="pic" idx="1"/>
           </p:nvPr>
         </p:nvSpPr>
-        <p:spPr/>
+        <p:spPr>
+          <a:solidFill>
+            <a:schemeClr val="bg1"/>
+          </a:solidFill>
+        </p:spPr>
         <p:txBody>
           <a:bodyPr/>
           <a:lstStyle/>
@@ -5101,20 +6051,68 @@
           <a:bodyPr/>
           <a:lstStyle/>
           <a:p>
+            <a:pPr marL="285750" indent="-285750">
+              <a:buFontTx/>
+              <a:buChar char="-"/>
+            </a:pPr>
             <a:r>
               <a:rPr lang="en-US" altLang="zh-CN" sz="1800" b="0" i="0" u="none" strike="noStrike" dirty="0">
                 <a:solidFill>
                   <a:srgbClr val="000000"/>
                 </a:solidFill>
                 <a:effectLst/>
-                <a:latin typeface="Arial" panose="020B0604020202020204" pitchFamily="34" charset="0"/>
               </a:rPr>
-              <a:t>at least three different informative visualization types</a:t>
+              <a:t>Candidates with 2 years of college experience have the highest callback rate</a:t>
+            </a:r>
+          </a:p>
+          <a:p>
+            <a:pPr marL="285750" indent="-285750">
+              <a:buFontTx/>
+              <a:buChar char="-"/>
+            </a:pPr>
+            <a:r>
+              <a:rPr lang="en-US" altLang="zh-CN" sz="1800" b="0" i="0" u="none" strike="noStrike" dirty="0">
+                <a:solidFill>
+                  <a:srgbClr val="000000"/>
+                </a:solidFill>
+                <a:effectLst/>
+              </a:rPr>
+              <a:t>Surprisingly, those with 4 years show lower callback rates.</a:t>
             </a:r>
             <a:endParaRPr kumimoji="1" lang="zh-CN" altLang="en-US" dirty="0"/>
           </a:p>
         </p:txBody>
       </p:sp>
+      <p:pic>
+        <p:nvPicPr>
+          <p:cNvPr id="7" name="图片 6">
+            <a:extLst>
+              <a:ext uri="{FF2B5EF4-FFF2-40B4-BE49-F238E27FC236}">
+                <a16:creationId xmlns:a16="http://schemas.microsoft.com/office/drawing/2014/main" id="{04762C09-E2C4-740B-9221-1AFCEB4C80B9}"/>
+              </a:ext>
+            </a:extLst>
+          </p:cNvPr>
+          <p:cNvPicPr>
+            <a:picLocks noChangeAspect="1"/>
+          </p:cNvPicPr>
+          <p:nvPr/>
+        </p:nvPicPr>
+        <p:blipFill>
+          <a:blip r:embed="rId2"/>
+          <a:stretch>
+            <a:fillRect/>
+          </a:stretch>
+        </p:blipFill>
+        <p:spPr>
+          <a:xfrm>
+            <a:off x="1" y="973321"/>
+            <a:ext cx="8303739" cy="4911358"/>
+          </a:xfrm>
+          <a:prstGeom prst="rect">
+            <a:avLst/>
+          </a:prstGeom>
+        </p:spPr>
+      </p:pic>
     </p:spTree>
     <p:extLst>
       <p:ext uri="{BB962C8B-B14F-4D97-AF65-F5344CB8AC3E}">
@@ -5128,7 +6126,7 @@
 </p:sld>
 </file>
 
-<file path=ppt/slides/slide6.xml><?xml version="1.0" encoding="utf-8"?>
+<file path=ppt/slides/slide5.xml><?xml version="1.0" encoding="utf-8"?>
 <p:sld xmlns:a="http://schemas.openxmlformats.org/drawingml/2006/main" xmlns:r="http://schemas.openxmlformats.org/officeDocument/2006/relationships" xmlns:p="http://schemas.openxmlformats.org/presentationml/2006/main">
   <p:cSld>
     <p:spTree>
@@ -5172,6 +6170,17 @@
           <a:bodyPr/>
           <a:lstStyle/>
           <a:p>
+            <a:r>
+              <a:rPr lang="en-US" altLang="zh-CN" dirty="0"/>
+              <a:t>Visualization 3</a:t>
+            </a:r>
+            <a:br>
+              <a:rPr lang="en-US" altLang="zh-CN" dirty="0"/>
+            </a:br>
+            <a:r>
+              <a:rPr lang="en-US" altLang="zh-CN" dirty="0"/>
+              <a:t>(Pie chart)</a:t>
+            </a:r>
             <a:endParaRPr kumimoji="1" lang="zh-CN" altLang="en-US" dirty="0"/>
           </a:p>
         </p:txBody>
@@ -5192,7 +6201,11 @@
             <p:ph type="pic" idx="1"/>
           </p:nvPr>
         </p:nvSpPr>
-        <p:spPr/>
+        <p:spPr>
+          <a:solidFill>
+            <a:schemeClr val="bg1"/>
+          </a:solidFill>
+        </p:spPr>
         <p:txBody>
           <a:bodyPr/>
           <a:lstStyle/>
@@ -5219,27 +6232,939 @@
         </p:nvSpPr>
         <p:spPr/>
         <p:txBody>
-          <a:bodyPr/>
-          <a:lstStyle/>
-          <a:p>
-            <a:r>
-              <a:rPr lang="en-US" altLang="zh-CN" sz="1800" b="0" i="0" u="none" strike="noStrike" dirty="0">
+          <a:bodyPr>
+            <a:normAutofit/>
+          </a:bodyPr>
+          <a:lstStyle/>
+          <a:p>
+            <a:pPr marL="285750" indent="-285750">
+              <a:buFontTx/>
+              <a:buChar char="-"/>
+            </a:pPr>
+            <a:r>
+              <a:rPr kumimoji="1" lang="en-US" altLang="zh-CN" sz="1800" dirty="0">
                 <a:solidFill>
-                  <a:srgbClr val="000000"/>
+                  <a:schemeClr val="tx1"/>
                 </a:solidFill>
-                <a:effectLst/>
-                <a:latin typeface="Arial" panose="020B0604020202020204" pitchFamily="34" charset="0"/>
               </a:rPr>
-              <a:t>at least three different informative visualization types</a:t>
-            </a:r>
-            <a:endParaRPr kumimoji="1" lang="zh-CN" altLang="en-US" dirty="0"/>
-          </a:p>
-        </p:txBody>
-      </p:sp>
+              <a:t>A surprising 55.9% of callbacks are for applicants without listed computer skills</a:t>
+            </a:r>
+          </a:p>
+          <a:p>
+            <a:pPr marL="285750" indent="-285750">
+              <a:buFontTx/>
+              <a:buChar char="-"/>
+            </a:pPr>
+            <a:r>
+              <a:rPr kumimoji="1" lang="en-US" altLang="zh-CN" sz="1800" dirty="0">
+                <a:solidFill>
+                  <a:schemeClr val="tx1"/>
+                </a:solidFill>
+              </a:rPr>
+              <a:t>While 44.1% of callbacks are for those with computer skills.</a:t>
+            </a:r>
+            <a:endParaRPr kumimoji="1" lang="zh-CN" altLang="en-US" sz="1800" dirty="0">
+              <a:solidFill>
+                <a:schemeClr val="tx1"/>
+              </a:solidFill>
+            </a:endParaRPr>
+          </a:p>
+        </p:txBody>
+      </p:sp>
+      <p:pic>
+        <p:nvPicPr>
+          <p:cNvPr id="5" name="图片 4">
+            <a:extLst>
+              <a:ext uri="{FF2B5EF4-FFF2-40B4-BE49-F238E27FC236}">
+                <a16:creationId xmlns:a16="http://schemas.microsoft.com/office/drawing/2014/main" id="{17BD4F98-218B-C6A9-E911-D6E01B1311F2}"/>
+              </a:ext>
+            </a:extLst>
+          </p:cNvPr>
+          <p:cNvPicPr>
+            <a:picLocks noChangeAspect="1"/>
+          </p:cNvPicPr>
+          <p:nvPr/>
+        </p:nvPicPr>
+        <p:blipFill>
+          <a:blip r:embed="rId3"/>
+          <a:stretch>
+            <a:fillRect/>
+          </a:stretch>
+        </p:blipFill>
+        <p:spPr>
+          <a:xfrm>
+            <a:off x="1225951" y="0"/>
+            <a:ext cx="5853275" cy="6828820"/>
+          </a:xfrm>
+          <a:prstGeom prst="rect">
+            <a:avLst/>
+          </a:prstGeom>
+        </p:spPr>
+      </p:pic>
     </p:spTree>
     <p:extLst>
       <p:ext uri="{BB962C8B-B14F-4D97-AF65-F5344CB8AC3E}">
         <p14:creationId xmlns:p14="http://schemas.microsoft.com/office/powerpoint/2010/main" val="2010421955"/>
+      </p:ext>
+    </p:extLst>
+  </p:cSld>
+  <p:clrMapOvr>
+    <a:masterClrMapping/>
+  </p:clrMapOvr>
+</p:sld>
+</file>
+
+<file path=ppt/slides/slide6.xml><?xml version="1.0" encoding="utf-8"?>
+<p:sld xmlns:a="http://schemas.openxmlformats.org/drawingml/2006/main" xmlns:r="http://schemas.openxmlformats.org/officeDocument/2006/relationships" xmlns:p="http://schemas.openxmlformats.org/presentationml/2006/main">
+  <p:cSld>
+    <p:spTree>
+      <p:nvGrpSpPr>
+        <p:cNvPr id="1" name=""/>
+        <p:cNvGrpSpPr/>
+        <p:nvPr/>
+      </p:nvGrpSpPr>
+      <p:grpSpPr>
+        <a:xfrm>
+          <a:off x="0" y="0"/>
+          <a:ext cx="0" cy="0"/>
+          <a:chOff x="0" y="0"/>
+          <a:chExt cx="0" cy="0"/>
+        </a:xfrm>
+      </p:grpSpPr>
+      <p:sp>
+        <p:nvSpPr>
+          <p:cNvPr id="2" name="标题 1">
+            <a:extLst>
+              <a:ext uri="{FF2B5EF4-FFF2-40B4-BE49-F238E27FC236}">
+                <a16:creationId xmlns:a16="http://schemas.microsoft.com/office/drawing/2014/main" id="{A3BB1D06-F0D1-2968-8F3E-F3694C1E8E43}"/>
+              </a:ext>
+            </a:extLst>
+          </p:cNvPr>
+          <p:cNvSpPr>
+            <a:spLocks noGrp="1"/>
+          </p:cNvSpPr>
+          <p:nvPr>
+            <p:ph type="title"/>
+          </p:nvPr>
+        </p:nvSpPr>
+        <p:spPr>
+          <a:xfrm>
+            <a:off x="960990" y="571717"/>
+            <a:ext cx="10058400" cy="1609344"/>
+          </a:xfrm>
+        </p:spPr>
+        <p:txBody>
+          <a:bodyPr/>
+          <a:lstStyle/>
+          <a:p>
+            <a:r>
+              <a:rPr kumimoji="1" lang="en-US" altLang="zh-CN" dirty="0"/>
+              <a:t>Splitting</a:t>
+            </a:r>
+            <a:endParaRPr kumimoji="1" lang="zh-CN" altLang="en-US" dirty="0"/>
+          </a:p>
+        </p:txBody>
+      </p:sp>
+      <p:sp>
+        <p:nvSpPr>
+          <p:cNvPr id="4" name="矩形 3">
+            <a:extLst>
+              <a:ext uri="{FF2B5EF4-FFF2-40B4-BE49-F238E27FC236}">
+                <a16:creationId xmlns:a16="http://schemas.microsoft.com/office/drawing/2014/main" id="{93C97502-3D82-94C1-5B05-A6B4665C624E}"/>
+              </a:ext>
+            </a:extLst>
+          </p:cNvPr>
+          <p:cNvSpPr/>
+          <p:nvPr/>
+        </p:nvSpPr>
+        <p:spPr>
+          <a:xfrm>
+            <a:off x="1055688" y="2000024"/>
+            <a:ext cx="5841202" cy="4165826"/>
+          </a:xfrm>
+          <a:prstGeom prst="rect">
+            <a:avLst/>
+          </a:prstGeom>
+          <a:solidFill>
+            <a:schemeClr val="accent1">
+              <a:lumMod val="20000"/>
+              <a:lumOff val="80000"/>
+            </a:schemeClr>
+          </a:solidFill>
+          <a:ln>
+            <a:noFill/>
+          </a:ln>
+        </p:spPr>
+        <p:style>
+          <a:lnRef idx="2">
+            <a:schemeClr val="accent1">
+              <a:shade val="15000"/>
+            </a:schemeClr>
+          </a:lnRef>
+          <a:fillRef idx="1">
+            <a:schemeClr val="accent1"/>
+          </a:fillRef>
+          <a:effectRef idx="0">
+            <a:schemeClr val="accent1"/>
+          </a:effectRef>
+          <a:fontRef idx="minor">
+            <a:schemeClr val="lt1"/>
+          </a:fontRef>
+        </p:style>
+        <p:txBody>
+          <a:bodyPr rtlCol="0" anchor="ctr"/>
+          <a:lstStyle/>
+          <a:p>
+            <a:pPr algn="ctr"/>
+            <a:endParaRPr kumimoji="1" lang="zh-CN" altLang="en-US"/>
+          </a:p>
+        </p:txBody>
+      </p:sp>
+      <p:grpSp>
+        <p:nvGrpSpPr>
+          <p:cNvPr id="29" name="组合 28">
+            <a:extLst>
+              <a:ext uri="{FF2B5EF4-FFF2-40B4-BE49-F238E27FC236}">
+                <a16:creationId xmlns:a16="http://schemas.microsoft.com/office/drawing/2014/main" id="{2E5A0803-F39D-E3CB-CB1D-1CB96C0E8D65}"/>
+              </a:ext>
+            </a:extLst>
+          </p:cNvPr>
+          <p:cNvGrpSpPr/>
+          <p:nvPr/>
+        </p:nvGrpSpPr>
+        <p:grpSpPr>
+          <a:xfrm>
+            <a:off x="1297134" y="2608793"/>
+            <a:ext cx="5358309" cy="2948287"/>
+            <a:chOff x="1223421" y="2276856"/>
+            <a:chExt cx="5358309" cy="2948287"/>
+          </a:xfrm>
+        </p:grpSpPr>
+        <p:sp>
+          <p:nvSpPr>
+            <p:cNvPr id="5" name="矩形 4">
+              <a:extLst>
+                <a:ext uri="{FF2B5EF4-FFF2-40B4-BE49-F238E27FC236}">
+                  <a16:creationId xmlns:a16="http://schemas.microsoft.com/office/drawing/2014/main" id="{14D5B181-F0EF-67EC-764C-EF83996D5556}"/>
+                </a:ext>
+              </a:extLst>
+            </p:cNvPr>
+            <p:cNvSpPr/>
+            <p:nvPr/>
+          </p:nvSpPr>
+          <p:spPr>
+            <a:xfrm>
+              <a:off x="2942949" y="2276856"/>
+              <a:ext cx="1951590" cy="587829"/>
+            </a:xfrm>
+            <a:prstGeom prst="rect">
+              <a:avLst/>
+            </a:prstGeom>
+            <a:ln>
+              <a:solidFill>
+                <a:schemeClr val="bg1"/>
+              </a:solidFill>
+            </a:ln>
+          </p:spPr>
+          <p:style>
+            <a:lnRef idx="2">
+              <a:schemeClr val="accent1">
+                <a:shade val="15000"/>
+              </a:schemeClr>
+            </a:lnRef>
+            <a:fillRef idx="1">
+              <a:schemeClr val="accent1"/>
+            </a:fillRef>
+            <a:effectRef idx="0">
+              <a:schemeClr val="accent1"/>
+            </a:effectRef>
+            <a:fontRef idx="minor">
+              <a:schemeClr val="lt1"/>
+            </a:fontRef>
+          </p:style>
+          <p:txBody>
+            <a:bodyPr rtlCol="0" anchor="ctr"/>
+            <a:lstStyle/>
+            <a:p>
+              <a:pPr algn="ctr"/>
+              <a:r>
+                <a:rPr kumimoji="1" lang="en-US" altLang="zh-CN" dirty="0"/>
+                <a:t>Dataset</a:t>
+              </a:r>
+              <a:endParaRPr kumimoji="1" lang="zh-CN" altLang="en-US" dirty="0"/>
+            </a:p>
+          </p:txBody>
+        </p:sp>
+        <p:sp>
+          <p:nvSpPr>
+            <p:cNvPr id="8" name="矩形 7">
+              <a:extLst>
+                <a:ext uri="{FF2B5EF4-FFF2-40B4-BE49-F238E27FC236}">
+                  <a16:creationId xmlns:a16="http://schemas.microsoft.com/office/drawing/2014/main" id="{2BEC0EB4-E734-C5F6-B061-816B4D01801A}"/>
+                </a:ext>
+              </a:extLst>
+            </p:cNvPr>
+            <p:cNvSpPr/>
+            <p:nvPr/>
+          </p:nvSpPr>
+          <p:spPr>
+            <a:xfrm>
+              <a:off x="1223421" y="3834909"/>
+              <a:ext cx="1649202" cy="1390234"/>
+            </a:xfrm>
+            <a:prstGeom prst="rect">
+              <a:avLst/>
+            </a:prstGeom>
+            <a:ln>
+              <a:solidFill>
+                <a:schemeClr val="bg1"/>
+              </a:solidFill>
+            </a:ln>
+          </p:spPr>
+          <p:style>
+            <a:lnRef idx="2">
+              <a:schemeClr val="accent1">
+                <a:shade val="15000"/>
+              </a:schemeClr>
+            </a:lnRef>
+            <a:fillRef idx="1">
+              <a:schemeClr val="accent1"/>
+            </a:fillRef>
+            <a:effectRef idx="0">
+              <a:schemeClr val="accent1"/>
+            </a:effectRef>
+            <a:fontRef idx="minor">
+              <a:schemeClr val="lt1"/>
+            </a:fontRef>
+          </p:style>
+          <p:txBody>
+            <a:bodyPr rtlCol="0" anchor="ctr"/>
+            <a:lstStyle/>
+            <a:p>
+              <a:pPr algn="ctr"/>
+              <a:r>
+                <a:rPr kumimoji="1" lang="en-US" altLang="zh-CN" dirty="0"/>
+                <a:t>Training Set</a:t>
+              </a:r>
+            </a:p>
+            <a:p>
+              <a:pPr algn="ctr"/>
+              <a:r>
+                <a:rPr kumimoji="1" lang="en-US" altLang="zh-CN" dirty="0"/>
+                <a:t>60%</a:t>
+              </a:r>
+              <a:endParaRPr kumimoji="1" lang="zh-CN" altLang="en-US" dirty="0"/>
+            </a:p>
+          </p:txBody>
+        </p:sp>
+        <p:sp>
+          <p:nvSpPr>
+            <p:cNvPr id="9" name="矩形 8">
+              <a:extLst>
+                <a:ext uri="{FF2B5EF4-FFF2-40B4-BE49-F238E27FC236}">
+                  <a16:creationId xmlns:a16="http://schemas.microsoft.com/office/drawing/2014/main" id="{6A08A566-BE16-9F06-6927-602E88DCC594}"/>
+                </a:ext>
+              </a:extLst>
+            </p:cNvPr>
+            <p:cNvSpPr/>
+            <p:nvPr/>
+          </p:nvSpPr>
+          <p:spPr>
+            <a:xfrm>
+              <a:off x="3094143" y="3834909"/>
+              <a:ext cx="1649202" cy="1390234"/>
+            </a:xfrm>
+            <a:prstGeom prst="rect">
+              <a:avLst/>
+            </a:prstGeom>
+            <a:ln>
+              <a:solidFill>
+                <a:schemeClr val="bg1"/>
+              </a:solidFill>
+            </a:ln>
+          </p:spPr>
+          <p:style>
+            <a:lnRef idx="2">
+              <a:schemeClr val="accent1">
+                <a:shade val="15000"/>
+              </a:schemeClr>
+            </a:lnRef>
+            <a:fillRef idx="1">
+              <a:schemeClr val="accent1"/>
+            </a:fillRef>
+            <a:effectRef idx="0">
+              <a:schemeClr val="accent1"/>
+            </a:effectRef>
+            <a:fontRef idx="minor">
+              <a:schemeClr val="lt1"/>
+            </a:fontRef>
+          </p:style>
+          <p:txBody>
+            <a:bodyPr rtlCol="0" anchor="ctr"/>
+            <a:lstStyle/>
+            <a:p>
+              <a:pPr algn="ctr"/>
+              <a:r>
+                <a:rPr kumimoji="1" lang="en-US" altLang="zh-CN" dirty="0"/>
+                <a:t>Validation Set</a:t>
+              </a:r>
+            </a:p>
+            <a:p>
+              <a:pPr algn="ctr"/>
+              <a:r>
+                <a:rPr kumimoji="1" lang="en-US" altLang="zh-CN" dirty="0"/>
+                <a:t>20%</a:t>
+              </a:r>
+              <a:endParaRPr kumimoji="1" lang="zh-CN" altLang="en-US" dirty="0"/>
+            </a:p>
+          </p:txBody>
+        </p:sp>
+        <p:sp>
+          <p:nvSpPr>
+            <p:cNvPr id="10" name="矩形 9">
+              <a:extLst>
+                <a:ext uri="{FF2B5EF4-FFF2-40B4-BE49-F238E27FC236}">
+                  <a16:creationId xmlns:a16="http://schemas.microsoft.com/office/drawing/2014/main" id="{6DF627C9-2868-7AFE-0333-691CB133A203}"/>
+                </a:ext>
+              </a:extLst>
+            </p:cNvPr>
+            <p:cNvSpPr/>
+            <p:nvPr/>
+          </p:nvSpPr>
+          <p:spPr>
+            <a:xfrm>
+              <a:off x="4932528" y="3834909"/>
+              <a:ext cx="1649202" cy="1390234"/>
+            </a:xfrm>
+            <a:prstGeom prst="rect">
+              <a:avLst/>
+            </a:prstGeom>
+            <a:ln>
+              <a:solidFill>
+                <a:schemeClr val="bg1"/>
+              </a:solidFill>
+            </a:ln>
+          </p:spPr>
+          <p:style>
+            <a:lnRef idx="2">
+              <a:schemeClr val="accent1">
+                <a:shade val="15000"/>
+              </a:schemeClr>
+            </a:lnRef>
+            <a:fillRef idx="1">
+              <a:schemeClr val="accent1"/>
+            </a:fillRef>
+            <a:effectRef idx="0">
+              <a:schemeClr val="accent1"/>
+            </a:effectRef>
+            <a:fontRef idx="minor">
+              <a:schemeClr val="lt1"/>
+            </a:fontRef>
+          </p:style>
+          <p:txBody>
+            <a:bodyPr rtlCol="0" anchor="ctr"/>
+            <a:lstStyle/>
+            <a:p>
+              <a:pPr algn="ctr"/>
+              <a:r>
+                <a:rPr kumimoji="1" lang="en-US" altLang="zh-CN" dirty="0"/>
+                <a:t>Training Set</a:t>
+              </a:r>
+            </a:p>
+            <a:p>
+              <a:pPr algn="ctr"/>
+              <a:r>
+                <a:rPr kumimoji="1" lang="en-US" altLang="zh-CN" dirty="0"/>
+                <a:t>20%</a:t>
+              </a:r>
+              <a:endParaRPr kumimoji="1" lang="zh-CN" altLang="en-US" dirty="0"/>
+            </a:p>
+          </p:txBody>
+        </p:sp>
+        <p:cxnSp>
+          <p:nvCxnSpPr>
+            <p:cNvPr id="19" name="直线箭头连接符 18">
+              <a:extLst>
+                <a:ext uri="{FF2B5EF4-FFF2-40B4-BE49-F238E27FC236}">
+                  <a16:creationId xmlns:a16="http://schemas.microsoft.com/office/drawing/2014/main" id="{CC705FFE-9D5F-F4E0-B053-D2123B250B59}"/>
+                </a:ext>
+              </a:extLst>
+            </p:cNvPr>
+            <p:cNvCxnSpPr/>
+            <p:nvPr/>
+          </p:nvCxnSpPr>
+          <p:spPr>
+            <a:xfrm>
+              <a:off x="3918744" y="2864685"/>
+              <a:ext cx="0" cy="970224"/>
+            </a:xfrm>
+            <a:prstGeom prst="straightConnector1">
+              <a:avLst/>
+            </a:prstGeom>
+            <a:ln w="19050">
+              <a:tailEnd type="triangle"/>
+            </a:ln>
+          </p:spPr>
+          <p:style>
+            <a:lnRef idx="1">
+              <a:schemeClr val="accent1"/>
+            </a:lnRef>
+            <a:fillRef idx="0">
+              <a:schemeClr val="accent1"/>
+            </a:fillRef>
+            <a:effectRef idx="0">
+              <a:schemeClr val="accent1"/>
+            </a:effectRef>
+            <a:fontRef idx="minor">
+              <a:schemeClr val="tx1"/>
+            </a:fontRef>
+          </p:style>
+        </p:cxnSp>
+        <p:cxnSp>
+          <p:nvCxnSpPr>
+            <p:cNvPr id="21" name="肘形连接符 20">
+              <a:extLst>
+                <a:ext uri="{FF2B5EF4-FFF2-40B4-BE49-F238E27FC236}">
+                  <a16:creationId xmlns:a16="http://schemas.microsoft.com/office/drawing/2014/main" id="{700EEEE6-7D61-7F4A-950D-BFDD3EED93C8}"/>
+                </a:ext>
+              </a:extLst>
+            </p:cNvPr>
+            <p:cNvCxnSpPr>
+              <a:cxnSpLocks/>
+              <a:endCxn id="10" idx="0"/>
+            </p:cNvCxnSpPr>
+            <p:nvPr/>
+          </p:nvCxnSpPr>
+          <p:spPr>
+            <a:xfrm>
+              <a:off x="3918744" y="3322768"/>
+              <a:ext cx="1838385" cy="512141"/>
+            </a:xfrm>
+            <a:prstGeom prst="bentConnector2">
+              <a:avLst/>
+            </a:prstGeom>
+            <a:ln w="19050">
+              <a:tailEnd type="triangle"/>
+            </a:ln>
+          </p:spPr>
+          <p:style>
+            <a:lnRef idx="1">
+              <a:schemeClr val="accent1"/>
+            </a:lnRef>
+            <a:fillRef idx="0">
+              <a:schemeClr val="accent1"/>
+            </a:fillRef>
+            <a:effectRef idx="0">
+              <a:schemeClr val="accent1"/>
+            </a:effectRef>
+            <a:fontRef idx="minor">
+              <a:schemeClr val="tx1"/>
+            </a:fontRef>
+          </p:style>
+        </p:cxnSp>
+        <p:cxnSp>
+          <p:nvCxnSpPr>
+            <p:cNvPr id="25" name="肘形连接符 24">
+              <a:extLst>
+                <a:ext uri="{FF2B5EF4-FFF2-40B4-BE49-F238E27FC236}">
+                  <a16:creationId xmlns:a16="http://schemas.microsoft.com/office/drawing/2014/main" id="{1CE2CDB7-B779-C72D-60A8-91A9C976942D}"/>
+                </a:ext>
+              </a:extLst>
+            </p:cNvPr>
+            <p:cNvCxnSpPr>
+              <a:cxnSpLocks/>
+              <a:endCxn id="8" idx="0"/>
+            </p:cNvCxnSpPr>
+            <p:nvPr/>
+          </p:nvCxnSpPr>
+          <p:spPr>
+            <a:xfrm rot="10800000" flipV="1">
+              <a:off x="2048023" y="3322767"/>
+              <a:ext cx="1896353" cy="512141"/>
+            </a:xfrm>
+            <a:prstGeom prst="bentConnector2">
+              <a:avLst/>
+            </a:prstGeom>
+            <a:ln w="19050">
+              <a:tailEnd type="triangle"/>
+            </a:ln>
+          </p:spPr>
+          <p:style>
+            <a:lnRef idx="1">
+              <a:schemeClr val="accent1"/>
+            </a:lnRef>
+            <a:fillRef idx="0">
+              <a:schemeClr val="accent1"/>
+            </a:fillRef>
+            <a:effectRef idx="0">
+              <a:schemeClr val="accent1"/>
+            </a:effectRef>
+            <a:fontRef idx="minor">
+              <a:schemeClr val="tx1"/>
+            </a:fontRef>
+          </p:style>
+        </p:cxnSp>
+      </p:grpSp>
+      <p:sp>
+        <p:nvSpPr>
+          <p:cNvPr id="30" name="矩形 29">
+            <a:extLst>
+              <a:ext uri="{FF2B5EF4-FFF2-40B4-BE49-F238E27FC236}">
+                <a16:creationId xmlns:a16="http://schemas.microsoft.com/office/drawing/2014/main" id="{2851A6C5-5526-1BD3-371E-C6383A4598DA}"/>
+              </a:ext>
+            </a:extLst>
+          </p:cNvPr>
+          <p:cNvSpPr/>
+          <p:nvPr/>
+        </p:nvSpPr>
+        <p:spPr>
+          <a:xfrm>
+            <a:off x="7130142" y="2000024"/>
+            <a:ext cx="3902063" cy="4165826"/>
+          </a:xfrm>
+          <a:prstGeom prst="rect">
+            <a:avLst/>
+          </a:prstGeom>
+          <a:solidFill>
+            <a:schemeClr val="accent1">
+              <a:lumMod val="20000"/>
+              <a:lumOff val="80000"/>
+            </a:schemeClr>
+          </a:solidFill>
+          <a:ln>
+            <a:noFill/>
+          </a:ln>
+        </p:spPr>
+        <p:style>
+          <a:lnRef idx="2">
+            <a:schemeClr val="accent1">
+              <a:shade val="15000"/>
+            </a:schemeClr>
+          </a:lnRef>
+          <a:fillRef idx="1">
+            <a:schemeClr val="accent1"/>
+          </a:fillRef>
+          <a:effectRef idx="0">
+            <a:schemeClr val="accent1"/>
+          </a:effectRef>
+          <a:fontRef idx="minor">
+            <a:schemeClr val="lt1"/>
+          </a:fontRef>
+        </p:style>
+        <p:txBody>
+          <a:bodyPr rtlCol="0" anchor="ctr"/>
+          <a:lstStyle/>
+          <a:p>
+            <a:pPr algn="ctr"/>
+            <a:endParaRPr kumimoji="1" lang="zh-CN" altLang="en-US"/>
+          </a:p>
+        </p:txBody>
+      </p:sp>
+      <p:sp>
+        <p:nvSpPr>
+          <p:cNvPr id="31" name="矩形 30">
+            <a:extLst>
+              <a:ext uri="{FF2B5EF4-FFF2-40B4-BE49-F238E27FC236}">
+                <a16:creationId xmlns:a16="http://schemas.microsoft.com/office/drawing/2014/main" id="{C0D12EA8-CAAD-933F-9427-3EE1EEA55616}"/>
+              </a:ext>
+            </a:extLst>
+          </p:cNvPr>
+          <p:cNvSpPr/>
+          <p:nvPr/>
+        </p:nvSpPr>
+        <p:spPr>
+          <a:xfrm>
+            <a:off x="7444579" y="3243944"/>
+            <a:ext cx="1951590" cy="587829"/>
+          </a:xfrm>
+          <a:prstGeom prst="rect">
+            <a:avLst/>
+          </a:prstGeom>
+          <a:solidFill>
+            <a:schemeClr val="tx1">
+              <a:lumMod val="50000"/>
+              <a:lumOff val="50000"/>
+            </a:schemeClr>
+          </a:solidFill>
+          <a:ln>
+            <a:noFill/>
+          </a:ln>
+        </p:spPr>
+        <p:style>
+          <a:lnRef idx="2">
+            <a:schemeClr val="accent1">
+              <a:shade val="15000"/>
+            </a:schemeClr>
+          </a:lnRef>
+          <a:fillRef idx="1">
+            <a:schemeClr val="accent1"/>
+          </a:fillRef>
+          <a:effectRef idx="0">
+            <a:schemeClr val="accent1"/>
+          </a:effectRef>
+          <a:fontRef idx="minor">
+            <a:schemeClr val="lt1"/>
+          </a:fontRef>
+        </p:style>
+        <p:txBody>
+          <a:bodyPr rtlCol="0" anchor="ctr"/>
+          <a:lstStyle/>
+          <a:p>
+            <a:pPr algn="ctr"/>
+            <a:r>
+              <a:rPr kumimoji="1" lang="en-US" altLang="zh-CN" dirty="0"/>
+              <a:t>firstname</a:t>
+            </a:r>
+            <a:endParaRPr kumimoji="1" lang="zh-CN" altLang="en-US" dirty="0"/>
+          </a:p>
+        </p:txBody>
+      </p:sp>
+      <p:sp>
+        <p:nvSpPr>
+          <p:cNvPr id="33" name="矩形 32">
+            <a:extLst>
+              <a:ext uri="{FF2B5EF4-FFF2-40B4-BE49-F238E27FC236}">
+                <a16:creationId xmlns:a16="http://schemas.microsoft.com/office/drawing/2014/main" id="{B33E1C87-7714-5138-DE60-475E54FF9F7D}"/>
+              </a:ext>
+            </a:extLst>
+          </p:cNvPr>
+          <p:cNvSpPr/>
+          <p:nvPr/>
+        </p:nvSpPr>
+        <p:spPr>
+          <a:xfrm>
+            <a:off x="7453843" y="4422664"/>
+            <a:ext cx="1951590" cy="587829"/>
+          </a:xfrm>
+          <a:prstGeom prst="rect">
+            <a:avLst/>
+          </a:prstGeom>
+          <a:solidFill>
+            <a:schemeClr val="tx1">
+              <a:lumMod val="50000"/>
+              <a:lumOff val="50000"/>
+            </a:schemeClr>
+          </a:solidFill>
+          <a:ln>
+            <a:noFill/>
+          </a:ln>
+        </p:spPr>
+        <p:style>
+          <a:lnRef idx="2">
+            <a:schemeClr val="accent1">
+              <a:shade val="15000"/>
+            </a:schemeClr>
+          </a:lnRef>
+          <a:fillRef idx="1">
+            <a:schemeClr val="accent1"/>
+          </a:fillRef>
+          <a:effectRef idx="0">
+            <a:schemeClr val="accent1"/>
+          </a:effectRef>
+          <a:fontRef idx="minor">
+            <a:schemeClr val="lt1"/>
+          </a:fontRef>
+        </p:style>
+        <p:txBody>
+          <a:bodyPr rtlCol="0" anchor="ctr"/>
+          <a:lstStyle/>
+          <a:p>
+            <a:pPr algn="ctr"/>
+            <a:r>
+              <a:rPr kumimoji="1" lang="en-US" altLang="zh-CN" dirty="0"/>
+              <a:t>job_ad_id</a:t>
+            </a:r>
+            <a:endParaRPr kumimoji="1" lang="zh-CN" altLang="en-US" dirty="0"/>
+          </a:p>
+        </p:txBody>
+      </p:sp>
+      <p:sp>
+        <p:nvSpPr>
+          <p:cNvPr id="34" name="矩形 33">
+            <a:extLst>
+              <a:ext uri="{FF2B5EF4-FFF2-40B4-BE49-F238E27FC236}">
+                <a16:creationId xmlns:a16="http://schemas.microsoft.com/office/drawing/2014/main" id="{CF39BE0C-60FA-B69F-4B4A-9103F7F266D6}"/>
+              </a:ext>
+            </a:extLst>
+          </p:cNvPr>
+          <p:cNvSpPr/>
+          <p:nvPr/>
+        </p:nvSpPr>
+        <p:spPr>
+          <a:xfrm>
+            <a:off x="7359066" y="2423990"/>
+            <a:ext cx="2557819" cy="587829"/>
+          </a:xfrm>
+          <a:prstGeom prst="rect">
+            <a:avLst/>
+          </a:prstGeom>
+          <a:noFill/>
+          <a:ln>
+            <a:noFill/>
+          </a:ln>
+        </p:spPr>
+        <p:style>
+          <a:lnRef idx="2">
+            <a:schemeClr val="accent1">
+              <a:shade val="15000"/>
+            </a:schemeClr>
+          </a:lnRef>
+          <a:fillRef idx="1">
+            <a:schemeClr val="accent1"/>
+          </a:fillRef>
+          <a:effectRef idx="0">
+            <a:schemeClr val="accent1"/>
+          </a:effectRef>
+          <a:fontRef idx="minor">
+            <a:schemeClr val="lt1"/>
+          </a:fontRef>
+        </p:style>
+        <p:txBody>
+          <a:bodyPr rtlCol="0" anchor="ctr"/>
+          <a:lstStyle/>
+          <a:p>
+            <a:r>
+              <a:rPr kumimoji="1" lang="en-US" altLang="zh-CN" dirty="0">
+                <a:solidFill>
+                  <a:schemeClr val="tx1"/>
+                </a:solidFill>
+              </a:rPr>
+              <a:t>Features excluded:</a:t>
+            </a:r>
+            <a:endParaRPr kumimoji="1" lang="zh-CN" altLang="en-US" dirty="0">
+              <a:solidFill>
+                <a:schemeClr val="tx1"/>
+              </a:solidFill>
+            </a:endParaRPr>
+          </a:p>
+        </p:txBody>
+      </p:sp>
+      <p:sp>
+        <p:nvSpPr>
+          <p:cNvPr id="35" name="矩形 34">
+            <a:extLst>
+              <a:ext uri="{FF2B5EF4-FFF2-40B4-BE49-F238E27FC236}">
+                <a16:creationId xmlns:a16="http://schemas.microsoft.com/office/drawing/2014/main" id="{B3040CC2-E967-4E85-4CE8-233F3D29001A}"/>
+              </a:ext>
+            </a:extLst>
+          </p:cNvPr>
+          <p:cNvSpPr/>
+          <p:nvPr/>
+        </p:nvSpPr>
+        <p:spPr>
+          <a:xfrm>
+            <a:off x="7359066" y="3649774"/>
+            <a:ext cx="3515763" cy="587829"/>
+          </a:xfrm>
+          <a:prstGeom prst="rect">
+            <a:avLst/>
+          </a:prstGeom>
+          <a:noFill/>
+          <a:ln>
+            <a:noFill/>
+          </a:ln>
+        </p:spPr>
+        <p:style>
+          <a:lnRef idx="2">
+            <a:schemeClr val="accent1">
+              <a:shade val="15000"/>
+            </a:schemeClr>
+          </a:lnRef>
+          <a:fillRef idx="1">
+            <a:schemeClr val="accent1"/>
+          </a:fillRef>
+          <a:effectRef idx="0">
+            <a:schemeClr val="accent1"/>
+          </a:effectRef>
+          <a:fontRef idx="minor">
+            <a:schemeClr val="lt1"/>
+          </a:fontRef>
+        </p:style>
+        <p:txBody>
+          <a:bodyPr rtlCol="0" anchor="ctr"/>
+          <a:lstStyle/>
+          <a:p>
+            <a:r>
+              <a:rPr kumimoji="1" lang="en-US" altLang="zh-CN" sz="1400" dirty="0">
+                <a:solidFill>
+                  <a:schemeClr val="tx1"/>
+                </a:solidFill>
+              </a:rPr>
+              <a:t>*not relevant for predicting callbacks</a:t>
+            </a:r>
+            <a:endParaRPr kumimoji="1" lang="zh-CN" altLang="en-US" sz="1400" dirty="0">
+              <a:solidFill>
+                <a:schemeClr val="tx1"/>
+              </a:solidFill>
+            </a:endParaRPr>
+          </a:p>
+        </p:txBody>
+      </p:sp>
+      <p:sp>
+        <p:nvSpPr>
+          <p:cNvPr id="37" name="矩形 36">
+            <a:extLst>
+              <a:ext uri="{FF2B5EF4-FFF2-40B4-BE49-F238E27FC236}">
+                <a16:creationId xmlns:a16="http://schemas.microsoft.com/office/drawing/2014/main" id="{74208C9A-3B36-1191-DB31-F6355B8FBABF}"/>
+              </a:ext>
+            </a:extLst>
+          </p:cNvPr>
+          <p:cNvSpPr/>
+          <p:nvPr/>
+        </p:nvSpPr>
+        <p:spPr>
+          <a:xfrm>
+            <a:off x="7359066" y="4838599"/>
+            <a:ext cx="3515763" cy="587829"/>
+          </a:xfrm>
+          <a:prstGeom prst="rect">
+            <a:avLst/>
+          </a:prstGeom>
+          <a:noFill/>
+          <a:ln>
+            <a:noFill/>
+          </a:ln>
+        </p:spPr>
+        <p:style>
+          <a:lnRef idx="2">
+            <a:schemeClr val="accent1">
+              <a:shade val="15000"/>
+            </a:schemeClr>
+          </a:lnRef>
+          <a:fillRef idx="1">
+            <a:schemeClr val="accent1"/>
+          </a:fillRef>
+          <a:effectRef idx="0">
+            <a:schemeClr val="accent1"/>
+          </a:effectRef>
+          <a:fontRef idx="minor">
+            <a:schemeClr val="lt1"/>
+          </a:fontRef>
+        </p:style>
+        <p:txBody>
+          <a:bodyPr rtlCol="0" anchor="ctr"/>
+          <a:lstStyle/>
+          <a:p>
+            <a:r>
+              <a:rPr kumimoji="1" lang="en-US" altLang="zh-CN" sz="1400" dirty="0">
+                <a:solidFill>
+                  <a:schemeClr val="tx1"/>
+                </a:solidFill>
+              </a:rPr>
+              <a:t>*not relevant for predicting callbacks</a:t>
+            </a:r>
+            <a:endParaRPr kumimoji="1" lang="zh-CN" altLang="en-US" sz="1400" dirty="0">
+              <a:solidFill>
+                <a:schemeClr val="tx1"/>
+              </a:solidFill>
+            </a:endParaRPr>
+          </a:p>
+        </p:txBody>
+      </p:sp>
+    </p:spTree>
+    <p:extLst>
+      <p:ext uri="{BB962C8B-B14F-4D97-AF65-F5344CB8AC3E}">
+        <p14:creationId xmlns:p14="http://schemas.microsoft.com/office/powerpoint/2010/main" val="3429353393"/>
       </p:ext>
     </p:extLst>
   </p:cSld>
@@ -5271,7 +7196,7 @@
           <p:cNvPr id="2" name="标题 1">
             <a:extLst>
               <a:ext uri="{FF2B5EF4-FFF2-40B4-BE49-F238E27FC236}">
-                <a16:creationId xmlns:a16="http://schemas.microsoft.com/office/drawing/2014/main" id="{A3BB1D06-F0D1-2968-8F3E-F3694C1E8E43}"/>
+                <a16:creationId xmlns:a16="http://schemas.microsoft.com/office/drawing/2014/main" id="{AA71FF48-AAC9-2A20-8269-77386BB1D4FC}"/>
               </a:ext>
             </a:extLst>
           </p:cNvPr>
@@ -5282,14 +7207,19 @@
             <p:ph type="title"/>
           </p:nvPr>
         </p:nvSpPr>
-        <p:spPr/>
+        <p:spPr>
+          <a:xfrm>
+            <a:off x="979487" y="586958"/>
+            <a:ext cx="10058400" cy="1609344"/>
+          </a:xfrm>
+        </p:spPr>
         <p:txBody>
           <a:bodyPr/>
           <a:lstStyle/>
           <a:p>
             <a:r>
               <a:rPr kumimoji="1" lang="en-US" altLang="zh-CN" dirty="0"/>
-              <a:t>Splitting and preprocessing slide(s) </a:t>
+              <a:t>preprocessing</a:t>
             </a:r>
             <a:endParaRPr kumimoji="1" lang="zh-CN" altLang="en-US" dirty="0"/>
           </a:p>
@@ -5300,7 +7230,7 @@
           <p:cNvPr id="3" name="内容占位符 2">
             <a:extLst>
               <a:ext uri="{FF2B5EF4-FFF2-40B4-BE49-F238E27FC236}">
-                <a16:creationId xmlns:a16="http://schemas.microsoft.com/office/drawing/2014/main" id="{6FD4087E-FE29-B5DE-69FC-01E4FDA05899}"/>
+                <a16:creationId xmlns:a16="http://schemas.microsoft.com/office/drawing/2014/main" id="{9A1463C9-AA24-C1EB-C5B9-9E6B437B64FB}"/>
               </a:ext>
             </a:extLst>
           </p:cNvPr>
@@ -5311,59 +7241,1317 @@
             <p:ph idx="1"/>
           </p:nvPr>
         </p:nvSpPr>
-        <p:spPr/>
-        <p:txBody>
-          <a:bodyPr/>
-          <a:lstStyle/>
-          <a:p>
-            <a:r>
-              <a:rPr lang="en-US" altLang="zh-CN" sz="1800" b="0" i="0" u="none" strike="noStrike" dirty="0">
+        <p:spPr>
+          <a:xfrm>
+            <a:off x="1419593" y="1846220"/>
+            <a:ext cx="9716720" cy="4231142"/>
+          </a:xfrm>
+        </p:spPr>
+        <p:txBody>
+          <a:bodyPr>
+            <a:normAutofit/>
+          </a:bodyPr>
+          <a:lstStyle/>
+          <a:p>
+            <a:pPr marL="0" indent="0">
+              <a:lnSpc>
+                <a:spcPct val="150000"/>
+              </a:lnSpc>
+              <a:buNone/>
+            </a:pPr>
+            <a:r>
+              <a:rPr lang="en-US" altLang="zh-CN" b="1" dirty="0"/>
+              <a:t>Handling Missing Data</a:t>
+            </a:r>
+            <a:endParaRPr lang="en-US" altLang="zh-CN" dirty="0"/>
+          </a:p>
+          <a:p>
+            <a:pPr marL="295275" lvl="1" indent="-285750">
+              <a:lnSpc>
+                <a:spcPct val="150000"/>
+              </a:lnSpc>
+            </a:pPr>
+            <a:r>
+              <a:rPr lang="en-US" altLang="zh-CN" dirty="0"/>
+              <a:t>Missing values in 3 categorical columns 'UNK', 'Unknown', and </a:t>
+            </a:r>
+            <a:r>
+              <a:rPr lang="en-US" altLang="zh-CN" dirty="0" err="1"/>
+              <a:t>NaN</a:t>
+            </a:r>
+            <a:r>
+              <a:rPr lang="en-US" altLang="zh-CN" dirty="0"/>
+              <a:t> were standardized to "unknown” to maintain consistency</a:t>
+            </a:r>
+          </a:p>
+          <a:p>
+            <a:pPr marL="0" indent="0">
+              <a:lnSpc>
+                <a:spcPct val="100000"/>
+              </a:lnSpc>
+              <a:buNone/>
+            </a:pPr>
+            <a:endParaRPr lang="en-US" altLang="zh-CN" dirty="0"/>
+          </a:p>
+        </p:txBody>
+      </p:sp>
+      <p:sp>
+        <p:nvSpPr>
+          <p:cNvPr id="4" name="矩形 3">
+            <a:extLst>
+              <a:ext uri="{FF2B5EF4-FFF2-40B4-BE49-F238E27FC236}">
+                <a16:creationId xmlns:a16="http://schemas.microsoft.com/office/drawing/2014/main" id="{EF6215EF-0AA8-0267-D81C-F4B09C5AEB5D}"/>
+              </a:ext>
+            </a:extLst>
+          </p:cNvPr>
+          <p:cNvSpPr/>
+          <p:nvPr/>
+        </p:nvSpPr>
+        <p:spPr>
+          <a:xfrm>
+            <a:off x="1519082" y="3414251"/>
+            <a:ext cx="5456553" cy="2736850"/>
+          </a:xfrm>
+          <a:prstGeom prst="rect">
+            <a:avLst/>
+          </a:prstGeom>
+          <a:solidFill>
+            <a:schemeClr val="accent1">
+              <a:lumMod val="20000"/>
+              <a:lumOff val="80000"/>
+            </a:schemeClr>
+          </a:solidFill>
+          <a:ln>
+            <a:noFill/>
+          </a:ln>
+        </p:spPr>
+        <p:style>
+          <a:lnRef idx="2">
+            <a:schemeClr val="accent1">
+              <a:shade val="15000"/>
+            </a:schemeClr>
+          </a:lnRef>
+          <a:fillRef idx="1">
+            <a:schemeClr val="accent1"/>
+          </a:fillRef>
+          <a:effectRef idx="0">
+            <a:schemeClr val="accent1"/>
+          </a:effectRef>
+          <a:fontRef idx="minor">
+            <a:schemeClr val="lt1"/>
+          </a:fontRef>
+        </p:style>
+        <p:txBody>
+          <a:bodyPr rtlCol="0" anchor="ctr"/>
+          <a:lstStyle/>
+          <a:p>
+            <a:pPr algn="ctr"/>
+            <a:endParaRPr kumimoji="1" lang="zh-CN" altLang="en-US"/>
+          </a:p>
+        </p:txBody>
+      </p:sp>
+      <p:sp>
+        <p:nvSpPr>
+          <p:cNvPr id="5" name="矩形 4">
+            <a:extLst>
+              <a:ext uri="{FF2B5EF4-FFF2-40B4-BE49-F238E27FC236}">
+                <a16:creationId xmlns:a16="http://schemas.microsoft.com/office/drawing/2014/main" id="{944D4BA1-3A7C-E6E3-8192-169F5872C8CC}"/>
+              </a:ext>
+            </a:extLst>
+          </p:cNvPr>
+          <p:cNvSpPr/>
+          <p:nvPr/>
+        </p:nvSpPr>
+        <p:spPr>
+          <a:xfrm>
+            <a:off x="8104089" y="3430227"/>
+            <a:ext cx="2343223" cy="2720874"/>
+          </a:xfrm>
+          <a:prstGeom prst="rect">
+            <a:avLst/>
+          </a:prstGeom>
+          <a:solidFill>
+            <a:schemeClr val="accent1">
+              <a:lumMod val="20000"/>
+              <a:lumOff val="80000"/>
+            </a:schemeClr>
+          </a:solidFill>
+          <a:ln>
+            <a:noFill/>
+          </a:ln>
+        </p:spPr>
+        <p:style>
+          <a:lnRef idx="2">
+            <a:schemeClr val="accent1">
+              <a:shade val="15000"/>
+            </a:schemeClr>
+          </a:lnRef>
+          <a:fillRef idx="1">
+            <a:schemeClr val="accent1"/>
+          </a:fillRef>
+          <a:effectRef idx="0">
+            <a:schemeClr val="accent1"/>
+          </a:effectRef>
+          <a:fontRef idx="minor">
+            <a:schemeClr val="lt1"/>
+          </a:fontRef>
+        </p:style>
+        <p:txBody>
+          <a:bodyPr rtlCol="0" anchor="ctr"/>
+          <a:lstStyle/>
+          <a:p>
+            <a:pPr algn="ctr"/>
+            <a:endParaRPr kumimoji="1" lang="zh-CN" altLang="en-US"/>
+          </a:p>
+        </p:txBody>
+      </p:sp>
+      <p:sp>
+        <p:nvSpPr>
+          <p:cNvPr id="6" name="矩形 5">
+            <a:extLst>
+              <a:ext uri="{FF2B5EF4-FFF2-40B4-BE49-F238E27FC236}">
+                <a16:creationId xmlns:a16="http://schemas.microsoft.com/office/drawing/2014/main" id="{BE718D38-1A7D-9059-51D9-52C5D8F5DC28}"/>
+              </a:ext>
+            </a:extLst>
+          </p:cNvPr>
+          <p:cNvSpPr/>
+          <p:nvPr/>
+        </p:nvSpPr>
+        <p:spPr>
+          <a:xfrm>
+            <a:off x="1665514" y="3997440"/>
+            <a:ext cx="2937824" cy="505434"/>
+          </a:xfrm>
+          <a:prstGeom prst="rect">
+            <a:avLst/>
+          </a:prstGeom>
+          <a:ln>
+            <a:solidFill>
+              <a:schemeClr val="bg1"/>
+            </a:solidFill>
+          </a:ln>
+        </p:spPr>
+        <p:style>
+          <a:lnRef idx="2">
+            <a:schemeClr val="accent1">
+              <a:shade val="15000"/>
+            </a:schemeClr>
+          </a:lnRef>
+          <a:fillRef idx="1">
+            <a:schemeClr val="accent1"/>
+          </a:fillRef>
+          <a:effectRef idx="0">
+            <a:schemeClr val="accent1"/>
+          </a:effectRef>
+          <a:fontRef idx="minor">
+            <a:schemeClr val="lt1"/>
+          </a:fontRef>
+        </p:style>
+        <p:txBody>
+          <a:bodyPr rtlCol="0" anchor="ctr"/>
+          <a:lstStyle/>
+          <a:p>
+            <a:pPr algn="ctr"/>
+            <a:r>
+              <a:rPr lang="en-US" altLang="zh-CN" dirty="0" err="1"/>
+              <a:t>job_fed_contractor</a:t>
+            </a:r>
+            <a:endParaRPr kumimoji="1" lang="zh-CN" altLang="en-US" dirty="0"/>
+          </a:p>
+        </p:txBody>
+      </p:sp>
+      <p:sp>
+        <p:nvSpPr>
+          <p:cNvPr id="7" name="矩形 6">
+            <a:extLst>
+              <a:ext uri="{FF2B5EF4-FFF2-40B4-BE49-F238E27FC236}">
+                <a16:creationId xmlns:a16="http://schemas.microsoft.com/office/drawing/2014/main" id="{7E5035A4-136D-6369-03C7-C6F532B13532}"/>
+              </a:ext>
+            </a:extLst>
+          </p:cNvPr>
+          <p:cNvSpPr/>
+          <p:nvPr/>
+        </p:nvSpPr>
+        <p:spPr>
+          <a:xfrm>
+            <a:off x="1665514" y="4738269"/>
+            <a:ext cx="2937824" cy="505434"/>
+          </a:xfrm>
+          <a:prstGeom prst="rect">
+            <a:avLst/>
+          </a:prstGeom>
+          <a:ln>
+            <a:solidFill>
+              <a:schemeClr val="bg1"/>
+            </a:solidFill>
+          </a:ln>
+        </p:spPr>
+        <p:style>
+          <a:lnRef idx="2">
+            <a:schemeClr val="accent1">
+              <a:shade val="15000"/>
+            </a:schemeClr>
+          </a:lnRef>
+          <a:fillRef idx="1">
+            <a:schemeClr val="accent1"/>
+          </a:fillRef>
+          <a:effectRef idx="0">
+            <a:schemeClr val="accent1"/>
+          </a:effectRef>
+          <a:fontRef idx="minor">
+            <a:schemeClr val="lt1"/>
+          </a:fontRef>
+        </p:style>
+        <p:txBody>
+          <a:bodyPr rtlCol="0" anchor="ctr"/>
+          <a:lstStyle/>
+          <a:p>
+            <a:pPr algn="ctr"/>
+            <a:r>
+              <a:rPr lang="en-US" altLang="zh-CN" dirty="0" err="1"/>
+              <a:t>job_ownership</a:t>
+            </a:r>
+            <a:endParaRPr kumimoji="1" lang="zh-CN" altLang="en-US" dirty="0"/>
+          </a:p>
+        </p:txBody>
+      </p:sp>
+      <p:sp>
+        <p:nvSpPr>
+          <p:cNvPr id="8" name="矩形 7">
+            <a:extLst>
+              <a:ext uri="{FF2B5EF4-FFF2-40B4-BE49-F238E27FC236}">
+                <a16:creationId xmlns:a16="http://schemas.microsoft.com/office/drawing/2014/main" id="{65DE6424-80AF-C319-F576-BFA1CF3AA629}"/>
+              </a:ext>
+            </a:extLst>
+          </p:cNvPr>
+          <p:cNvSpPr/>
+          <p:nvPr/>
+        </p:nvSpPr>
+        <p:spPr>
+          <a:xfrm>
+            <a:off x="1665514" y="5471724"/>
+            <a:ext cx="2937824" cy="505434"/>
+          </a:xfrm>
+          <a:prstGeom prst="rect">
+            <a:avLst/>
+          </a:prstGeom>
+          <a:ln>
+            <a:solidFill>
+              <a:schemeClr val="bg1"/>
+            </a:solidFill>
+          </a:ln>
+        </p:spPr>
+        <p:style>
+          <a:lnRef idx="2">
+            <a:schemeClr val="accent1">
+              <a:shade val="15000"/>
+            </a:schemeClr>
+          </a:lnRef>
+          <a:fillRef idx="1">
+            <a:schemeClr val="accent1"/>
+          </a:fillRef>
+          <a:effectRef idx="0">
+            <a:schemeClr val="accent1"/>
+          </a:effectRef>
+          <a:fontRef idx="minor">
+            <a:schemeClr val="lt1"/>
+          </a:fontRef>
+        </p:style>
+        <p:txBody>
+          <a:bodyPr rtlCol="0" anchor="ctr"/>
+          <a:lstStyle/>
+          <a:p>
+            <a:pPr algn="ctr"/>
+            <a:r>
+              <a:rPr lang="en-US" altLang="zh-CN" dirty="0" err="1"/>
+              <a:t>job_req_min_experience</a:t>
+            </a:r>
+            <a:endParaRPr kumimoji="1" lang="zh-CN" altLang="en-US" dirty="0"/>
+          </a:p>
+        </p:txBody>
+      </p:sp>
+      <p:pic>
+        <p:nvPicPr>
+          <p:cNvPr id="13" name="图形 12" descr="V 形箭头 纯色填充">
+            <a:extLst>
+              <a:ext uri="{FF2B5EF4-FFF2-40B4-BE49-F238E27FC236}">
+                <a16:creationId xmlns:a16="http://schemas.microsoft.com/office/drawing/2014/main" id="{7A227036-2E49-DA92-007A-B3FC933CA709}"/>
+              </a:ext>
+            </a:extLst>
+          </p:cNvPr>
+          <p:cNvPicPr>
+            <a:picLocks noChangeAspect="1"/>
+          </p:cNvPicPr>
+          <p:nvPr/>
+        </p:nvPicPr>
+        <p:blipFill>
+          <a:blip r:embed="rId2">
+            <a:extLst>
+              <a:ext uri="{96DAC541-7B7A-43D3-8B79-37D633B846F1}">
+                <asvg:svgBlip xmlns:asvg="http://schemas.microsoft.com/office/drawing/2016/SVG/main" r:embed="rId3"/>
+              </a:ext>
+            </a:extLst>
+          </a:blip>
+          <a:stretch>
+            <a:fillRect/>
+          </a:stretch>
+        </p:blipFill>
+        <p:spPr>
+          <a:xfrm>
+            <a:off x="7182111" y="4386996"/>
+            <a:ext cx="709917" cy="709917"/>
+          </a:xfrm>
+          <a:prstGeom prst="rect">
+            <a:avLst/>
+          </a:prstGeom>
+        </p:spPr>
+      </p:pic>
+      <p:sp>
+        <p:nvSpPr>
+          <p:cNvPr id="14" name="矩形 13">
+            <a:extLst>
+              <a:ext uri="{FF2B5EF4-FFF2-40B4-BE49-F238E27FC236}">
+                <a16:creationId xmlns:a16="http://schemas.microsoft.com/office/drawing/2014/main" id="{A6A14A3A-ACEB-3DAB-420D-A64FE1F4677F}"/>
+              </a:ext>
+            </a:extLst>
+          </p:cNvPr>
+          <p:cNvSpPr/>
+          <p:nvPr/>
+        </p:nvSpPr>
+        <p:spPr>
+          <a:xfrm>
+            <a:off x="9193793" y="3997440"/>
+            <a:ext cx="1103509" cy="505434"/>
+          </a:xfrm>
+          <a:prstGeom prst="rect">
+            <a:avLst/>
+          </a:prstGeom>
+          <a:solidFill>
+            <a:schemeClr val="accent2">
+              <a:lumMod val="40000"/>
+              <a:lumOff val="60000"/>
+            </a:schemeClr>
+          </a:solidFill>
+          <a:ln>
+            <a:noFill/>
+          </a:ln>
+        </p:spPr>
+        <p:style>
+          <a:lnRef idx="2">
+            <a:schemeClr val="accent1">
+              <a:shade val="15000"/>
+            </a:schemeClr>
+          </a:lnRef>
+          <a:fillRef idx="1">
+            <a:schemeClr val="accent1"/>
+          </a:fillRef>
+          <a:effectRef idx="0">
+            <a:schemeClr val="accent1"/>
+          </a:effectRef>
+          <a:fontRef idx="minor">
+            <a:schemeClr val="lt1"/>
+          </a:fontRef>
+        </p:style>
+        <p:txBody>
+          <a:bodyPr rtlCol="0" anchor="ctr"/>
+          <a:lstStyle/>
+          <a:p>
+            <a:pPr algn="ctr"/>
+            <a:r>
+              <a:rPr kumimoji="1" lang="en-US" altLang="zh-CN" sz="1600" dirty="0"/>
+              <a:t>unknown</a:t>
+            </a:r>
+            <a:endParaRPr kumimoji="1" lang="zh-CN" altLang="en-US" sz="1600" dirty="0"/>
+          </a:p>
+        </p:txBody>
+      </p:sp>
+      <p:sp>
+        <p:nvSpPr>
+          <p:cNvPr id="15" name="矩形 14">
+            <a:extLst>
+              <a:ext uri="{FF2B5EF4-FFF2-40B4-BE49-F238E27FC236}">
+                <a16:creationId xmlns:a16="http://schemas.microsoft.com/office/drawing/2014/main" id="{39979E18-79B0-311F-522D-B4D6B71C2F1C}"/>
+              </a:ext>
+            </a:extLst>
+          </p:cNvPr>
+          <p:cNvSpPr/>
+          <p:nvPr/>
+        </p:nvSpPr>
+        <p:spPr>
+          <a:xfrm>
+            <a:off x="9193792" y="4738269"/>
+            <a:ext cx="1103509" cy="505434"/>
+          </a:xfrm>
+          <a:prstGeom prst="rect">
+            <a:avLst/>
+          </a:prstGeom>
+          <a:solidFill>
+            <a:schemeClr val="accent2">
+              <a:lumMod val="40000"/>
+              <a:lumOff val="60000"/>
+            </a:schemeClr>
+          </a:solidFill>
+          <a:ln>
+            <a:noFill/>
+          </a:ln>
+        </p:spPr>
+        <p:style>
+          <a:lnRef idx="2">
+            <a:schemeClr val="accent1">
+              <a:shade val="15000"/>
+            </a:schemeClr>
+          </a:lnRef>
+          <a:fillRef idx="1">
+            <a:schemeClr val="accent1"/>
+          </a:fillRef>
+          <a:effectRef idx="0">
+            <a:schemeClr val="accent1"/>
+          </a:effectRef>
+          <a:fontRef idx="minor">
+            <a:schemeClr val="lt1"/>
+          </a:fontRef>
+        </p:style>
+        <p:txBody>
+          <a:bodyPr rtlCol="0" anchor="ctr"/>
+          <a:lstStyle/>
+          <a:p>
+            <a:pPr algn="ctr"/>
+            <a:r>
+              <a:rPr kumimoji="1" lang="en-US" altLang="zh-CN" sz="1600" dirty="0"/>
+              <a:t>unknown</a:t>
+            </a:r>
+            <a:endParaRPr kumimoji="1" lang="zh-CN" altLang="en-US" sz="1600" dirty="0"/>
+          </a:p>
+        </p:txBody>
+      </p:sp>
+      <p:sp>
+        <p:nvSpPr>
+          <p:cNvPr id="16" name="矩形 15">
+            <a:extLst>
+              <a:ext uri="{FF2B5EF4-FFF2-40B4-BE49-F238E27FC236}">
+                <a16:creationId xmlns:a16="http://schemas.microsoft.com/office/drawing/2014/main" id="{D624FE5A-C7A8-94DC-D28F-72CB72DE78C5}"/>
+              </a:ext>
+            </a:extLst>
+          </p:cNvPr>
+          <p:cNvSpPr/>
+          <p:nvPr/>
+        </p:nvSpPr>
+        <p:spPr>
+          <a:xfrm>
+            <a:off x="9193792" y="5471724"/>
+            <a:ext cx="1103509" cy="505434"/>
+          </a:xfrm>
+          <a:prstGeom prst="rect">
+            <a:avLst/>
+          </a:prstGeom>
+          <a:solidFill>
+            <a:schemeClr val="accent2">
+              <a:lumMod val="40000"/>
+              <a:lumOff val="60000"/>
+            </a:schemeClr>
+          </a:solidFill>
+          <a:ln>
+            <a:noFill/>
+          </a:ln>
+        </p:spPr>
+        <p:style>
+          <a:lnRef idx="2">
+            <a:schemeClr val="accent1">
+              <a:shade val="15000"/>
+            </a:schemeClr>
+          </a:lnRef>
+          <a:fillRef idx="1">
+            <a:schemeClr val="accent1"/>
+          </a:fillRef>
+          <a:effectRef idx="0">
+            <a:schemeClr val="accent1"/>
+          </a:effectRef>
+          <a:fontRef idx="minor">
+            <a:schemeClr val="lt1"/>
+          </a:fontRef>
+        </p:style>
+        <p:txBody>
+          <a:bodyPr rtlCol="0" anchor="ctr"/>
+          <a:lstStyle/>
+          <a:p>
+            <a:pPr algn="ctr"/>
+            <a:r>
+              <a:rPr kumimoji="1" lang="en-US" altLang="zh-CN" sz="1600" dirty="0"/>
+              <a:t>unknown</a:t>
+            </a:r>
+            <a:endParaRPr kumimoji="1" lang="zh-CN" altLang="en-US" sz="1600" dirty="0"/>
+          </a:p>
+        </p:txBody>
+      </p:sp>
+      <p:sp>
+        <p:nvSpPr>
+          <p:cNvPr id="17" name="矩形 16">
+            <a:extLst>
+              <a:ext uri="{FF2B5EF4-FFF2-40B4-BE49-F238E27FC236}">
+                <a16:creationId xmlns:a16="http://schemas.microsoft.com/office/drawing/2014/main" id="{1669B1F7-D9F8-7541-9FE9-AE670A3D2252}"/>
+              </a:ext>
+            </a:extLst>
+          </p:cNvPr>
+          <p:cNvSpPr/>
+          <p:nvPr/>
+        </p:nvSpPr>
+        <p:spPr>
+          <a:xfrm>
+            <a:off x="8241880" y="3997440"/>
+            <a:ext cx="745437" cy="505434"/>
+          </a:xfrm>
+          <a:prstGeom prst="rect">
+            <a:avLst/>
+          </a:prstGeom>
+          <a:solidFill>
+            <a:schemeClr val="accent2">
+              <a:lumMod val="40000"/>
+              <a:lumOff val="60000"/>
+            </a:schemeClr>
+          </a:solidFill>
+          <a:ln>
+            <a:noFill/>
+          </a:ln>
+        </p:spPr>
+        <p:style>
+          <a:lnRef idx="2">
+            <a:schemeClr val="accent1">
+              <a:shade val="15000"/>
+            </a:schemeClr>
+          </a:lnRef>
+          <a:fillRef idx="1">
+            <a:schemeClr val="accent1"/>
+          </a:fillRef>
+          <a:effectRef idx="0">
+            <a:schemeClr val="accent1"/>
+          </a:effectRef>
+          <a:fontRef idx="minor">
+            <a:schemeClr val="lt1"/>
+          </a:fontRef>
+        </p:style>
+        <p:txBody>
+          <a:bodyPr rtlCol="0" anchor="ctr"/>
+          <a:lstStyle/>
+          <a:p>
+            <a:pPr algn="ctr"/>
+            <a:r>
+              <a:rPr kumimoji="1" lang="en-US" altLang="zh-CN" sz="1600" dirty="0"/>
+              <a:t>1768</a:t>
+            </a:r>
+            <a:endParaRPr kumimoji="1" lang="zh-CN" altLang="en-US" sz="1600" dirty="0"/>
+          </a:p>
+        </p:txBody>
+      </p:sp>
+      <p:sp>
+        <p:nvSpPr>
+          <p:cNvPr id="18" name="矩形 17">
+            <a:extLst>
+              <a:ext uri="{FF2B5EF4-FFF2-40B4-BE49-F238E27FC236}">
+                <a16:creationId xmlns:a16="http://schemas.microsoft.com/office/drawing/2014/main" id="{DBC9EAC3-960B-738E-5AFF-179F35D8B61F}"/>
+              </a:ext>
+            </a:extLst>
+          </p:cNvPr>
+          <p:cNvSpPr/>
+          <p:nvPr/>
+        </p:nvSpPr>
+        <p:spPr>
+          <a:xfrm>
+            <a:off x="8241879" y="4738269"/>
+            <a:ext cx="745437" cy="505434"/>
+          </a:xfrm>
+          <a:prstGeom prst="rect">
+            <a:avLst/>
+          </a:prstGeom>
+          <a:solidFill>
+            <a:schemeClr val="accent2">
+              <a:lumMod val="40000"/>
+              <a:lumOff val="60000"/>
+            </a:schemeClr>
+          </a:solidFill>
+          <a:ln>
+            <a:noFill/>
+          </a:ln>
+        </p:spPr>
+        <p:style>
+          <a:lnRef idx="2">
+            <a:schemeClr val="accent1">
+              <a:shade val="15000"/>
+            </a:schemeClr>
+          </a:lnRef>
+          <a:fillRef idx="1">
+            <a:schemeClr val="accent1"/>
+          </a:fillRef>
+          <a:effectRef idx="0">
+            <a:schemeClr val="accent1"/>
+          </a:effectRef>
+          <a:fontRef idx="minor">
+            <a:schemeClr val="lt1"/>
+          </a:fontRef>
+        </p:style>
+        <p:txBody>
+          <a:bodyPr rtlCol="0" anchor="ctr"/>
+          <a:lstStyle/>
+          <a:p>
+            <a:pPr algn="ctr"/>
+            <a:r>
+              <a:rPr kumimoji="1" lang="en-US" altLang="zh-CN" sz="1600" dirty="0"/>
+              <a:t>1992</a:t>
+            </a:r>
+            <a:endParaRPr kumimoji="1" lang="zh-CN" altLang="en-US" sz="1600" dirty="0"/>
+          </a:p>
+        </p:txBody>
+      </p:sp>
+      <p:sp>
+        <p:nvSpPr>
+          <p:cNvPr id="19" name="矩形 18">
+            <a:extLst>
+              <a:ext uri="{FF2B5EF4-FFF2-40B4-BE49-F238E27FC236}">
+                <a16:creationId xmlns:a16="http://schemas.microsoft.com/office/drawing/2014/main" id="{918A6DDE-6AF1-9A6F-2543-108BD7EC5BC3}"/>
+              </a:ext>
+            </a:extLst>
+          </p:cNvPr>
+          <p:cNvSpPr/>
+          <p:nvPr/>
+        </p:nvSpPr>
+        <p:spPr>
+          <a:xfrm>
+            <a:off x="8241879" y="5471724"/>
+            <a:ext cx="745437" cy="505434"/>
+          </a:xfrm>
+          <a:prstGeom prst="rect">
+            <a:avLst/>
+          </a:prstGeom>
+          <a:solidFill>
+            <a:schemeClr val="accent2">
+              <a:lumMod val="40000"/>
+              <a:lumOff val="60000"/>
+            </a:schemeClr>
+          </a:solidFill>
+          <a:ln>
+            <a:noFill/>
+          </a:ln>
+        </p:spPr>
+        <p:style>
+          <a:lnRef idx="2">
+            <a:schemeClr val="accent1">
+              <a:shade val="15000"/>
+            </a:schemeClr>
+          </a:lnRef>
+          <a:fillRef idx="1">
+            <a:schemeClr val="accent1"/>
+          </a:fillRef>
+          <a:effectRef idx="0">
+            <a:schemeClr val="accent1"/>
+          </a:effectRef>
+          <a:fontRef idx="minor">
+            <a:schemeClr val="lt1"/>
+          </a:fontRef>
+        </p:style>
+        <p:txBody>
+          <a:bodyPr rtlCol="0" anchor="ctr"/>
+          <a:lstStyle/>
+          <a:p>
+            <a:pPr algn="ctr"/>
+            <a:r>
+              <a:rPr kumimoji="1" lang="en-US" altLang="zh-CN" sz="1600" dirty="0"/>
+              <a:t>2746</a:t>
+            </a:r>
+            <a:endParaRPr kumimoji="1" lang="zh-CN" altLang="en-US" sz="1600" dirty="0"/>
+          </a:p>
+        </p:txBody>
+      </p:sp>
+      <p:sp>
+        <p:nvSpPr>
+          <p:cNvPr id="20" name="矩形 19">
+            <a:extLst>
+              <a:ext uri="{FF2B5EF4-FFF2-40B4-BE49-F238E27FC236}">
+                <a16:creationId xmlns:a16="http://schemas.microsoft.com/office/drawing/2014/main" id="{DC7ABEF2-B883-C414-EE16-930F71A804A3}"/>
+              </a:ext>
+            </a:extLst>
+          </p:cNvPr>
+          <p:cNvSpPr/>
+          <p:nvPr/>
+        </p:nvSpPr>
+        <p:spPr>
+          <a:xfrm>
+            <a:off x="5693041" y="3997440"/>
+            <a:ext cx="1103509" cy="505434"/>
+          </a:xfrm>
+          <a:prstGeom prst="rect">
+            <a:avLst/>
+          </a:prstGeom>
+          <a:solidFill>
+            <a:schemeClr val="accent2">
+              <a:lumMod val="40000"/>
+              <a:lumOff val="60000"/>
+            </a:schemeClr>
+          </a:solidFill>
+          <a:ln>
+            <a:noFill/>
+          </a:ln>
+        </p:spPr>
+        <p:style>
+          <a:lnRef idx="2">
+            <a:schemeClr val="accent1">
+              <a:shade val="15000"/>
+            </a:schemeClr>
+          </a:lnRef>
+          <a:fillRef idx="1">
+            <a:schemeClr val="accent1"/>
+          </a:fillRef>
+          <a:effectRef idx="0">
+            <a:schemeClr val="accent1"/>
+          </a:effectRef>
+          <a:fontRef idx="minor">
+            <a:schemeClr val="lt1"/>
+          </a:fontRef>
+        </p:style>
+        <p:txBody>
+          <a:bodyPr rtlCol="0" anchor="ctr"/>
+          <a:lstStyle/>
+          <a:p>
+            <a:pPr algn="ctr"/>
+            <a:r>
+              <a:rPr kumimoji="1" lang="en-US" altLang="zh-CN" sz="1600" dirty="0"/>
+              <a:t>NA</a:t>
+            </a:r>
+            <a:endParaRPr kumimoji="1" lang="zh-CN" altLang="en-US" sz="1600" dirty="0"/>
+          </a:p>
+        </p:txBody>
+      </p:sp>
+      <p:sp>
+        <p:nvSpPr>
+          <p:cNvPr id="21" name="矩形 20">
+            <a:extLst>
+              <a:ext uri="{FF2B5EF4-FFF2-40B4-BE49-F238E27FC236}">
+                <a16:creationId xmlns:a16="http://schemas.microsoft.com/office/drawing/2014/main" id="{7ED2AC4F-B957-29B3-6A25-F062825C1977}"/>
+              </a:ext>
+            </a:extLst>
+          </p:cNvPr>
+          <p:cNvSpPr/>
+          <p:nvPr/>
+        </p:nvSpPr>
+        <p:spPr>
+          <a:xfrm>
+            <a:off x="5693040" y="4738269"/>
+            <a:ext cx="1103509" cy="505434"/>
+          </a:xfrm>
+          <a:prstGeom prst="rect">
+            <a:avLst/>
+          </a:prstGeom>
+          <a:solidFill>
+            <a:schemeClr val="accent2">
+              <a:lumMod val="40000"/>
+              <a:lumOff val="60000"/>
+            </a:schemeClr>
+          </a:solidFill>
+          <a:ln>
+            <a:noFill/>
+          </a:ln>
+        </p:spPr>
+        <p:style>
+          <a:lnRef idx="2">
+            <a:schemeClr val="accent1">
+              <a:shade val="15000"/>
+            </a:schemeClr>
+          </a:lnRef>
+          <a:fillRef idx="1">
+            <a:schemeClr val="accent1"/>
+          </a:fillRef>
+          <a:effectRef idx="0">
+            <a:schemeClr val="accent1"/>
+          </a:effectRef>
+          <a:fontRef idx="minor">
+            <a:schemeClr val="lt1"/>
+          </a:fontRef>
+        </p:style>
+        <p:txBody>
+          <a:bodyPr rtlCol="0" anchor="ctr"/>
+          <a:lstStyle/>
+          <a:p>
+            <a:pPr algn="ctr"/>
+            <a:r>
+              <a:rPr kumimoji="1" lang="en-US" altLang="zh-CN" sz="1600" dirty="0"/>
+              <a:t>Unknown</a:t>
+            </a:r>
+            <a:endParaRPr kumimoji="1" lang="zh-CN" altLang="en-US" sz="1600" dirty="0"/>
+          </a:p>
+        </p:txBody>
+      </p:sp>
+      <p:sp>
+        <p:nvSpPr>
+          <p:cNvPr id="22" name="矩形 21">
+            <a:extLst>
+              <a:ext uri="{FF2B5EF4-FFF2-40B4-BE49-F238E27FC236}">
+                <a16:creationId xmlns:a16="http://schemas.microsoft.com/office/drawing/2014/main" id="{614D7564-A124-E551-0E55-23CB90852C53}"/>
+              </a:ext>
+            </a:extLst>
+          </p:cNvPr>
+          <p:cNvSpPr/>
+          <p:nvPr/>
+        </p:nvSpPr>
+        <p:spPr>
+          <a:xfrm>
+            <a:off x="5693040" y="5471724"/>
+            <a:ext cx="1103509" cy="505434"/>
+          </a:xfrm>
+          <a:prstGeom prst="rect">
+            <a:avLst/>
+          </a:prstGeom>
+          <a:solidFill>
+            <a:schemeClr val="accent2">
+              <a:lumMod val="40000"/>
+              <a:lumOff val="60000"/>
+            </a:schemeClr>
+          </a:solidFill>
+          <a:ln>
+            <a:noFill/>
+          </a:ln>
+        </p:spPr>
+        <p:style>
+          <a:lnRef idx="2">
+            <a:schemeClr val="accent1">
+              <a:shade val="15000"/>
+            </a:schemeClr>
+          </a:lnRef>
+          <a:fillRef idx="1">
+            <a:schemeClr val="accent1"/>
+          </a:fillRef>
+          <a:effectRef idx="0">
+            <a:schemeClr val="accent1"/>
+          </a:effectRef>
+          <a:fontRef idx="minor">
+            <a:schemeClr val="lt1"/>
+          </a:fontRef>
+        </p:style>
+        <p:txBody>
+          <a:bodyPr rtlCol="0" anchor="ctr"/>
+          <a:lstStyle/>
+          <a:p>
+            <a:pPr algn="ctr"/>
+            <a:r>
+              <a:rPr kumimoji="1" lang="en-US" altLang="zh-CN" sz="1600" dirty="0" err="1"/>
+              <a:t>NaN</a:t>
+            </a:r>
+            <a:endParaRPr kumimoji="1" lang="zh-CN" altLang="en-US" sz="1600" dirty="0"/>
+          </a:p>
+        </p:txBody>
+      </p:sp>
+      <p:sp>
+        <p:nvSpPr>
+          <p:cNvPr id="23" name="矩形 22">
+            <a:extLst>
+              <a:ext uri="{FF2B5EF4-FFF2-40B4-BE49-F238E27FC236}">
+                <a16:creationId xmlns:a16="http://schemas.microsoft.com/office/drawing/2014/main" id="{384597AA-7758-C76A-181F-357FD368DD56}"/>
+              </a:ext>
+            </a:extLst>
+          </p:cNvPr>
+          <p:cNvSpPr/>
+          <p:nvPr/>
+        </p:nvSpPr>
+        <p:spPr>
+          <a:xfrm>
+            <a:off x="4741128" y="3997440"/>
+            <a:ext cx="745437" cy="505434"/>
+          </a:xfrm>
+          <a:prstGeom prst="rect">
+            <a:avLst/>
+          </a:prstGeom>
+          <a:solidFill>
+            <a:schemeClr val="accent2">
+              <a:lumMod val="40000"/>
+              <a:lumOff val="60000"/>
+            </a:schemeClr>
+          </a:solidFill>
+          <a:ln>
+            <a:noFill/>
+          </a:ln>
+        </p:spPr>
+        <p:style>
+          <a:lnRef idx="2">
+            <a:schemeClr val="accent1">
+              <a:shade val="15000"/>
+            </a:schemeClr>
+          </a:lnRef>
+          <a:fillRef idx="1">
+            <a:schemeClr val="accent1"/>
+          </a:fillRef>
+          <a:effectRef idx="0">
+            <a:schemeClr val="accent1"/>
+          </a:effectRef>
+          <a:fontRef idx="minor">
+            <a:schemeClr val="lt1"/>
+          </a:fontRef>
+        </p:style>
+        <p:txBody>
+          <a:bodyPr rtlCol="0" anchor="ctr"/>
+          <a:lstStyle/>
+          <a:p>
+            <a:pPr algn="ctr"/>
+            <a:r>
+              <a:rPr kumimoji="1" lang="en-US" altLang="zh-CN" sz="1600" dirty="0"/>
+              <a:t>1768</a:t>
+            </a:r>
+            <a:endParaRPr kumimoji="1" lang="zh-CN" altLang="en-US" sz="1600" dirty="0"/>
+          </a:p>
+        </p:txBody>
+      </p:sp>
+      <p:sp>
+        <p:nvSpPr>
+          <p:cNvPr id="24" name="矩形 23">
+            <a:extLst>
+              <a:ext uri="{FF2B5EF4-FFF2-40B4-BE49-F238E27FC236}">
+                <a16:creationId xmlns:a16="http://schemas.microsoft.com/office/drawing/2014/main" id="{E2DEAFEA-9372-FE19-44FD-8B97D2D3C54D}"/>
+              </a:ext>
+            </a:extLst>
+          </p:cNvPr>
+          <p:cNvSpPr/>
+          <p:nvPr/>
+        </p:nvSpPr>
+        <p:spPr>
+          <a:xfrm>
+            <a:off x="4741127" y="4738269"/>
+            <a:ext cx="745437" cy="505434"/>
+          </a:xfrm>
+          <a:prstGeom prst="rect">
+            <a:avLst/>
+          </a:prstGeom>
+          <a:solidFill>
+            <a:schemeClr val="accent2">
+              <a:lumMod val="40000"/>
+              <a:lumOff val="60000"/>
+            </a:schemeClr>
+          </a:solidFill>
+          <a:ln>
+            <a:noFill/>
+          </a:ln>
+        </p:spPr>
+        <p:style>
+          <a:lnRef idx="2">
+            <a:schemeClr val="accent1">
+              <a:shade val="15000"/>
+            </a:schemeClr>
+          </a:lnRef>
+          <a:fillRef idx="1">
+            <a:schemeClr val="accent1"/>
+          </a:fillRef>
+          <a:effectRef idx="0">
+            <a:schemeClr val="accent1"/>
+          </a:effectRef>
+          <a:fontRef idx="minor">
+            <a:schemeClr val="lt1"/>
+          </a:fontRef>
+        </p:style>
+        <p:txBody>
+          <a:bodyPr rtlCol="0" anchor="ctr"/>
+          <a:lstStyle/>
+          <a:p>
+            <a:pPr algn="ctr"/>
+            <a:r>
+              <a:rPr kumimoji="1" lang="en-US" altLang="zh-CN" sz="1600" dirty="0"/>
+              <a:t>1992</a:t>
+            </a:r>
+            <a:endParaRPr kumimoji="1" lang="zh-CN" altLang="en-US" sz="1600" dirty="0"/>
+          </a:p>
+        </p:txBody>
+      </p:sp>
+      <p:sp>
+        <p:nvSpPr>
+          <p:cNvPr id="25" name="矩形 24">
+            <a:extLst>
+              <a:ext uri="{FF2B5EF4-FFF2-40B4-BE49-F238E27FC236}">
+                <a16:creationId xmlns:a16="http://schemas.microsoft.com/office/drawing/2014/main" id="{5E3E7558-42E3-BD0C-9925-DA45BE7C36C2}"/>
+              </a:ext>
+            </a:extLst>
+          </p:cNvPr>
+          <p:cNvSpPr/>
+          <p:nvPr/>
+        </p:nvSpPr>
+        <p:spPr>
+          <a:xfrm>
+            <a:off x="4741127" y="5471724"/>
+            <a:ext cx="745437" cy="505434"/>
+          </a:xfrm>
+          <a:prstGeom prst="rect">
+            <a:avLst/>
+          </a:prstGeom>
+          <a:solidFill>
+            <a:schemeClr val="accent2">
+              <a:lumMod val="40000"/>
+              <a:lumOff val="60000"/>
+            </a:schemeClr>
+          </a:solidFill>
+          <a:ln>
+            <a:noFill/>
+          </a:ln>
+        </p:spPr>
+        <p:style>
+          <a:lnRef idx="2">
+            <a:schemeClr val="accent1">
+              <a:shade val="15000"/>
+            </a:schemeClr>
+          </a:lnRef>
+          <a:fillRef idx="1">
+            <a:schemeClr val="accent1"/>
+          </a:fillRef>
+          <a:effectRef idx="0">
+            <a:schemeClr val="accent1"/>
+          </a:effectRef>
+          <a:fontRef idx="minor">
+            <a:schemeClr val="lt1"/>
+          </a:fontRef>
+        </p:style>
+        <p:txBody>
+          <a:bodyPr rtlCol="0" anchor="ctr"/>
+          <a:lstStyle/>
+          <a:p>
+            <a:pPr algn="ctr"/>
+            <a:r>
+              <a:rPr kumimoji="1" lang="en-US" altLang="zh-CN" sz="1600" dirty="0"/>
+              <a:t>2746</a:t>
+            </a:r>
+            <a:endParaRPr kumimoji="1" lang="zh-CN" altLang="en-US" sz="1600" dirty="0"/>
+          </a:p>
+        </p:txBody>
+      </p:sp>
+      <p:sp>
+        <p:nvSpPr>
+          <p:cNvPr id="26" name="矩形 25">
+            <a:extLst>
+              <a:ext uri="{FF2B5EF4-FFF2-40B4-BE49-F238E27FC236}">
+                <a16:creationId xmlns:a16="http://schemas.microsoft.com/office/drawing/2014/main" id="{466DE0FF-9C83-B2DC-D82F-31CE16B03619}"/>
+              </a:ext>
+            </a:extLst>
+          </p:cNvPr>
+          <p:cNvSpPr/>
+          <p:nvPr/>
+        </p:nvSpPr>
+        <p:spPr>
+          <a:xfrm>
+            <a:off x="1665514" y="3558799"/>
+            <a:ext cx="2937824" cy="293914"/>
+          </a:xfrm>
+          <a:prstGeom prst="rect">
+            <a:avLst/>
+          </a:prstGeom>
+          <a:solidFill>
+            <a:schemeClr val="bg1">
+              <a:lumMod val="75000"/>
+            </a:schemeClr>
+          </a:solidFill>
+          <a:ln>
+            <a:noFill/>
+          </a:ln>
+        </p:spPr>
+        <p:style>
+          <a:lnRef idx="2">
+            <a:schemeClr val="accent1">
+              <a:shade val="15000"/>
+            </a:schemeClr>
+          </a:lnRef>
+          <a:fillRef idx="1">
+            <a:schemeClr val="accent1"/>
+          </a:fillRef>
+          <a:effectRef idx="0">
+            <a:schemeClr val="accent1"/>
+          </a:effectRef>
+          <a:fontRef idx="minor">
+            <a:schemeClr val="lt1"/>
+          </a:fontRef>
+        </p:style>
+        <p:txBody>
+          <a:bodyPr rtlCol="0" anchor="ctr"/>
+          <a:lstStyle/>
+          <a:p>
+            <a:pPr algn="ctr"/>
+            <a:r>
+              <a:rPr kumimoji="1" lang="en-US" altLang="zh-CN" dirty="0">
                 <a:solidFill>
-                  <a:srgbClr val="000000"/>
+                  <a:schemeClr val="tx1"/>
                 </a:solidFill>
-                <a:effectLst/>
-                <a:latin typeface="Arial" panose="020B0604020202020204" pitchFamily="34" charset="0"/>
               </a:rPr>
-              <a:t> how you split the data and why</a:t>
-            </a:r>
-          </a:p>
-          <a:p>
-            <a:r>
-              <a:rPr lang="en-US" altLang="zh-CN" sz="1800" b="0" i="0" u="none" strike="noStrike" dirty="0">
+              <a:t>Feature Name</a:t>
+            </a:r>
+            <a:endParaRPr kumimoji="1" lang="zh-CN" altLang="en-US" dirty="0">
+              <a:solidFill>
+                <a:schemeClr val="tx1"/>
+              </a:solidFill>
+            </a:endParaRPr>
+          </a:p>
+        </p:txBody>
+      </p:sp>
+      <p:sp>
+        <p:nvSpPr>
+          <p:cNvPr id="27" name="矩形 26">
+            <a:extLst>
+              <a:ext uri="{FF2B5EF4-FFF2-40B4-BE49-F238E27FC236}">
+                <a16:creationId xmlns:a16="http://schemas.microsoft.com/office/drawing/2014/main" id="{E1DB850E-A87D-058F-B06B-CD744838E0DE}"/>
+              </a:ext>
+            </a:extLst>
+          </p:cNvPr>
+          <p:cNvSpPr/>
+          <p:nvPr/>
+        </p:nvSpPr>
+        <p:spPr>
+          <a:xfrm>
+            <a:off x="4741127" y="3558799"/>
+            <a:ext cx="2055422" cy="293914"/>
+          </a:xfrm>
+          <a:prstGeom prst="rect">
+            <a:avLst/>
+          </a:prstGeom>
+          <a:solidFill>
+            <a:schemeClr val="bg1">
+              <a:lumMod val="75000"/>
+            </a:schemeClr>
+          </a:solidFill>
+          <a:ln>
+            <a:noFill/>
+          </a:ln>
+        </p:spPr>
+        <p:style>
+          <a:lnRef idx="2">
+            <a:schemeClr val="accent1">
+              <a:shade val="15000"/>
+            </a:schemeClr>
+          </a:lnRef>
+          <a:fillRef idx="1">
+            <a:schemeClr val="accent1"/>
+          </a:fillRef>
+          <a:effectRef idx="0">
+            <a:schemeClr val="accent1"/>
+          </a:effectRef>
+          <a:fontRef idx="minor">
+            <a:schemeClr val="lt1"/>
+          </a:fontRef>
+        </p:style>
+        <p:txBody>
+          <a:bodyPr rtlCol="0" anchor="ctr"/>
+          <a:lstStyle/>
+          <a:p>
+            <a:pPr algn="ctr"/>
+            <a:r>
+              <a:rPr kumimoji="1" lang="en-US" altLang="zh-CN" dirty="0">
                 <a:solidFill>
-                  <a:srgbClr val="000000"/>
+                  <a:schemeClr val="tx1"/>
                 </a:solidFill>
-                <a:effectLst/>
-                <a:latin typeface="Arial" panose="020B0604020202020204" pitchFamily="34" charset="0"/>
               </a:rPr>
-              <a:t>What preprocessors did you use and why</a:t>
-            </a:r>
-            <a:endParaRPr lang="en-US" altLang="zh-CN" sz="1800" dirty="0">
+              <a:t>Missing Values</a:t>
+            </a:r>
+            <a:endParaRPr kumimoji="1" lang="zh-CN" altLang="en-US" dirty="0">
               <a:solidFill>
-                <a:srgbClr val="000000"/>
+                <a:schemeClr val="tx1"/>
               </a:solidFill>
-              <a:latin typeface="Arial" panose="020B0604020202020204" pitchFamily="34" charset="0"/>
             </a:endParaRPr>
           </a:p>
-          <a:p>
-            <a:r>
-              <a:rPr lang="en-US" altLang="zh-CN" sz="1800" b="0" i="0" u="none" strike="noStrike" dirty="0">
+        </p:txBody>
+      </p:sp>
+      <p:sp>
+        <p:nvSpPr>
+          <p:cNvPr id="28" name="矩形 27">
+            <a:extLst>
+              <a:ext uri="{FF2B5EF4-FFF2-40B4-BE49-F238E27FC236}">
+                <a16:creationId xmlns:a16="http://schemas.microsoft.com/office/drawing/2014/main" id="{4D5345B6-CF5F-238C-A224-EB78B6720CC9}"/>
+              </a:ext>
+            </a:extLst>
+          </p:cNvPr>
+          <p:cNvSpPr/>
+          <p:nvPr/>
+        </p:nvSpPr>
+        <p:spPr>
+          <a:xfrm>
+            <a:off x="8247989" y="3559249"/>
+            <a:ext cx="2055422" cy="293914"/>
+          </a:xfrm>
+          <a:prstGeom prst="rect">
+            <a:avLst/>
+          </a:prstGeom>
+          <a:solidFill>
+            <a:schemeClr val="bg1">
+              <a:lumMod val="75000"/>
+            </a:schemeClr>
+          </a:solidFill>
+          <a:ln>
+            <a:noFill/>
+          </a:ln>
+        </p:spPr>
+        <p:style>
+          <a:lnRef idx="2">
+            <a:schemeClr val="accent1">
+              <a:shade val="15000"/>
+            </a:schemeClr>
+          </a:lnRef>
+          <a:fillRef idx="1">
+            <a:schemeClr val="accent1"/>
+          </a:fillRef>
+          <a:effectRef idx="0">
+            <a:schemeClr val="accent1"/>
+          </a:effectRef>
+          <a:fontRef idx="minor">
+            <a:schemeClr val="lt1"/>
+          </a:fontRef>
+        </p:style>
+        <p:txBody>
+          <a:bodyPr rtlCol="0" anchor="ctr"/>
+          <a:lstStyle/>
+          <a:p>
+            <a:pPr algn="ctr"/>
+            <a:r>
+              <a:rPr kumimoji="1" lang="en-US" altLang="zh-CN" dirty="0">
                 <a:solidFill>
-                  <a:srgbClr val="000000"/>
+                  <a:schemeClr val="tx1"/>
                 </a:solidFill>
-                <a:effectLst/>
-                <a:latin typeface="Arial" panose="020B0604020202020204" pitchFamily="34" charset="0"/>
               </a:rPr>
-              <a:t>How many features and data points do you have before and after preprocessing.</a:t>
-            </a:r>
-            <a:endParaRPr kumimoji="1" lang="zh-CN" altLang="en-US" dirty="0"/>
-          </a:p>
-        </p:txBody>
-      </p:sp>
+              <a:t>Renamed Values</a:t>
+            </a:r>
+            <a:endParaRPr kumimoji="1" lang="zh-CN" altLang="en-US" dirty="0">
+              <a:solidFill>
+                <a:schemeClr val="tx1"/>
+              </a:solidFill>
+            </a:endParaRPr>
+          </a:p>
+        </p:txBody>
+      </p:sp>
+      <p:pic>
+        <p:nvPicPr>
+          <p:cNvPr id="30" name="图形 29" descr="文件夹搜索 纯色填充">
+            <a:extLst>
+              <a:ext uri="{FF2B5EF4-FFF2-40B4-BE49-F238E27FC236}">
+                <a16:creationId xmlns:a16="http://schemas.microsoft.com/office/drawing/2014/main" id="{095E3130-038C-4720-587E-BAC7C1AAE8E7}"/>
+              </a:ext>
+            </a:extLst>
+          </p:cNvPr>
+          <p:cNvPicPr>
+            <a:picLocks noChangeAspect="1"/>
+          </p:cNvPicPr>
+          <p:nvPr/>
+        </p:nvPicPr>
+        <p:blipFill>
+          <a:blip r:embed="rId4">
+            <a:extLst>
+              <a:ext uri="{96DAC541-7B7A-43D3-8B79-37D633B846F1}">
+                <asvg:svgBlip xmlns:asvg="http://schemas.microsoft.com/office/drawing/2016/SVG/main" r:embed="rId5"/>
+              </a:ext>
+            </a:extLst>
+          </a:blip>
+          <a:stretch>
+            <a:fillRect/>
+          </a:stretch>
+        </p:blipFill>
+        <p:spPr>
+          <a:xfrm>
+            <a:off x="1040940" y="1931372"/>
+            <a:ext cx="452326" cy="452326"/>
+          </a:xfrm>
+          <a:prstGeom prst="rect">
+            <a:avLst/>
+          </a:prstGeom>
+        </p:spPr>
+      </p:pic>
     </p:spTree>
     <p:extLst>
       <p:ext uri="{BB962C8B-B14F-4D97-AF65-F5344CB8AC3E}">
-        <p14:creationId xmlns:p14="http://schemas.microsoft.com/office/powerpoint/2010/main" val="3429353393"/>
+        <p14:creationId xmlns:p14="http://schemas.microsoft.com/office/powerpoint/2010/main" val="4113293675"/>
       </p:ext>
     </p:extLst>
   </p:cSld>
@@ -5378,7 +8566,13 @@
   <p:cSld>
     <p:spTree>
       <p:nvGrpSpPr>
-        <p:cNvPr id="1" name=""/>
+        <p:cNvPr id="1" name="">
+          <a:extLst>
+            <a:ext uri="{FF2B5EF4-FFF2-40B4-BE49-F238E27FC236}">
+              <a16:creationId xmlns:a16="http://schemas.microsoft.com/office/drawing/2014/main" id="{090E4898-361C-D229-3A04-498048498841}"/>
+            </a:ext>
+          </a:extLst>
+        </p:cNvPr>
         <p:cNvGrpSpPr/>
         <p:nvPr/>
       </p:nvGrpSpPr>
@@ -5395,7 +8589,7 @@
           <p:cNvPr id="2" name="标题 1">
             <a:extLst>
               <a:ext uri="{FF2B5EF4-FFF2-40B4-BE49-F238E27FC236}">
-                <a16:creationId xmlns:a16="http://schemas.microsoft.com/office/drawing/2014/main" id="{AA71FF48-AAC9-2A20-8269-77386BB1D4FC}"/>
+                <a16:creationId xmlns:a16="http://schemas.microsoft.com/office/drawing/2014/main" id="{6776B594-338B-9F61-1A76-11713DEC9E9F}"/>
               </a:ext>
             </a:extLst>
           </p:cNvPr>
@@ -5406,14 +8600,19 @@
             <p:ph type="title"/>
           </p:nvPr>
         </p:nvSpPr>
-        <p:spPr/>
+        <p:spPr>
+          <a:xfrm>
+            <a:off x="979487" y="586958"/>
+            <a:ext cx="10058400" cy="1609344"/>
+          </a:xfrm>
+        </p:spPr>
         <p:txBody>
           <a:bodyPr/>
           <a:lstStyle/>
           <a:p>
             <a:r>
               <a:rPr kumimoji="1" lang="en-US" altLang="zh-CN" dirty="0"/>
-              <a:t>Splitting and preprocessing slide(s) </a:t>
+              <a:t>Feature ENCODING</a:t>
             </a:r>
             <a:endParaRPr kumimoji="1" lang="zh-CN" altLang="en-US" dirty="0"/>
           </a:p>
@@ -5424,7 +8623,7 @@
           <p:cNvPr id="3" name="内容占位符 2">
             <a:extLst>
               <a:ext uri="{FF2B5EF4-FFF2-40B4-BE49-F238E27FC236}">
-                <a16:creationId xmlns:a16="http://schemas.microsoft.com/office/drawing/2014/main" id="{9A1463C9-AA24-C1EB-C5B9-9E6B437B64FB}"/>
+                <a16:creationId xmlns:a16="http://schemas.microsoft.com/office/drawing/2014/main" id="{0222A36B-890C-817B-5A5E-B528CF43ADBE}"/>
               </a:ext>
             </a:extLst>
           </p:cNvPr>
@@ -5435,59 +8634,614 @@
             <p:ph idx="1"/>
           </p:nvPr>
         </p:nvSpPr>
-        <p:spPr/>
-        <p:txBody>
-          <a:bodyPr/>
-          <a:lstStyle/>
-          <a:p>
-            <a:pPr algn="just" rtl="0">
-              <a:spcBef>
-                <a:spcPts val="0"/>
-              </a:spcBef>
-              <a:spcAft>
-                <a:spcPts val="0"/>
-              </a:spcAft>
+        <p:spPr>
+          <a:xfrm>
+            <a:off x="1345853" y="1934708"/>
+            <a:ext cx="9805208" cy="4231142"/>
+          </a:xfrm>
+        </p:spPr>
+        <p:txBody>
+          <a:bodyPr>
+            <a:normAutofit/>
+          </a:bodyPr>
+          <a:lstStyle/>
+          <a:p>
+            <a:pPr marL="9525" lvl="1" indent="0">
+              <a:lnSpc>
+                <a:spcPct val="100000"/>
+              </a:lnSpc>
+              <a:buNone/>
             </a:pPr>
             <a:r>
-              <a:rPr lang="en-US" altLang="zh-CN" sz="1800" b="0" i="0" u="none" strike="noStrike" dirty="0">
+              <a:rPr lang="en-US" altLang="zh-CN" b="1" dirty="0"/>
+              <a:t>Ordinal Encoding</a:t>
+            </a:r>
+          </a:p>
+          <a:p>
+            <a:pPr marL="295275" lvl="1" indent="-285750">
+              <a:lnSpc>
+                <a:spcPct val="100000"/>
+              </a:lnSpc>
+            </a:pPr>
+            <a:r>
+              <a:rPr lang="en-US" altLang="zh-CN" dirty="0"/>
+              <a:t>Applied to features with a natural order </a:t>
+            </a:r>
+          </a:p>
+          <a:p>
+            <a:pPr marL="295275" lvl="1" indent="-285750">
+              <a:lnSpc>
+                <a:spcPct val="150000"/>
+              </a:lnSpc>
+            </a:pPr>
+            <a:r>
+              <a:rPr lang="en-US" altLang="zh-CN" dirty="0"/>
+              <a:t>Example: </a:t>
+            </a:r>
+            <a:r>
+              <a:rPr lang="en-US" altLang="zh-CN" dirty="0" err="1"/>
+              <a:t>years_college</a:t>
+            </a:r>
+            <a:r>
+              <a:rPr lang="en-US" altLang="zh-CN" dirty="0"/>
+              <a:t>:</a:t>
+            </a:r>
+          </a:p>
+          <a:p>
+            <a:pPr marL="9525" lvl="1" indent="0">
+              <a:lnSpc>
+                <a:spcPct val="100000"/>
+              </a:lnSpc>
+              <a:buNone/>
+            </a:pPr>
+            <a:endParaRPr lang="en-US" altLang="zh-CN" b="1" dirty="0"/>
+          </a:p>
+          <a:p>
+            <a:pPr marL="9525" lvl="1" indent="0">
+              <a:lnSpc>
+                <a:spcPct val="100000"/>
+              </a:lnSpc>
+              <a:buNone/>
+            </a:pPr>
+            <a:r>
+              <a:rPr lang="en-US" altLang="zh-CN" b="1" dirty="0"/>
+              <a:t>One-Hot Encoding</a:t>
+            </a:r>
+          </a:p>
+          <a:p>
+            <a:pPr marL="295275" lvl="1" indent="-285750">
+              <a:lnSpc>
+                <a:spcPct val="100000"/>
+              </a:lnSpc>
+            </a:pPr>
+            <a:r>
+              <a:rPr lang="en-US" altLang="zh-CN" dirty="0"/>
+              <a:t>Used for categorical features with no inherent order</a:t>
+            </a:r>
+          </a:p>
+          <a:p>
+            <a:pPr marL="295275" lvl="1" indent="-285750">
+              <a:lnSpc>
+                <a:spcPct val="100000"/>
+              </a:lnSpc>
+            </a:pPr>
+            <a:r>
+              <a:rPr lang="en-US" altLang="zh-CN" dirty="0"/>
+              <a:t>Example: </a:t>
+            </a:r>
+            <a:r>
+              <a:rPr lang="en-US" altLang="zh-CN" dirty="0" err="1"/>
+              <a:t>job_ownership</a:t>
+            </a:r>
+            <a:endParaRPr lang="en-US" altLang="zh-CN" dirty="0"/>
+          </a:p>
+          <a:p>
+            <a:pPr marL="569595" lvl="2" indent="-285750">
+              <a:lnSpc>
+                <a:spcPct val="100000"/>
+              </a:lnSpc>
+            </a:pPr>
+            <a:r>
+              <a:rPr lang="en-US" altLang="zh-CN" sz="1800" dirty="0"/>
+              <a:t>unknown</a:t>
+            </a:r>
+          </a:p>
+          <a:p>
+            <a:pPr marL="569595" lvl="2" indent="-285750">
+              <a:lnSpc>
+                <a:spcPct val="100000"/>
+              </a:lnSpc>
+            </a:pPr>
+            <a:r>
+              <a:rPr lang="en-US" altLang="zh-CN" sz="1800" dirty="0"/>
+              <a:t>nonprofit</a:t>
+            </a:r>
+          </a:p>
+          <a:p>
+            <a:pPr marL="569595" lvl="2" indent="-285750">
+              <a:lnSpc>
+                <a:spcPct val="100000"/>
+              </a:lnSpc>
+            </a:pPr>
+            <a:r>
+              <a:rPr lang="en-US" altLang="zh-CN" sz="1800" dirty="0"/>
+              <a:t>private</a:t>
+            </a:r>
+          </a:p>
+          <a:p>
+            <a:pPr marL="569595" lvl="2" indent="-285750">
+              <a:lnSpc>
+                <a:spcPct val="100000"/>
+              </a:lnSpc>
+            </a:pPr>
+            <a:r>
+              <a:rPr lang="en-US" altLang="zh-CN" sz="1800" dirty="0"/>
+              <a:t>public</a:t>
+            </a:r>
+          </a:p>
+        </p:txBody>
+      </p:sp>
+      <p:pic>
+        <p:nvPicPr>
+          <p:cNvPr id="6" name="图形 5" descr="甘特图 纯色填充">
+            <a:extLst>
+              <a:ext uri="{FF2B5EF4-FFF2-40B4-BE49-F238E27FC236}">
+                <a16:creationId xmlns:a16="http://schemas.microsoft.com/office/drawing/2014/main" id="{37EEC739-A0B4-5F6D-0ABC-111E72EB9BB8}"/>
+              </a:ext>
+            </a:extLst>
+          </p:cNvPr>
+          <p:cNvPicPr>
+            <a:picLocks noChangeAspect="1"/>
+          </p:cNvPicPr>
+          <p:nvPr/>
+        </p:nvPicPr>
+        <p:blipFill>
+          <a:blip r:embed="rId3">
+            <a:extLst>
+              <a:ext uri="{96DAC541-7B7A-43D3-8B79-37D633B846F1}">
+                <asvg:svgBlip xmlns:asvg="http://schemas.microsoft.com/office/drawing/2016/SVG/main" r:embed="rId4"/>
+              </a:ext>
+            </a:extLst>
+          </a:blip>
+          <a:stretch>
+            <a:fillRect/>
+          </a:stretch>
+        </p:blipFill>
+        <p:spPr>
+          <a:xfrm>
+            <a:off x="1023772" y="3454430"/>
+            <a:ext cx="380789" cy="380789"/>
+          </a:xfrm>
+          <a:prstGeom prst="rect">
+            <a:avLst/>
+          </a:prstGeom>
+        </p:spPr>
+      </p:pic>
+      <p:pic>
+        <p:nvPicPr>
+          <p:cNvPr id="13" name="图形 12" descr="上升趋势条形图 纯色填充">
+            <a:extLst>
+              <a:ext uri="{FF2B5EF4-FFF2-40B4-BE49-F238E27FC236}">
+                <a16:creationId xmlns:a16="http://schemas.microsoft.com/office/drawing/2014/main" id="{FB4498B1-FFD9-6A23-DA66-AE03ED837853}"/>
+              </a:ext>
+            </a:extLst>
+          </p:cNvPr>
+          <p:cNvPicPr>
+            <a:picLocks noChangeAspect="1"/>
+          </p:cNvPicPr>
+          <p:nvPr/>
+        </p:nvPicPr>
+        <p:blipFill>
+          <a:blip r:embed="rId5">
+            <a:extLst>
+              <a:ext uri="{96DAC541-7B7A-43D3-8B79-37D633B846F1}">
+                <asvg:svgBlip xmlns:asvg="http://schemas.microsoft.com/office/drawing/2016/SVG/main" r:embed="rId6"/>
+              </a:ext>
+            </a:extLst>
+          </a:blip>
+          <a:stretch>
+            <a:fillRect/>
+          </a:stretch>
+        </p:blipFill>
+        <p:spPr>
+          <a:xfrm>
+            <a:off x="1023772" y="1934708"/>
+            <a:ext cx="380790" cy="380790"/>
+          </a:xfrm>
+          <a:prstGeom prst="rect">
+            <a:avLst/>
+          </a:prstGeom>
+        </p:spPr>
+      </p:pic>
+      <p:grpSp>
+        <p:nvGrpSpPr>
+          <p:cNvPr id="15" name="组合 14">
+            <a:extLst>
+              <a:ext uri="{FF2B5EF4-FFF2-40B4-BE49-F238E27FC236}">
+                <a16:creationId xmlns:a16="http://schemas.microsoft.com/office/drawing/2014/main" id="{F4D7D02F-A50E-3BF6-50B2-E09153766CA3}"/>
+              </a:ext>
+            </a:extLst>
+          </p:cNvPr>
+          <p:cNvGrpSpPr/>
+          <p:nvPr/>
+        </p:nvGrpSpPr>
+        <p:grpSpPr>
+          <a:xfrm>
+            <a:off x="1360600" y="3126852"/>
+            <a:ext cx="5370833" cy="338554"/>
+            <a:chOff x="1331104" y="3126852"/>
+            <a:chExt cx="5370833" cy="338554"/>
+          </a:xfrm>
+        </p:grpSpPr>
+        <p:sp>
+          <p:nvSpPr>
+            <p:cNvPr id="8" name="文本框 7">
+              <a:extLst>
+                <a:ext uri="{FF2B5EF4-FFF2-40B4-BE49-F238E27FC236}">
+                  <a16:creationId xmlns:a16="http://schemas.microsoft.com/office/drawing/2014/main" id="{5AB7E409-3EF0-4033-EAAD-111735A65658}"/>
+                </a:ext>
+              </a:extLst>
+            </p:cNvPr>
+            <p:cNvSpPr txBox="1"/>
+            <p:nvPr/>
+          </p:nvSpPr>
+          <p:spPr>
+            <a:xfrm>
+              <a:off x="2433229" y="3126852"/>
+              <a:ext cx="962332" cy="338554"/>
+            </a:xfrm>
+            <a:prstGeom prst="rect">
+              <a:avLst/>
+            </a:prstGeom>
+            <a:noFill/>
+          </p:spPr>
+          <p:txBody>
+            <a:bodyPr wrap="square">
+              <a:spAutoFit/>
+            </a:bodyPr>
+            <a:lstStyle/>
+            <a:p>
+              <a:pPr marL="569595" marR="0" lvl="2" indent="-285750" algn="l" defTabSz="914400" rtl="0" eaLnBrk="1" fontAlgn="auto" latinLnBrk="0" hangingPunct="1">
+                <a:lnSpc>
+                  <a:spcPct val="100000"/>
+                </a:lnSpc>
+                <a:spcBef>
+                  <a:spcPts val="400"/>
+                </a:spcBef>
+                <a:spcAft>
+                  <a:spcPts val="200"/>
+                </a:spcAft>
+                <a:buClr>
+                  <a:srgbClr val="D34817">
+                    <a:lumMod val="75000"/>
+                  </a:srgbClr>
+                </a:buClr>
+                <a:buSzPct val="85000"/>
+                <a:buFont typeface="Wingdings" pitchFamily="2" charset="2"/>
+                <a:buChar char="§"/>
+                <a:tabLst/>
+                <a:defRPr/>
+              </a:pPr>
+              <a:r>
+                <a:rPr lang="en-US" altLang="zh-CN" sz="1600" dirty="0">
+                  <a:solidFill>
+                    <a:prstClr val="black"/>
+                  </a:solidFill>
+                  <a:latin typeface="Rockwell" panose="02060603020205020403"/>
+                </a:rPr>
+                <a:t>1</a:t>
+              </a:r>
+              <a:endParaRPr kumimoji="0" lang="en-US" altLang="zh-CN" sz="1600" b="0" i="0" u="none" strike="noStrike" kern="1200" cap="none" spc="0" normalizeH="0" baseline="0" noProof="0" dirty="0">
+                <a:ln>
+                  <a:noFill/>
+                </a:ln>
                 <a:solidFill>
-                  <a:srgbClr val="000000"/>
+                  <a:prstClr val="black"/>
                 </a:solidFill>
                 <a:effectLst/>
-                <a:latin typeface="Arial" panose="020B0604020202020204" pitchFamily="34" charset="0"/>
-              </a:rPr>
-              <a:t>If you have missing values, describe the basic properties of the missing values (e.g., what fraction of the points have missing values, which features, what fraction of the features are missing, </a:t>
-            </a:r>
-            <a:r>
-              <a:rPr lang="en-US" altLang="zh-CN" sz="1800" b="0" i="0" u="none" strike="noStrike" dirty="0" err="1">
+                <a:uLnTx/>
+                <a:uFillTx/>
+                <a:latin typeface="Rockwell" panose="02060603020205020403"/>
+                <a:cs typeface="+mn-cs"/>
+              </a:endParaRPr>
+            </a:p>
+          </p:txBody>
+        </p:sp>
+        <p:sp>
+          <p:nvSpPr>
+            <p:cNvPr id="9" name="文本框 8">
+              <a:extLst>
+                <a:ext uri="{FF2B5EF4-FFF2-40B4-BE49-F238E27FC236}">
+                  <a16:creationId xmlns:a16="http://schemas.microsoft.com/office/drawing/2014/main" id="{10E6BF31-AACC-A273-CEAA-8A7E92570F97}"/>
+                </a:ext>
+              </a:extLst>
+            </p:cNvPr>
+            <p:cNvSpPr txBox="1"/>
+            <p:nvPr/>
+          </p:nvSpPr>
+          <p:spPr>
+            <a:xfrm>
+              <a:off x="3535354" y="3126852"/>
+              <a:ext cx="962332" cy="338554"/>
+            </a:xfrm>
+            <a:prstGeom prst="rect">
+              <a:avLst/>
+            </a:prstGeom>
+            <a:noFill/>
+          </p:spPr>
+          <p:txBody>
+            <a:bodyPr wrap="square">
+              <a:spAutoFit/>
+            </a:bodyPr>
+            <a:lstStyle/>
+            <a:p>
+              <a:pPr marL="569595" marR="0" lvl="2" indent="-285750" algn="l" defTabSz="914400" rtl="0" eaLnBrk="1" fontAlgn="auto" latinLnBrk="0" hangingPunct="1">
+                <a:lnSpc>
+                  <a:spcPct val="100000"/>
+                </a:lnSpc>
+                <a:spcBef>
+                  <a:spcPts val="400"/>
+                </a:spcBef>
+                <a:spcAft>
+                  <a:spcPts val="200"/>
+                </a:spcAft>
+                <a:buClr>
+                  <a:srgbClr val="D34817">
+                    <a:lumMod val="75000"/>
+                  </a:srgbClr>
+                </a:buClr>
+                <a:buSzPct val="85000"/>
+                <a:buFont typeface="Wingdings" pitchFamily="2" charset="2"/>
+                <a:buChar char="§"/>
+                <a:tabLst/>
+                <a:defRPr/>
+              </a:pPr>
+              <a:r>
+                <a:rPr lang="en-US" altLang="zh-CN" sz="1600" dirty="0">
+                  <a:solidFill>
+                    <a:prstClr val="black"/>
+                  </a:solidFill>
+                  <a:latin typeface="Rockwell" panose="02060603020205020403"/>
+                </a:rPr>
+                <a:t>2</a:t>
+              </a:r>
+              <a:endParaRPr kumimoji="0" lang="en-US" altLang="zh-CN" sz="1600" b="0" i="0" u="none" strike="noStrike" kern="1200" cap="none" spc="0" normalizeH="0" baseline="0" noProof="0" dirty="0">
+                <a:ln>
+                  <a:noFill/>
+                </a:ln>
                 <a:solidFill>
-                  <a:srgbClr val="000000"/>
+                  <a:prstClr val="black"/>
                 </a:solidFill>
                 <a:effectLst/>
-                <a:latin typeface="Arial" panose="020B0604020202020204" pitchFamily="34" charset="0"/>
-              </a:rPr>
-              <a:t>etc</a:t>
-            </a:r>
-            <a:r>
-              <a:rPr lang="en-US" altLang="zh-CN" sz="1800" b="0" i="0" u="none" strike="noStrike" dirty="0">
+                <a:uLnTx/>
+                <a:uFillTx/>
+                <a:latin typeface="Rockwell" panose="02060603020205020403"/>
+                <a:cs typeface="+mn-cs"/>
+              </a:endParaRPr>
+            </a:p>
+          </p:txBody>
+        </p:sp>
+        <p:sp>
+          <p:nvSpPr>
+            <p:cNvPr id="10" name="文本框 9">
+              <a:extLst>
+                <a:ext uri="{FF2B5EF4-FFF2-40B4-BE49-F238E27FC236}">
+                  <a16:creationId xmlns:a16="http://schemas.microsoft.com/office/drawing/2014/main" id="{C2BFF880-CAFD-C3F4-61C1-A3107F455CBC}"/>
+                </a:ext>
+              </a:extLst>
+            </p:cNvPr>
+            <p:cNvSpPr txBox="1"/>
+            <p:nvPr/>
+          </p:nvSpPr>
+          <p:spPr>
+            <a:xfrm>
+              <a:off x="4637479" y="3126852"/>
+              <a:ext cx="962332" cy="338554"/>
+            </a:xfrm>
+            <a:prstGeom prst="rect">
+              <a:avLst/>
+            </a:prstGeom>
+            <a:noFill/>
+          </p:spPr>
+          <p:txBody>
+            <a:bodyPr wrap="square">
+              <a:spAutoFit/>
+            </a:bodyPr>
+            <a:lstStyle/>
+            <a:p>
+              <a:pPr marL="569595" marR="0" lvl="2" indent="-285750" algn="l" defTabSz="914400" rtl="0" eaLnBrk="1" fontAlgn="auto" latinLnBrk="0" hangingPunct="1">
+                <a:lnSpc>
+                  <a:spcPct val="100000"/>
+                </a:lnSpc>
+                <a:spcBef>
+                  <a:spcPts val="400"/>
+                </a:spcBef>
+                <a:spcAft>
+                  <a:spcPts val="200"/>
+                </a:spcAft>
+                <a:buClr>
+                  <a:srgbClr val="D34817">
+                    <a:lumMod val="75000"/>
+                  </a:srgbClr>
+                </a:buClr>
+                <a:buSzPct val="85000"/>
+                <a:buFont typeface="Wingdings" pitchFamily="2" charset="2"/>
+                <a:buChar char="§"/>
+                <a:tabLst/>
+                <a:defRPr/>
+              </a:pPr>
+              <a:r>
+                <a:rPr lang="en-US" altLang="zh-CN" sz="1600" dirty="0">
+                  <a:solidFill>
+                    <a:prstClr val="black"/>
+                  </a:solidFill>
+                  <a:latin typeface="Rockwell" panose="02060603020205020403"/>
+                </a:rPr>
+                <a:t>3</a:t>
+              </a:r>
+              <a:endParaRPr kumimoji="0" lang="en-US" altLang="zh-CN" sz="1600" b="0" i="0" u="none" strike="noStrike" kern="1200" cap="none" spc="0" normalizeH="0" baseline="0" noProof="0" dirty="0">
+                <a:ln>
+                  <a:noFill/>
+                </a:ln>
                 <a:solidFill>
-                  <a:srgbClr val="000000"/>
+                  <a:prstClr val="black"/>
                 </a:solidFill>
                 <a:effectLst/>
-                <a:latin typeface="Arial" panose="020B0604020202020204" pitchFamily="34" charset="0"/>
-              </a:rPr>
-              <a:t>).</a:t>
-            </a:r>
-            <a:endParaRPr lang="en-US" altLang="zh-CN" b="0" dirty="0">
-              <a:effectLst/>
-            </a:endParaRPr>
-          </a:p>
-        </p:txBody>
-      </p:sp>
+                <a:uLnTx/>
+                <a:uFillTx/>
+                <a:latin typeface="Rockwell" panose="02060603020205020403"/>
+                <a:cs typeface="+mn-cs"/>
+              </a:endParaRPr>
+            </a:p>
+          </p:txBody>
+        </p:sp>
+        <p:sp>
+          <p:nvSpPr>
+            <p:cNvPr id="11" name="文本框 10">
+              <a:extLst>
+                <a:ext uri="{FF2B5EF4-FFF2-40B4-BE49-F238E27FC236}">
+                  <a16:creationId xmlns:a16="http://schemas.microsoft.com/office/drawing/2014/main" id="{EA9F0531-F3D6-809D-BF01-9BECC890EC49}"/>
+                </a:ext>
+              </a:extLst>
+            </p:cNvPr>
+            <p:cNvSpPr txBox="1"/>
+            <p:nvPr/>
+          </p:nvSpPr>
+          <p:spPr>
+            <a:xfrm>
+              <a:off x="5739605" y="3126852"/>
+              <a:ext cx="962332" cy="338554"/>
+            </a:xfrm>
+            <a:prstGeom prst="rect">
+              <a:avLst/>
+            </a:prstGeom>
+            <a:noFill/>
+          </p:spPr>
+          <p:txBody>
+            <a:bodyPr wrap="square">
+              <a:spAutoFit/>
+            </a:bodyPr>
+            <a:lstStyle/>
+            <a:p>
+              <a:pPr marL="569595" marR="0" lvl="2" indent="-285750" algn="l" defTabSz="914400" rtl="0" eaLnBrk="1" fontAlgn="auto" latinLnBrk="0" hangingPunct="1">
+                <a:lnSpc>
+                  <a:spcPct val="100000"/>
+                </a:lnSpc>
+                <a:spcBef>
+                  <a:spcPts val="400"/>
+                </a:spcBef>
+                <a:spcAft>
+                  <a:spcPts val="200"/>
+                </a:spcAft>
+                <a:buClr>
+                  <a:srgbClr val="D34817">
+                    <a:lumMod val="75000"/>
+                  </a:srgbClr>
+                </a:buClr>
+                <a:buSzPct val="85000"/>
+                <a:buFont typeface="Wingdings" pitchFamily="2" charset="2"/>
+                <a:buChar char="§"/>
+                <a:tabLst/>
+                <a:defRPr/>
+              </a:pPr>
+              <a:r>
+                <a:rPr lang="en-US" altLang="zh-CN" sz="1600" dirty="0">
+                  <a:solidFill>
+                    <a:prstClr val="black"/>
+                  </a:solidFill>
+                  <a:latin typeface="Rockwell" panose="02060603020205020403"/>
+                </a:rPr>
+                <a:t>4</a:t>
+              </a:r>
+              <a:endParaRPr kumimoji="0" lang="en-US" altLang="zh-CN" sz="1600" b="0" i="0" u="none" strike="noStrike" kern="1200" cap="none" spc="0" normalizeH="0" baseline="0" noProof="0" dirty="0">
+                <a:ln>
+                  <a:noFill/>
+                </a:ln>
+                <a:solidFill>
+                  <a:prstClr val="black"/>
+                </a:solidFill>
+                <a:effectLst/>
+                <a:uLnTx/>
+                <a:uFillTx/>
+                <a:latin typeface="Rockwell" panose="02060603020205020403"/>
+                <a:cs typeface="+mn-cs"/>
+              </a:endParaRPr>
+            </a:p>
+          </p:txBody>
+        </p:sp>
+        <p:sp>
+          <p:nvSpPr>
+            <p:cNvPr id="14" name="文本框 13">
+              <a:extLst>
+                <a:ext uri="{FF2B5EF4-FFF2-40B4-BE49-F238E27FC236}">
+                  <a16:creationId xmlns:a16="http://schemas.microsoft.com/office/drawing/2014/main" id="{540FF7BF-17D3-2AE6-E8D4-2067ED632D03}"/>
+                </a:ext>
+              </a:extLst>
+            </p:cNvPr>
+            <p:cNvSpPr txBox="1"/>
+            <p:nvPr/>
+          </p:nvSpPr>
+          <p:spPr>
+            <a:xfrm>
+              <a:off x="1331104" y="3126852"/>
+              <a:ext cx="962332" cy="338554"/>
+            </a:xfrm>
+            <a:prstGeom prst="rect">
+              <a:avLst/>
+            </a:prstGeom>
+            <a:noFill/>
+          </p:spPr>
+          <p:txBody>
+            <a:bodyPr wrap="square">
+              <a:spAutoFit/>
+            </a:bodyPr>
+            <a:lstStyle/>
+            <a:p>
+              <a:pPr marL="569595" marR="0" lvl="2" indent="-285750" algn="l" defTabSz="914400" rtl="0" eaLnBrk="1" fontAlgn="auto" latinLnBrk="0" hangingPunct="1">
+                <a:lnSpc>
+                  <a:spcPct val="100000"/>
+                </a:lnSpc>
+                <a:spcBef>
+                  <a:spcPts val="400"/>
+                </a:spcBef>
+                <a:spcAft>
+                  <a:spcPts val="200"/>
+                </a:spcAft>
+                <a:buClr>
+                  <a:srgbClr val="D34817">
+                    <a:lumMod val="75000"/>
+                  </a:srgbClr>
+                </a:buClr>
+                <a:buSzPct val="85000"/>
+                <a:buFont typeface="Wingdings" pitchFamily="2" charset="2"/>
+                <a:buChar char="§"/>
+                <a:tabLst/>
+                <a:defRPr/>
+              </a:pPr>
+              <a:r>
+                <a:rPr kumimoji="0" lang="en-US" altLang="zh-CN" sz="1600" b="0" i="0" u="none" strike="noStrike" kern="1200" cap="none" spc="0" normalizeH="0" baseline="0" noProof="0" dirty="0">
+                  <a:ln>
+                    <a:noFill/>
+                  </a:ln>
+                  <a:solidFill>
+                    <a:prstClr val="black"/>
+                  </a:solidFill>
+                  <a:effectLst/>
+                  <a:uLnTx/>
+                  <a:uFillTx/>
+                  <a:latin typeface="Rockwell" panose="02060603020205020403"/>
+                  <a:cs typeface="+mn-cs"/>
+                </a:rPr>
+                <a:t>0</a:t>
+              </a:r>
+            </a:p>
+          </p:txBody>
+        </p:sp>
+      </p:grpSp>
     </p:spTree>
     <p:extLst>
       <p:ext uri="{BB962C8B-B14F-4D97-AF65-F5344CB8AC3E}">
-        <p14:creationId xmlns:p14="http://schemas.microsoft.com/office/powerpoint/2010/main" val="4113293675"/>
+        <p14:creationId xmlns:p14="http://schemas.microsoft.com/office/powerpoint/2010/main" val="2502902506"/>
       </p:ext>
     </p:extLst>
   </p:cSld>
@@ -5502,7 +9256,13 @@
   <p:cSld>
     <p:spTree>
       <p:nvGrpSpPr>
-        <p:cNvPr id="1" name=""/>
+        <p:cNvPr id="1" name="">
+          <a:extLst>
+            <a:ext uri="{FF2B5EF4-FFF2-40B4-BE49-F238E27FC236}">
+              <a16:creationId xmlns:a16="http://schemas.microsoft.com/office/drawing/2014/main" id="{C62B93AC-9D97-006E-7F1A-8647C7D80652}"/>
+            </a:ext>
+          </a:extLst>
+        </p:cNvPr>
         <p:cNvGrpSpPr/>
         <p:nvPr/>
       </p:nvGrpSpPr>
@@ -5519,7 +9279,7 @@
           <p:cNvPr id="2" name="标题 1">
             <a:extLst>
               <a:ext uri="{FF2B5EF4-FFF2-40B4-BE49-F238E27FC236}">
-                <a16:creationId xmlns:a16="http://schemas.microsoft.com/office/drawing/2014/main" id="{66EF6FF1-F40C-C604-A7AE-670CD5363C1E}"/>
+                <a16:creationId xmlns:a16="http://schemas.microsoft.com/office/drawing/2014/main" id="{EB6A58A8-CF5A-DF95-572A-865B715C79E9}"/>
               </a:ext>
             </a:extLst>
           </p:cNvPr>
@@ -5530,14 +9290,19 @@
             <p:ph type="title"/>
           </p:nvPr>
         </p:nvSpPr>
-        <p:spPr/>
+        <p:spPr>
+          <a:xfrm>
+            <a:off x="979487" y="586958"/>
+            <a:ext cx="10058400" cy="1609344"/>
+          </a:xfrm>
+        </p:spPr>
         <p:txBody>
           <a:bodyPr/>
           <a:lstStyle/>
           <a:p>
             <a:r>
               <a:rPr kumimoji="1" lang="en-US" altLang="zh-CN" dirty="0"/>
-              <a:t>Thanks for listening!</a:t>
+              <a:t>Feature ENCODING</a:t>
             </a:r>
             <a:endParaRPr kumimoji="1" lang="zh-CN" altLang="en-US" dirty="0"/>
           </a:p>
@@ -5545,10 +9310,10 @@
       </p:sp>
       <p:sp>
         <p:nvSpPr>
-          <p:cNvPr id="3" name="文本占位符 2">
+          <p:cNvPr id="3" name="内容占位符 2">
             <a:extLst>
               <a:ext uri="{FF2B5EF4-FFF2-40B4-BE49-F238E27FC236}">
-                <a16:creationId xmlns:a16="http://schemas.microsoft.com/office/drawing/2014/main" id="{7D3D1A14-862A-6EC8-F487-15C1F677443C}"/>
+                <a16:creationId xmlns:a16="http://schemas.microsoft.com/office/drawing/2014/main" id="{B7FBD12F-DAD5-7DD8-33C0-268E8CDBE6E1}"/>
               </a:ext>
             </a:extLst>
           </p:cNvPr>
@@ -5556,22 +9321,105 @@
             <a:spLocks noGrp="1"/>
           </p:cNvSpPr>
           <p:nvPr>
-            <p:ph type="body" idx="1"/>
+            <p:ph idx="1"/>
           </p:nvPr>
         </p:nvSpPr>
-        <p:spPr/>
-        <p:txBody>
-          <a:bodyPr/>
-          <a:lstStyle/>
-          <a:p>
-            <a:endParaRPr kumimoji="1" lang="zh-CN" altLang="en-US" dirty="0"/>
+        <p:spPr>
+          <a:xfrm>
+            <a:off x="1026192" y="1949456"/>
+            <a:ext cx="9805208" cy="4231142"/>
+          </a:xfrm>
+        </p:spPr>
+        <p:txBody>
+          <a:bodyPr>
+            <a:normAutofit/>
+          </a:bodyPr>
+          <a:lstStyle/>
+          <a:p>
+            <a:pPr>
+              <a:lnSpc>
+                <a:spcPct val="100000"/>
+              </a:lnSpc>
+              <a:buFont typeface="Arial" panose="020B0604020202020204" pitchFamily="34" charset="0"/>
+              <a:buChar char="•"/>
+            </a:pPr>
+            <a:r>
+              <a:rPr lang="en-US" altLang="zh-CN" b="1" dirty="0"/>
+              <a:t>Before Preprocessing</a:t>
+            </a:r>
+            <a:endParaRPr lang="en-US" altLang="zh-CN" dirty="0"/>
+          </a:p>
+          <a:p>
+            <a:pPr lvl="1">
+              <a:lnSpc>
+                <a:spcPct val="100000"/>
+              </a:lnSpc>
+              <a:buFont typeface="Arial" panose="020B0604020202020204" pitchFamily="34" charset="0"/>
+              <a:buChar char="•"/>
+            </a:pPr>
+            <a:r>
+              <a:rPr lang="en-US" altLang="zh-CN" dirty="0"/>
+              <a:t>27 features</a:t>
+            </a:r>
+          </a:p>
+          <a:p>
+            <a:pPr>
+              <a:lnSpc>
+                <a:spcPct val="100000"/>
+              </a:lnSpc>
+              <a:buFont typeface="Arial" panose="020B0604020202020204" pitchFamily="34" charset="0"/>
+              <a:buChar char="•"/>
+            </a:pPr>
+            <a:r>
+              <a:rPr lang="en-US" altLang="zh-CN" b="1" dirty="0"/>
+              <a:t>After Preprocessing</a:t>
+            </a:r>
+            <a:endParaRPr lang="en-US" altLang="zh-CN" dirty="0"/>
+          </a:p>
+          <a:p>
+            <a:pPr lvl="1">
+              <a:lnSpc>
+                <a:spcPct val="100000"/>
+              </a:lnSpc>
+              <a:buFont typeface="Arial" panose="020B0604020202020204" pitchFamily="34" charset="0"/>
+              <a:buChar char="•"/>
+            </a:pPr>
+            <a:r>
+              <a:rPr lang="en-US" altLang="zh-CN" dirty="0"/>
+              <a:t>60 features (one-hot encoding expansion)</a:t>
+            </a:r>
+          </a:p>
+          <a:p>
+            <a:pPr>
+              <a:lnSpc>
+                <a:spcPct val="100000"/>
+              </a:lnSpc>
+            </a:pPr>
+            <a:r>
+              <a:rPr lang="en-US" altLang="zh-CN" b="1" dirty="0"/>
+              <a:t>Final Dataset</a:t>
+            </a:r>
+            <a:endParaRPr lang="en-US" altLang="zh-CN" dirty="0"/>
+          </a:p>
+          <a:p>
+            <a:pPr lvl="1">
+              <a:lnSpc>
+                <a:spcPct val="100000"/>
+              </a:lnSpc>
+              <a:buFont typeface="Arial" panose="020B0604020202020204" pitchFamily="34" charset="0"/>
+              <a:buChar char="•"/>
+            </a:pPr>
+            <a:r>
+              <a:rPr lang="en-US" altLang="zh-CN" dirty="0"/>
+              <a:t>Contains 2922 data points with 60 features</a:t>
+            </a:r>
           </a:p>
         </p:txBody>
       </p:sp>
     </p:spTree>
     <p:extLst>
       <p:ext uri="{BB962C8B-B14F-4D97-AF65-F5344CB8AC3E}">
-        <p14:creationId xmlns:p14="http://schemas.microsoft.com/office/powerpoint/2010/main" val="3987010234"/>
+        <p14:creationId xmlns:p14="http://schemas.microsoft.com/office/powerpoint/2010/main" val="466328744"/>
       </p:ext>
     </p:extLst>
   </p:cSld>
@@ -5808,4 +9656,319 @@
     </a:ext>
   </a:extLst>
 </a:theme>
+</file>
+
+<file path=ppt/theme/theme2.xml><?xml version="1.0" encoding="utf-8"?>
+<a:theme xmlns:a="http://schemas.openxmlformats.org/drawingml/2006/main" name="Office 主题​​">
+  <a:themeElements>
+    <a:clrScheme name="Office">
+      <a:dk1>
+        <a:sysClr val="windowText" lastClr="000000"/>
+      </a:dk1>
+      <a:lt1>
+        <a:sysClr val="window" lastClr="FFFFFF"/>
+      </a:lt1>
+      <a:dk2>
+        <a:srgbClr val="0E2841"/>
+      </a:dk2>
+      <a:lt2>
+        <a:srgbClr val="E8E8E8"/>
+      </a:lt2>
+      <a:accent1>
+        <a:srgbClr val="156082"/>
+      </a:accent1>
+      <a:accent2>
+        <a:srgbClr val="E97132"/>
+      </a:accent2>
+      <a:accent3>
+        <a:srgbClr val="196B24"/>
+      </a:accent3>
+      <a:accent4>
+        <a:srgbClr val="0F9ED5"/>
+      </a:accent4>
+      <a:accent5>
+        <a:srgbClr val="A02B93"/>
+      </a:accent5>
+      <a:accent6>
+        <a:srgbClr val="4EA72E"/>
+      </a:accent6>
+      <a:hlink>
+        <a:srgbClr val="467886"/>
+      </a:hlink>
+      <a:folHlink>
+        <a:srgbClr val="96607D"/>
+      </a:folHlink>
+    </a:clrScheme>
+    <a:fontScheme name="Office">
+      <a:majorFont>
+        <a:latin typeface="等线 Light" panose="02110004020202020204"/>
+        <a:ea typeface=""/>
+        <a:cs typeface=""/>
+        <a:font script="Jpan" typeface="游ゴシック Light"/>
+        <a:font script="Hang" typeface="맑은 고딕"/>
+        <a:font script="Hans" typeface="等线 Light"/>
+        <a:font script="Hant" typeface="新細明體"/>
+        <a:font script="Arab" typeface="Times New Roman"/>
+        <a:font script="Hebr" typeface="Times New Roman"/>
+        <a:font script="Thai" typeface="Angsana New"/>
+        <a:font script="Ethi" typeface="Nyala"/>
+        <a:font script="Beng" typeface="Vrinda"/>
+        <a:font script="Gujr" typeface="Shruti"/>
+        <a:font script="Khmr" typeface="MoolBoran"/>
+        <a:font script="Knda" typeface="Tunga"/>
+        <a:font script="Guru" typeface="Raavi"/>
+        <a:font script="Cans" typeface="Euphemia"/>
+        <a:font script="Cher" typeface="Plantagenet Cherokee"/>
+        <a:font script="Yiii" typeface="Microsoft Yi Baiti"/>
+        <a:font script="Tibt" typeface="Microsoft Himalaya"/>
+        <a:font script="Thaa" typeface="MV Boli"/>
+        <a:font script="Deva" typeface="Mangal"/>
+        <a:font script="Telu" typeface="Gautami"/>
+        <a:font script="Taml" typeface="Latha"/>
+        <a:font script="Syrc" typeface="Estrangelo Edessa"/>
+        <a:font script="Orya" typeface="Kalinga"/>
+        <a:font script="Mlym" typeface="Kartika"/>
+        <a:font script="Laoo" typeface="DokChampa"/>
+        <a:font script="Sinh" typeface="Iskoola Pota"/>
+        <a:font script="Mong" typeface="Mongolian Baiti"/>
+        <a:font script="Viet" typeface="Times New Roman"/>
+        <a:font script="Uigh" typeface="Microsoft Uighur"/>
+        <a:font script="Geor" typeface="Sylfaen"/>
+        <a:font script="Armn" typeface="Arial"/>
+        <a:font script="Bugi" typeface="Leelawadee UI"/>
+        <a:font script="Bopo" typeface="Microsoft JhengHei"/>
+        <a:font script="Java" typeface="Javanese Text"/>
+        <a:font script="Lisu" typeface="Segoe UI"/>
+        <a:font script="Mymr" typeface="Myanmar Text"/>
+        <a:font script="Nkoo" typeface="Ebrima"/>
+        <a:font script="Olck" typeface="Nirmala UI"/>
+        <a:font script="Osma" typeface="Ebrima"/>
+        <a:font script="Phag" typeface="Phagspa"/>
+        <a:font script="Syrn" typeface="Estrangelo Edessa"/>
+        <a:font script="Syrj" typeface="Estrangelo Edessa"/>
+        <a:font script="Syre" typeface="Estrangelo Edessa"/>
+        <a:font script="Sora" typeface="Nirmala UI"/>
+        <a:font script="Tale" typeface="Microsoft Tai Le"/>
+        <a:font script="Talu" typeface="Microsoft New Tai Lue"/>
+        <a:font script="Tfng" typeface="Ebrima"/>
+      </a:majorFont>
+      <a:minorFont>
+        <a:latin typeface="等线" panose="02110004020202020204"/>
+        <a:ea typeface=""/>
+        <a:cs typeface=""/>
+        <a:font script="Jpan" typeface="游ゴシック"/>
+        <a:font script="Hang" typeface="맑은 고딕"/>
+        <a:font script="Hans" typeface="等线"/>
+        <a:font script="Hant" typeface="新細明體"/>
+        <a:font script="Arab" typeface="Arial"/>
+        <a:font script="Hebr" typeface="Arial"/>
+        <a:font script="Thai" typeface="Cordia New"/>
+        <a:font script="Ethi" typeface="Nyala"/>
+        <a:font script="Beng" typeface="Vrinda"/>
+        <a:font script="Gujr" typeface="Shruti"/>
+        <a:font script="Khmr" typeface="DaunPenh"/>
+        <a:font script="Knda" typeface="Tunga"/>
+        <a:font script="Guru" typeface="Raavi"/>
+        <a:font script="Cans" typeface="Euphemia"/>
+        <a:font script="Cher" typeface="Plantagenet Cherokee"/>
+        <a:font script="Yiii" typeface="Microsoft Yi Baiti"/>
+        <a:font script="Tibt" typeface="Microsoft Himalaya"/>
+        <a:font script="Thaa" typeface="MV Boli"/>
+        <a:font script="Deva" typeface="Mangal"/>
+        <a:font script="Telu" typeface="Gautami"/>
+        <a:font script="Taml" typeface="Latha"/>
+        <a:font script="Syrc" typeface="Estrangelo Edessa"/>
+        <a:font script="Orya" typeface="Kalinga"/>
+        <a:font script="Mlym" typeface="Kartika"/>
+        <a:font script="Laoo" typeface="DokChampa"/>
+        <a:font script="Sinh" typeface="Iskoola Pota"/>
+        <a:font script="Mong" typeface="Mongolian Baiti"/>
+        <a:font script="Viet" typeface="Arial"/>
+        <a:font script="Uigh" typeface="Microsoft Uighur"/>
+        <a:font script="Geor" typeface="Sylfaen"/>
+        <a:font script="Armn" typeface="Arial"/>
+        <a:font script="Bugi" typeface="Leelawadee UI"/>
+        <a:font script="Bopo" typeface="Microsoft JhengHei"/>
+        <a:font script="Java" typeface="Javanese Text"/>
+        <a:font script="Lisu" typeface="Segoe UI"/>
+        <a:font script="Mymr" typeface="Myanmar Text"/>
+        <a:font script="Nkoo" typeface="Ebrima"/>
+        <a:font script="Olck" typeface="Nirmala UI"/>
+        <a:font script="Osma" typeface="Ebrima"/>
+        <a:font script="Phag" typeface="Phagspa"/>
+        <a:font script="Syrn" typeface="Estrangelo Edessa"/>
+        <a:font script="Syrj" typeface="Estrangelo Edessa"/>
+        <a:font script="Syre" typeface="Estrangelo Edessa"/>
+        <a:font script="Sora" typeface="Nirmala UI"/>
+        <a:font script="Tale" typeface="Microsoft Tai Le"/>
+        <a:font script="Talu" typeface="Microsoft New Tai Lue"/>
+        <a:font script="Tfng" typeface="Ebrima"/>
+      </a:minorFont>
+    </a:fontScheme>
+    <a:fmtScheme name="Office">
+      <a:fillStyleLst>
+        <a:solidFill>
+          <a:schemeClr val="phClr"/>
+        </a:solidFill>
+        <a:gradFill rotWithShape="1">
+          <a:gsLst>
+            <a:gs pos="0">
+              <a:schemeClr val="phClr">
+                <a:lumMod val="110000"/>
+                <a:satMod val="105000"/>
+                <a:tint val="67000"/>
+              </a:schemeClr>
+            </a:gs>
+            <a:gs pos="50000">
+              <a:schemeClr val="phClr">
+                <a:lumMod val="105000"/>
+                <a:satMod val="103000"/>
+                <a:tint val="73000"/>
+              </a:schemeClr>
+            </a:gs>
+            <a:gs pos="100000">
+              <a:schemeClr val="phClr">
+                <a:lumMod val="105000"/>
+                <a:satMod val="109000"/>
+                <a:tint val="81000"/>
+              </a:schemeClr>
+            </a:gs>
+          </a:gsLst>
+          <a:lin ang="5400000" scaled="0"/>
+        </a:gradFill>
+        <a:gradFill rotWithShape="1">
+          <a:gsLst>
+            <a:gs pos="0">
+              <a:schemeClr val="phClr">
+                <a:satMod val="103000"/>
+                <a:lumMod val="102000"/>
+                <a:tint val="94000"/>
+              </a:schemeClr>
+            </a:gs>
+            <a:gs pos="50000">
+              <a:schemeClr val="phClr">
+                <a:satMod val="110000"/>
+                <a:lumMod val="100000"/>
+                <a:shade val="100000"/>
+              </a:schemeClr>
+            </a:gs>
+            <a:gs pos="100000">
+              <a:schemeClr val="phClr">
+                <a:lumMod val="99000"/>
+                <a:satMod val="120000"/>
+                <a:shade val="78000"/>
+              </a:schemeClr>
+            </a:gs>
+          </a:gsLst>
+          <a:lin ang="5400000" scaled="0"/>
+        </a:gradFill>
+      </a:fillStyleLst>
+      <a:lnStyleLst>
+        <a:ln w="12700" cap="flat" cmpd="sng" algn="ctr">
+          <a:solidFill>
+            <a:schemeClr val="phClr"/>
+          </a:solidFill>
+          <a:prstDash val="solid"/>
+          <a:miter lim="800000"/>
+        </a:ln>
+        <a:ln w="19050" cap="flat" cmpd="sng" algn="ctr">
+          <a:solidFill>
+            <a:schemeClr val="phClr"/>
+          </a:solidFill>
+          <a:prstDash val="solid"/>
+          <a:miter lim="800000"/>
+        </a:ln>
+        <a:ln w="25400" cap="flat" cmpd="sng" algn="ctr">
+          <a:solidFill>
+            <a:schemeClr val="phClr"/>
+          </a:solidFill>
+          <a:prstDash val="solid"/>
+          <a:miter lim="800000"/>
+        </a:ln>
+      </a:lnStyleLst>
+      <a:effectStyleLst>
+        <a:effectStyle>
+          <a:effectLst/>
+        </a:effectStyle>
+        <a:effectStyle>
+          <a:effectLst/>
+        </a:effectStyle>
+        <a:effectStyle>
+          <a:effectLst>
+            <a:outerShdw blurRad="57150" dist="19050" dir="5400000" algn="ctr" rotWithShape="0">
+              <a:srgbClr val="000000">
+                <a:alpha val="63000"/>
+              </a:srgbClr>
+            </a:outerShdw>
+          </a:effectLst>
+        </a:effectStyle>
+      </a:effectStyleLst>
+      <a:bgFillStyleLst>
+        <a:solidFill>
+          <a:schemeClr val="phClr"/>
+        </a:solidFill>
+        <a:solidFill>
+          <a:schemeClr val="phClr">
+            <a:tint val="95000"/>
+            <a:satMod val="170000"/>
+          </a:schemeClr>
+        </a:solidFill>
+        <a:gradFill rotWithShape="1">
+          <a:gsLst>
+            <a:gs pos="0">
+              <a:schemeClr val="phClr">
+                <a:tint val="93000"/>
+                <a:satMod val="150000"/>
+                <a:shade val="98000"/>
+                <a:lumMod val="102000"/>
+              </a:schemeClr>
+            </a:gs>
+            <a:gs pos="50000">
+              <a:schemeClr val="phClr">
+                <a:tint val="98000"/>
+                <a:satMod val="130000"/>
+                <a:shade val="90000"/>
+                <a:lumMod val="103000"/>
+              </a:schemeClr>
+            </a:gs>
+            <a:gs pos="100000">
+              <a:schemeClr val="phClr">
+                <a:shade val="63000"/>
+                <a:satMod val="120000"/>
+              </a:schemeClr>
+            </a:gs>
+          </a:gsLst>
+          <a:lin ang="5400000" scaled="0"/>
+        </a:gradFill>
+      </a:bgFillStyleLst>
+    </a:fmtScheme>
+  </a:themeElements>
+  <a:objectDefaults>
+    <a:lnDef>
+      <a:spPr/>
+      <a:bodyPr/>
+      <a:lstStyle/>
+      <a:style>
+        <a:lnRef idx="2">
+          <a:schemeClr val="accent1"/>
+        </a:lnRef>
+        <a:fillRef idx="0">
+          <a:schemeClr val="accent1"/>
+        </a:fillRef>
+        <a:effectRef idx="1">
+          <a:schemeClr val="accent1"/>
+        </a:effectRef>
+        <a:fontRef idx="minor">
+          <a:schemeClr val="tx1"/>
+        </a:fontRef>
+      </a:style>
+    </a:lnDef>
+  </a:objectDefaults>
+  <a:extraClrSchemeLst/>
+  <a:extLst>
+    <a:ext uri="{05A4C25C-085E-4340-85A3-A5531E510DB2}">
+      <thm15:themeFamily xmlns:thm15="http://schemas.microsoft.com/office/thememl/2012/main" name="Office Theme" id="{2E142A2C-CD16-42D6-873A-C26D2A0506FA}" vid="{1BDDFF52-6CD6-40A5-AB3C-68EB2F1E4D0A}"/>
+    </a:ext>
+  </a:extLst>
+</a:theme>
 </file>
--- a/DATA1030 Midterm Presentation.pptx
+++ b/DATA1030 Midterm Presentation.pptx
@@ -124,7 +124,7 @@
             <a:srgbClr val="A4A3A4"/>
           </p15:clr>
         </p15:guide>
-        <p15:guide id="2" pos="3840">
+        <p15:guide id="2" pos="3863" userDrawn="1">
           <p15:clr>
             <a:srgbClr val="A4A3A4"/>
           </p15:clr>
@@ -217,7 +217,7 @@
           <a:p>
             <a:fld id="{89193B68-2286-124E-B70B-F14C32E46BD9}" type="datetimeFigureOut">
               <a:rPr kumimoji="1" lang="zh-CN" altLang="en-US" smtClean="0"/>
-              <a:t>2024/10/18</a:t>
+              <a:t>2024/10/20</a:t>
             </a:fld>
             <a:endParaRPr kumimoji="1" lang="zh-CN" altLang="en-US"/>
           </a:p>
@@ -528,6 +528,18 @@
           <a:bodyPr/>
           <a:lstStyle/>
           <a:p>
+            <a:r>
+              <a:rPr lang="en-US" altLang="zh-CN" dirty="0"/>
+              <a:t>Hello everyone, my name is </a:t>
+            </a:r>
+            <a:r>
+              <a:rPr lang="en-US" altLang="zh-CN" dirty="0" err="1"/>
+              <a:t>Kejing</a:t>
+            </a:r>
+            <a:r>
+              <a:rPr lang="en-US" altLang="zh-CN" dirty="0"/>
+              <a:t> Yan, and today I'll be presenting my work on analyzing key resume attributes that impact job callbacks. The objective of this project was to uncover the attributes that most influence whether or not a candidate receives a callback for a job interview.</a:t>
+            </a:r>
             <a:endParaRPr kumimoji="1" lang="zh-CN" altLang="en-US" dirty="0"/>
           </a:p>
         </p:txBody>
@@ -549,7 +561,7 @@
           <a:p>
             <a:fld id="{8AC3DE86-1BAE-4742-82A7-E109ACB8EC62}" type="slidenum">
               <a:rPr kumimoji="1" lang="zh-CN" altLang="en-US" smtClean="0"/>
-              <a:t>5</a:t>
+              <a:t>1</a:t>
             </a:fld>
             <a:endParaRPr kumimoji="1" lang="zh-CN" altLang="en-US"/>
           </a:p>
@@ -558,7 +570,7 @@
     </p:spTree>
     <p:extLst>
       <p:ext uri="{BB962C8B-B14F-4D97-AF65-F5344CB8AC3E}">
-        <p14:creationId xmlns:p14="http://schemas.microsoft.com/office/powerpoint/2010/main" val="60421913"/>
+        <p14:creationId xmlns:p14="http://schemas.microsoft.com/office/powerpoint/2010/main" val="2737819565"/>
       </p:ext>
     </p:extLst>
   </p:cSld>
@@ -612,6 +624,591 @@
           <a:bodyPr/>
           <a:lstStyle/>
           <a:p>
+            <a:r>
+              <a:rPr lang="en-US" altLang="zh-CN" dirty="0"/>
+              <a:t>Our goal in this project was to determine what resume attributes drive job callbacks. </a:t>
+            </a:r>
+          </a:p>
+          <a:p>
+            <a:endParaRPr lang="en-US" altLang="zh-CN" dirty="0"/>
+          </a:p>
+          <a:p>
+            <a:r>
+              <a:rPr lang="en-US" altLang="zh-CN" dirty="0"/>
+              <a:t>So about why is this important? In the job market, it‘s crucial for candidates to know which elements of their resumes are most impactful. Additionally, understanding these factors can help address potential biases in hiring practices, and help improving fairness and transparency in hiring processes. </a:t>
+            </a:r>
+          </a:p>
+          <a:p>
+            <a:endParaRPr lang="en-US" altLang="zh-CN" dirty="0"/>
+          </a:p>
+          <a:p>
+            <a:r>
+              <a:rPr lang="en-US" altLang="zh-CN" dirty="0"/>
+              <a:t>This project focuses on a binary classification problem, where we predict whether a candidate will receive a callback (1) or not (0).</a:t>
+            </a:r>
+          </a:p>
+          <a:p>
+            <a:endParaRPr lang="en-US" altLang="zh-CN" dirty="0"/>
+          </a:p>
+          <a:p>
+            <a:r>
+              <a:rPr lang="en-US" altLang="zh-CN" dirty="0"/>
+              <a:t>The data comes from Kaggle, a dataset that explores various resume and job attributes like education, experience, and skills. The data was collected from real-world job postings and candidate applications, making it highly relevant for our analysis</a:t>
+            </a:r>
+          </a:p>
+          <a:p>
+            <a:endParaRPr kumimoji="1" lang="zh-CN" altLang="en-US" dirty="0"/>
+          </a:p>
+        </p:txBody>
+      </p:sp>
+      <p:sp>
+        <p:nvSpPr>
+          <p:cNvPr id="4" name="灯片编号占位符 3"/>
+          <p:cNvSpPr>
+            <a:spLocks noGrp="1"/>
+          </p:cNvSpPr>
+          <p:nvPr>
+            <p:ph type="sldNum" sz="quarter" idx="5"/>
+          </p:nvPr>
+        </p:nvSpPr>
+        <p:spPr/>
+        <p:txBody>
+          <a:bodyPr/>
+          <a:lstStyle/>
+          <a:p>
+            <a:fld id="{8AC3DE86-1BAE-4742-82A7-E109ACB8EC62}" type="slidenum">
+              <a:rPr kumimoji="1" lang="zh-CN" altLang="en-US" smtClean="0"/>
+              <a:t>2</a:t>
+            </a:fld>
+            <a:endParaRPr kumimoji="1" lang="zh-CN" altLang="en-US"/>
+          </a:p>
+        </p:txBody>
+      </p:sp>
+    </p:spTree>
+    <p:extLst>
+      <p:ext uri="{BB962C8B-B14F-4D97-AF65-F5344CB8AC3E}">
+        <p14:creationId xmlns:p14="http://schemas.microsoft.com/office/powerpoint/2010/main" val="1472246959"/>
+      </p:ext>
+    </p:extLst>
+  </p:cSld>
+  <p:clrMapOvr>
+    <a:masterClrMapping/>
+  </p:clrMapOvr>
+</p:notes>
+</file>
+
+<file path=ppt/notesSlides/notesSlide3.xml><?xml version="1.0" encoding="utf-8"?>
+<p:notes xmlns:a="http://schemas.openxmlformats.org/drawingml/2006/main" xmlns:r="http://schemas.openxmlformats.org/officeDocument/2006/relationships" xmlns:p="http://schemas.openxmlformats.org/presentationml/2006/main">
+  <p:cSld>
+    <p:spTree>
+      <p:nvGrpSpPr>
+        <p:cNvPr id="1" name=""/>
+        <p:cNvGrpSpPr/>
+        <p:nvPr/>
+      </p:nvGrpSpPr>
+      <p:grpSpPr>
+        <a:xfrm>
+          <a:off x="0" y="0"/>
+          <a:ext cx="0" cy="0"/>
+          <a:chOff x="0" y="0"/>
+          <a:chExt cx="0" cy="0"/>
+        </a:xfrm>
+      </p:grpSpPr>
+      <p:sp>
+        <p:nvSpPr>
+          <p:cNvPr id="2" name="幻灯片图像占位符 1"/>
+          <p:cNvSpPr>
+            <a:spLocks noGrp="1" noRot="1" noChangeAspect="1"/>
+          </p:cNvSpPr>
+          <p:nvPr>
+            <p:ph type="sldImg"/>
+          </p:nvPr>
+        </p:nvSpPr>
+        <p:spPr/>
+      </p:sp>
+      <p:sp>
+        <p:nvSpPr>
+          <p:cNvPr id="3" name="备注占位符 2"/>
+          <p:cNvSpPr>
+            <a:spLocks noGrp="1"/>
+          </p:cNvSpPr>
+          <p:nvPr>
+            <p:ph type="body" idx="1"/>
+          </p:nvPr>
+        </p:nvSpPr>
+        <p:spPr/>
+        <p:txBody>
+          <a:bodyPr/>
+          <a:lstStyle/>
+          <a:p>
+            <a:r>
+              <a:rPr lang="en-US" altLang="zh-CN" dirty="0"/>
+              <a:t>This heatmap shows the callback rate by job city and job type. One interesting insight is that Boston consistently shows higher callback rates across most job types, except for 'Sales Rep,' where Chicago outperforms Boston. This might suggest that the location of the job impacts callback rates, potentially due to different industry demands in these cities.</a:t>
+            </a:r>
+            <a:endParaRPr kumimoji="1" lang="zh-CN" altLang="en-US" dirty="0"/>
+          </a:p>
+        </p:txBody>
+      </p:sp>
+      <p:sp>
+        <p:nvSpPr>
+          <p:cNvPr id="4" name="灯片编号占位符 3"/>
+          <p:cNvSpPr>
+            <a:spLocks noGrp="1"/>
+          </p:cNvSpPr>
+          <p:nvPr>
+            <p:ph type="sldNum" sz="quarter" idx="5"/>
+          </p:nvPr>
+        </p:nvSpPr>
+        <p:spPr/>
+        <p:txBody>
+          <a:bodyPr/>
+          <a:lstStyle/>
+          <a:p>
+            <a:fld id="{8AC3DE86-1BAE-4742-82A7-E109ACB8EC62}" type="slidenum">
+              <a:rPr kumimoji="1" lang="zh-CN" altLang="en-US" smtClean="0"/>
+              <a:t>3</a:t>
+            </a:fld>
+            <a:endParaRPr kumimoji="1" lang="zh-CN" altLang="en-US"/>
+          </a:p>
+        </p:txBody>
+      </p:sp>
+    </p:spTree>
+    <p:extLst>
+      <p:ext uri="{BB962C8B-B14F-4D97-AF65-F5344CB8AC3E}">
+        <p14:creationId xmlns:p14="http://schemas.microsoft.com/office/powerpoint/2010/main" val="1584467785"/>
+      </p:ext>
+    </p:extLst>
+  </p:cSld>
+  <p:clrMapOvr>
+    <a:masterClrMapping/>
+  </p:clrMapOvr>
+</p:notes>
+</file>
+
+<file path=ppt/notesSlides/notesSlide4.xml><?xml version="1.0" encoding="utf-8"?>
+<p:notes xmlns:a="http://schemas.openxmlformats.org/drawingml/2006/main" xmlns:r="http://schemas.openxmlformats.org/officeDocument/2006/relationships" xmlns:p="http://schemas.openxmlformats.org/presentationml/2006/main">
+  <p:cSld>
+    <p:spTree>
+      <p:nvGrpSpPr>
+        <p:cNvPr id="1" name=""/>
+        <p:cNvGrpSpPr/>
+        <p:nvPr/>
+      </p:nvGrpSpPr>
+      <p:grpSpPr>
+        <a:xfrm>
+          <a:off x="0" y="0"/>
+          <a:ext cx="0" cy="0"/>
+          <a:chOff x="0" y="0"/>
+          <a:chExt cx="0" cy="0"/>
+        </a:xfrm>
+      </p:grpSpPr>
+      <p:sp>
+        <p:nvSpPr>
+          <p:cNvPr id="2" name="幻灯片图像占位符 1"/>
+          <p:cNvSpPr>
+            <a:spLocks noGrp="1" noRot="1" noChangeAspect="1"/>
+          </p:cNvSpPr>
+          <p:nvPr>
+            <p:ph type="sldImg"/>
+          </p:nvPr>
+        </p:nvSpPr>
+        <p:spPr/>
+      </p:sp>
+      <p:sp>
+        <p:nvSpPr>
+          <p:cNvPr id="3" name="备注占位符 2"/>
+          <p:cNvSpPr>
+            <a:spLocks noGrp="1"/>
+          </p:cNvSpPr>
+          <p:nvPr>
+            <p:ph type="body" idx="1"/>
+          </p:nvPr>
+        </p:nvSpPr>
+        <p:spPr/>
+        <p:txBody>
+          <a:bodyPr/>
+          <a:lstStyle/>
+          <a:p>
+            <a:r>
+              <a:rPr lang="en-US" altLang="zh-CN" dirty="0"/>
+              <a:t>Next, we examined the relationship between years of college experience and callback rate. The histogram here reveals that candidates with two years of college experience had the highest callback rate, which was quite surprising. Even more unexpected was that those with four years of college had a lower callback rate. This suggests that a degree might not always be necessary to secure an interview, and that candidates with less formal education can still perform well.</a:t>
+            </a:r>
+            <a:endParaRPr kumimoji="1" lang="zh-CN" altLang="en-US" dirty="0"/>
+          </a:p>
+        </p:txBody>
+      </p:sp>
+      <p:sp>
+        <p:nvSpPr>
+          <p:cNvPr id="4" name="灯片编号占位符 3"/>
+          <p:cNvSpPr>
+            <a:spLocks noGrp="1"/>
+          </p:cNvSpPr>
+          <p:nvPr>
+            <p:ph type="sldNum" sz="quarter" idx="5"/>
+          </p:nvPr>
+        </p:nvSpPr>
+        <p:spPr/>
+        <p:txBody>
+          <a:bodyPr/>
+          <a:lstStyle/>
+          <a:p>
+            <a:fld id="{8AC3DE86-1BAE-4742-82A7-E109ACB8EC62}" type="slidenum">
+              <a:rPr kumimoji="1" lang="zh-CN" altLang="en-US" smtClean="0"/>
+              <a:t>4</a:t>
+            </a:fld>
+            <a:endParaRPr kumimoji="1" lang="zh-CN" altLang="en-US"/>
+          </a:p>
+        </p:txBody>
+      </p:sp>
+    </p:spTree>
+    <p:extLst>
+      <p:ext uri="{BB962C8B-B14F-4D97-AF65-F5344CB8AC3E}">
+        <p14:creationId xmlns:p14="http://schemas.microsoft.com/office/powerpoint/2010/main" val="2918821453"/>
+      </p:ext>
+    </p:extLst>
+  </p:cSld>
+  <p:clrMapOvr>
+    <a:masterClrMapping/>
+  </p:clrMapOvr>
+</p:notes>
+</file>
+
+<file path=ppt/notesSlides/notesSlide5.xml><?xml version="1.0" encoding="utf-8"?>
+<p:notes xmlns:a="http://schemas.openxmlformats.org/drawingml/2006/main" xmlns:r="http://schemas.openxmlformats.org/officeDocument/2006/relationships" xmlns:p="http://schemas.openxmlformats.org/presentationml/2006/main">
+  <p:cSld>
+    <p:spTree>
+      <p:nvGrpSpPr>
+        <p:cNvPr id="1" name=""/>
+        <p:cNvGrpSpPr/>
+        <p:nvPr/>
+      </p:nvGrpSpPr>
+      <p:grpSpPr>
+        <a:xfrm>
+          <a:off x="0" y="0"/>
+          <a:ext cx="0" cy="0"/>
+          <a:chOff x="0" y="0"/>
+          <a:chExt cx="0" cy="0"/>
+        </a:xfrm>
+      </p:grpSpPr>
+      <p:sp>
+        <p:nvSpPr>
+          <p:cNvPr id="2" name="幻灯片图像占位符 1"/>
+          <p:cNvSpPr>
+            <a:spLocks noGrp="1" noRot="1" noChangeAspect="1"/>
+          </p:cNvSpPr>
+          <p:nvPr>
+            <p:ph type="sldImg"/>
+          </p:nvPr>
+        </p:nvSpPr>
+        <p:spPr/>
+      </p:sp>
+      <p:sp>
+        <p:nvSpPr>
+          <p:cNvPr id="3" name="备注占位符 2"/>
+          <p:cNvSpPr>
+            <a:spLocks noGrp="1"/>
+          </p:cNvSpPr>
+          <p:nvPr>
+            <p:ph type="body" idx="1"/>
+          </p:nvPr>
+        </p:nvSpPr>
+        <p:spPr/>
+        <p:txBody>
+          <a:bodyPr/>
+          <a:lstStyle/>
+          <a:p>
+            <a:r>
+              <a:rPr lang="en-US" altLang="zh-CN" dirty="0"/>
+              <a:t>Here, we look at the impact of computer skills. Interestingly, 55.9% of callbacks were received by applicants who did not list computer skills on their resumes, compared to 44.1% who did. This suggests that other factors, like job experience or soft skills, might be more important than having computer skills for some roles. It also highlights a possible gap between the skills employers are looking for and what candidates are listing on their resumes.</a:t>
+            </a:r>
+            <a:endParaRPr kumimoji="1" lang="zh-CN" altLang="en-US" dirty="0"/>
+          </a:p>
+        </p:txBody>
+      </p:sp>
+      <p:sp>
+        <p:nvSpPr>
+          <p:cNvPr id="4" name="灯片编号占位符 3"/>
+          <p:cNvSpPr>
+            <a:spLocks noGrp="1"/>
+          </p:cNvSpPr>
+          <p:nvPr>
+            <p:ph type="sldNum" sz="quarter" idx="5"/>
+          </p:nvPr>
+        </p:nvSpPr>
+        <p:spPr/>
+        <p:txBody>
+          <a:bodyPr/>
+          <a:lstStyle/>
+          <a:p>
+            <a:fld id="{8AC3DE86-1BAE-4742-82A7-E109ACB8EC62}" type="slidenum">
+              <a:rPr kumimoji="1" lang="zh-CN" altLang="en-US" smtClean="0"/>
+              <a:t>5</a:t>
+            </a:fld>
+            <a:endParaRPr kumimoji="1" lang="zh-CN" altLang="en-US"/>
+          </a:p>
+        </p:txBody>
+      </p:sp>
+    </p:spTree>
+    <p:extLst>
+      <p:ext uri="{BB962C8B-B14F-4D97-AF65-F5344CB8AC3E}">
+        <p14:creationId xmlns:p14="http://schemas.microsoft.com/office/powerpoint/2010/main" val="60421913"/>
+      </p:ext>
+    </p:extLst>
+  </p:cSld>
+  <p:clrMapOvr>
+    <a:masterClrMapping/>
+  </p:clrMapOvr>
+</p:notes>
+</file>
+
+<file path=ppt/notesSlides/notesSlide6.xml><?xml version="1.0" encoding="utf-8"?>
+<p:notes xmlns:a="http://schemas.openxmlformats.org/drawingml/2006/main" xmlns:r="http://schemas.openxmlformats.org/officeDocument/2006/relationships" xmlns:p="http://schemas.openxmlformats.org/presentationml/2006/main">
+  <p:cSld>
+    <p:spTree>
+      <p:nvGrpSpPr>
+        <p:cNvPr id="1" name=""/>
+        <p:cNvGrpSpPr/>
+        <p:nvPr/>
+      </p:nvGrpSpPr>
+      <p:grpSpPr>
+        <a:xfrm>
+          <a:off x="0" y="0"/>
+          <a:ext cx="0" cy="0"/>
+          <a:chOff x="0" y="0"/>
+          <a:chExt cx="0" cy="0"/>
+        </a:xfrm>
+      </p:grpSpPr>
+      <p:sp>
+        <p:nvSpPr>
+          <p:cNvPr id="2" name="幻灯片图像占位符 1"/>
+          <p:cNvSpPr>
+            <a:spLocks noGrp="1" noRot="1" noChangeAspect="1"/>
+          </p:cNvSpPr>
+          <p:nvPr>
+            <p:ph type="sldImg"/>
+          </p:nvPr>
+        </p:nvSpPr>
+        <p:spPr/>
+      </p:sp>
+      <p:sp>
+        <p:nvSpPr>
+          <p:cNvPr id="3" name="备注占位符 2"/>
+          <p:cNvSpPr>
+            <a:spLocks noGrp="1"/>
+          </p:cNvSpPr>
+          <p:nvPr>
+            <p:ph type="body" idx="1"/>
+          </p:nvPr>
+        </p:nvSpPr>
+        <p:spPr/>
+        <p:txBody>
+          <a:bodyPr/>
+          <a:lstStyle/>
+          <a:p>
+            <a:r>
+              <a:rPr lang="en-US" altLang="zh-CN" dirty="0"/>
+              <a:t>Moving on to how we split the data. The dataset was divided into 60% training, 20% validation, and 20% test sets. This ensures we have enough data for training while being able to assess the model’s performance on unseen data. We also excluded some features like 'firstname' and 'job_ad_id' since they were not relevant for predicting callbacks.</a:t>
+            </a:r>
+            <a:endParaRPr kumimoji="1" lang="zh-CN" altLang="en-US" dirty="0"/>
+          </a:p>
+        </p:txBody>
+      </p:sp>
+      <p:sp>
+        <p:nvSpPr>
+          <p:cNvPr id="4" name="灯片编号占位符 3"/>
+          <p:cNvSpPr>
+            <a:spLocks noGrp="1"/>
+          </p:cNvSpPr>
+          <p:nvPr>
+            <p:ph type="sldNum" sz="quarter" idx="5"/>
+          </p:nvPr>
+        </p:nvSpPr>
+        <p:spPr/>
+        <p:txBody>
+          <a:bodyPr/>
+          <a:lstStyle/>
+          <a:p>
+            <a:fld id="{8AC3DE86-1BAE-4742-82A7-E109ACB8EC62}" type="slidenum">
+              <a:rPr kumimoji="1" lang="zh-CN" altLang="en-US" smtClean="0"/>
+              <a:t>6</a:t>
+            </a:fld>
+            <a:endParaRPr kumimoji="1" lang="zh-CN" altLang="en-US"/>
+          </a:p>
+        </p:txBody>
+      </p:sp>
+    </p:spTree>
+    <p:extLst>
+      <p:ext uri="{BB962C8B-B14F-4D97-AF65-F5344CB8AC3E}">
+        <p14:creationId xmlns:p14="http://schemas.microsoft.com/office/powerpoint/2010/main" val="4101470359"/>
+      </p:ext>
+    </p:extLst>
+  </p:cSld>
+  <p:clrMapOvr>
+    <a:masterClrMapping/>
+  </p:clrMapOvr>
+</p:notes>
+</file>
+
+<file path=ppt/notesSlides/notesSlide7.xml><?xml version="1.0" encoding="utf-8"?>
+<p:notes xmlns:a="http://schemas.openxmlformats.org/drawingml/2006/main" xmlns:r="http://schemas.openxmlformats.org/officeDocument/2006/relationships" xmlns:p="http://schemas.openxmlformats.org/presentationml/2006/main">
+  <p:cSld>
+    <p:spTree>
+      <p:nvGrpSpPr>
+        <p:cNvPr id="1" name=""/>
+        <p:cNvGrpSpPr/>
+        <p:nvPr/>
+      </p:nvGrpSpPr>
+      <p:grpSpPr>
+        <a:xfrm>
+          <a:off x="0" y="0"/>
+          <a:ext cx="0" cy="0"/>
+          <a:chOff x="0" y="0"/>
+          <a:chExt cx="0" cy="0"/>
+        </a:xfrm>
+      </p:grpSpPr>
+      <p:sp>
+        <p:nvSpPr>
+          <p:cNvPr id="2" name="幻灯片图像占位符 1"/>
+          <p:cNvSpPr>
+            <a:spLocks noGrp="1" noRot="1" noChangeAspect="1"/>
+          </p:cNvSpPr>
+          <p:nvPr>
+            <p:ph type="sldImg"/>
+          </p:nvPr>
+        </p:nvSpPr>
+        <p:spPr/>
+      </p:sp>
+      <p:sp>
+        <p:nvSpPr>
+          <p:cNvPr id="3" name="备注占位符 2"/>
+          <p:cNvSpPr>
+            <a:spLocks noGrp="1"/>
+          </p:cNvSpPr>
+          <p:nvPr>
+            <p:ph type="body" idx="1"/>
+          </p:nvPr>
+        </p:nvSpPr>
+        <p:spPr/>
+        <p:txBody>
+          <a:bodyPr/>
+          <a:lstStyle/>
+          <a:p>
+            <a:r>
+              <a:rPr lang="en-US" altLang="zh-CN" dirty="0"/>
+              <a:t>When dealing with missing values, we noticed that several columns had placeholders like 'UNK' and 'Unknown' for categorical features. To maintain consistency, we replaced all these missing values with 'unknown.' The affected columns were '</a:t>
+            </a:r>
+            <a:r>
+              <a:rPr lang="en-US" altLang="zh-CN" dirty="0" err="1"/>
+              <a:t>job_fed_contractor</a:t>
+            </a:r>
+            <a:r>
+              <a:rPr lang="en-US" altLang="zh-CN" dirty="0"/>
+              <a:t>,' '</a:t>
+            </a:r>
+            <a:r>
+              <a:rPr lang="en-US" altLang="zh-CN" dirty="0" err="1"/>
+              <a:t>job_ownership</a:t>
+            </a:r>
+            <a:r>
+              <a:rPr lang="en-US" altLang="zh-CN" dirty="0"/>
+              <a:t>,' and '</a:t>
+            </a:r>
+            <a:r>
+              <a:rPr lang="en-US" altLang="zh-CN" dirty="0" err="1"/>
+              <a:t>job_req_min_experience</a:t>
+            </a:r>
+            <a:r>
+              <a:rPr lang="en-US" altLang="zh-CN" dirty="0"/>
+              <a:t>.' After this step, we proceeded to encoding the features.</a:t>
+            </a:r>
+            <a:endParaRPr kumimoji="1" lang="zh-CN" altLang="en-US" dirty="0"/>
+          </a:p>
+        </p:txBody>
+      </p:sp>
+      <p:sp>
+        <p:nvSpPr>
+          <p:cNvPr id="4" name="灯片编号占位符 3"/>
+          <p:cNvSpPr>
+            <a:spLocks noGrp="1"/>
+          </p:cNvSpPr>
+          <p:nvPr>
+            <p:ph type="sldNum" sz="quarter" idx="5"/>
+          </p:nvPr>
+        </p:nvSpPr>
+        <p:spPr/>
+        <p:txBody>
+          <a:bodyPr/>
+          <a:lstStyle/>
+          <a:p>
+            <a:fld id="{8AC3DE86-1BAE-4742-82A7-E109ACB8EC62}" type="slidenum">
+              <a:rPr kumimoji="1" lang="zh-CN" altLang="en-US" smtClean="0"/>
+              <a:t>7</a:t>
+            </a:fld>
+            <a:endParaRPr kumimoji="1" lang="zh-CN" altLang="en-US"/>
+          </a:p>
+        </p:txBody>
+      </p:sp>
+    </p:spTree>
+    <p:extLst>
+      <p:ext uri="{BB962C8B-B14F-4D97-AF65-F5344CB8AC3E}">
+        <p14:creationId xmlns:p14="http://schemas.microsoft.com/office/powerpoint/2010/main" val="1629235746"/>
+      </p:ext>
+    </p:extLst>
+  </p:cSld>
+  <p:clrMapOvr>
+    <a:masterClrMapping/>
+  </p:clrMapOvr>
+</p:notes>
+</file>
+
+<file path=ppt/notesSlides/notesSlide8.xml><?xml version="1.0" encoding="utf-8"?>
+<p:notes xmlns:a="http://schemas.openxmlformats.org/drawingml/2006/main" xmlns:r="http://schemas.openxmlformats.org/officeDocument/2006/relationships" xmlns:p="http://schemas.openxmlformats.org/presentationml/2006/main">
+  <p:cSld>
+    <p:spTree>
+      <p:nvGrpSpPr>
+        <p:cNvPr id="1" name=""/>
+        <p:cNvGrpSpPr/>
+        <p:nvPr/>
+      </p:nvGrpSpPr>
+      <p:grpSpPr>
+        <a:xfrm>
+          <a:off x="0" y="0"/>
+          <a:ext cx="0" cy="0"/>
+          <a:chOff x="0" y="0"/>
+          <a:chExt cx="0" cy="0"/>
+        </a:xfrm>
+      </p:grpSpPr>
+      <p:sp>
+        <p:nvSpPr>
+          <p:cNvPr id="2" name="幻灯片图像占位符 1"/>
+          <p:cNvSpPr>
+            <a:spLocks noGrp="1" noRot="1" noChangeAspect="1"/>
+          </p:cNvSpPr>
+          <p:nvPr>
+            <p:ph type="sldImg"/>
+          </p:nvPr>
+        </p:nvSpPr>
+        <p:spPr/>
+      </p:sp>
+      <p:sp>
+        <p:nvSpPr>
+          <p:cNvPr id="3" name="备注占位符 2"/>
+          <p:cNvSpPr>
+            <a:spLocks noGrp="1"/>
+          </p:cNvSpPr>
+          <p:nvPr>
+            <p:ph type="body" idx="1"/>
+          </p:nvPr>
+        </p:nvSpPr>
+        <p:spPr/>
+        <p:txBody>
+          <a:bodyPr/>
+          <a:lstStyle/>
+          <a:p>
+            <a:r>
+              <a:rPr lang="en-US" altLang="zh-CN" dirty="0"/>
+              <a:t>To properly handle our categorical features, we used two encoding methods: Ordinal Encoding for features with a natural order, like years of college, and One-Hot Encoding for those without, like job ownership. This allowed us to effectively transform the categorical data into a format suitable for our machine learning models.</a:t>
+            </a:r>
             <a:endParaRPr kumimoji="1" lang="zh-CN" altLang="en-US" dirty="0"/>
           </a:p>
         </p:txBody>
@@ -652,7 +1249,7 @@
 </p:notes>
 </file>
 
-<file path=ppt/notesSlides/notesSlide3.xml><?xml version="1.0" encoding="utf-8"?>
+<file path=ppt/notesSlides/notesSlide9.xml><?xml version="1.0" encoding="utf-8"?>
 <p:notes xmlns:a="http://schemas.openxmlformats.org/drawingml/2006/main" xmlns:r="http://schemas.openxmlformats.org/officeDocument/2006/relationships" xmlns:p="http://schemas.openxmlformats.org/presentationml/2006/main">
   <p:cSld>
     <p:spTree>
@@ -714,6 +1311,10 @@
           <a:bodyPr/>
           <a:lstStyle/>
           <a:p>
+            <a:r>
+              <a:rPr lang="en-US" altLang="zh-CN" dirty="0"/>
+              <a:t>Before preprocessing, we had 27 features. After applying one-hot encoding and ordinal feature encoding transformations, the number of features expanded to 60. Our final training dataset contains 2922 data points, which provides a robust dataset to train our model.</a:t>
+            </a:r>
             <a:endParaRPr kumimoji="1" lang="zh-CN" altLang="en-US" dirty="0"/>
           </a:p>
         </p:txBody>
@@ -1261,7 +1862,7 @@
           <a:p>
             <a:fld id="{83284890-85D2-4D7B-8EF5-15A9C1DB8F42}" type="datetimeFigureOut">
               <a:rPr lang="en-US" smtClean="0"/>
-              <a:t>10/16/24</a:t>
+              <a:t>10/20/24</a:t>
             </a:fld>
             <a:endParaRPr lang="en-US"/>
           </a:p>
@@ -1441,7 +2042,7 @@
           <a:p>
             <a:fld id="{87157CC2-0FC8-4686-B024-99790E0F5162}" type="datetimeFigureOut">
               <a:rPr lang="en-US" smtClean="0"/>
-              <a:t>10/16/24</a:t>
+              <a:t>10/20/24</a:t>
             </a:fld>
             <a:endParaRPr lang="en-US"/>
           </a:p>
@@ -1621,7 +2222,7 @@
           <a:p>
             <a:fld id="{F6764DA5-CD3D-4590-A511-FCD3BC7A793E}" type="datetimeFigureOut">
               <a:rPr lang="en-US" smtClean="0"/>
-              <a:t>10/16/24</a:t>
+              <a:t>10/20/24</a:t>
             </a:fld>
             <a:endParaRPr lang="en-US"/>
           </a:p>
@@ -1791,7 +2392,7 @@
           <a:p>
             <a:fld id="{82F5661D-6934-4B32-B92C-470368BF1EC6}" type="datetimeFigureOut">
               <a:rPr lang="en-US" smtClean="0"/>
-              <a:t>10/16/24</a:t>
+              <a:t>10/20/24</a:t>
             </a:fld>
             <a:endParaRPr lang="en-US"/>
           </a:p>
@@ -2148,7 +2749,7 @@
           <a:p>
             <a:fld id="{C6F822A4-8DA6-4447-9B1F-C5DB58435268}" type="datetimeFigureOut">
               <a:rPr lang="en-US" smtClean="0"/>
-              <a:t>10/16/24</a:t>
+              <a:t>10/20/24</a:t>
             </a:fld>
             <a:endParaRPr lang="en-US" dirty="0"/>
           </a:p>
@@ -2609,7 +3210,7 @@
           <a:p>
             <a:fld id="{E548D31E-DCDA-41A7-9C67-C4B11B94D21D}" type="datetimeFigureOut">
               <a:rPr lang="en-US" smtClean="0"/>
-              <a:t>10/16/24</a:t>
+              <a:t>10/20/24</a:t>
             </a:fld>
             <a:endParaRPr lang="en-US"/>
           </a:p>
@@ -3020,7 +3621,7 @@
           <a:p>
             <a:fld id="{9B3762C0-B258-48F1-ADE6-176B4174CCDD}" type="datetimeFigureOut">
               <a:rPr lang="en-US" smtClean="0"/>
-              <a:t>10/16/24</a:t>
+              <a:t>10/20/24</a:t>
             </a:fld>
             <a:endParaRPr lang="en-US"/>
           </a:p>
@@ -3138,7 +3739,7 @@
           <a:p>
             <a:fld id="{677919A6-33EB-49BD-A62F-1FA56B9F9712}" type="datetimeFigureOut">
               <a:rPr lang="en-US" smtClean="0"/>
-              <a:t>10/16/24</a:t>
+              <a:t>10/20/24</a:t>
             </a:fld>
             <a:endParaRPr lang="en-US"/>
           </a:p>
@@ -3256,7 +3857,7 @@
           <a:p>
             <a:fld id="{CA4E7D1B-D673-4CF6-8672-009D42ABD2A0}" type="datetimeFigureOut">
               <a:rPr lang="en-US" smtClean="0"/>
-              <a:t>10/16/24</a:t>
+              <a:t>10/20/24</a:t>
             </a:fld>
             <a:endParaRPr lang="en-US"/>
           </a:p>
@@ -3614,7 +4215,7 @@
           <a:p>
             <a:fld id="{DA16AA21-1863-4931-97CB-99D0A168701B}" type="datetimeFigureOut">
               <a:rPr lang="en-US" smtClean="0"/>
-              <a:t>10/16/24</a:t>
+              <a:t>10/20/24</a:t>
             </a:fld>
             <a:endParaRPr lang="en-US"/>
           </a:p>
@@ -4121,7 +4722,7 @@
           <a:p>
             <a:fld id="{3772C379-9A7C-4C87-A116-CBE9F58B04C5}" type="datetimeFigureOut">
               <a:rPr lang="en-US" smtClean="0"/>
-              <a:t>10/16/24</a:t>
+              <a:t>10/20/24</a:t>
             </a:fld>
             <a:endParaRPr lang="en-US"/>
           </a:p>
@@ -4476,7 +5077,7 @@
           <a:p>
             <a:fld id="{8664C608-40B1-4030-A28D-5B74BC98ADCE}" type="datetimeFigureOut">
               <a:rPr lang="en-US" smtClean="0"/>
-              <a:t>10/16/24</a:t>
+              <a:t>10/20/24</a:t>
             </a:fld>
             <a:endParaRPr lang="en-US" dirty="0"/>
           </a:p>
@@ -5186,10 +5787,19 @@
         </p:spPr>
         <p:txBody>
           <a:bodyPr>
-            <a:normAutofit/>
+            <a:normAutofit fontScale="85000" lnSpcReduction="20000"/>
           </a:bodyPr>
           <a:lstStyle/>
           <a:p>
+            <a:r>
+              <a:rPr lang="en-US" altLang="zh-CN" sz="1800" b="0" i="0" u="none" strike="noStrike" dirty="0">
+                <a:solidFill>
+                  <a:srgbClr val="000000"/>
+                </a:solidFill>
+                <a:effectLst/>
+              </a:rPr>
+              <a:t>Presenter: </a:t>
+            </a:r>
             <a:r>
               <a:rPr lang="en-US" altLang="zh-CN" sz="1800" b="0" i="0" u="none" strike="noStrike" dirty="0" err="1">
                 <a:solidFill>
@@ -5226,15 +5836,46 @@
                 <a:solidFill>
                   <a:srgbClr val="000000"/>
                 </a:solidFill>
-                <a:hlinkClick r:id="rId2"/>
               </a:rPr>
-              <a:t>GitHub Repo Link</a:t>
+              <a:t>Oct 21</a:t>
+            </a:r>
+            <a:r>
+              <a:rPr lang="en-US" altLang="zh-CN" sz="1800" baseline="30000" dirty="0">
+                <a:solidFill>
+                  <a:srgbClr val="000000"/>
+                </a:solidFill>
+              </a:rPr>
+              <a:t>st</a:t>
+            </a:r>
+            <a:r>
+              <a:rPr lang="en-US" altLang="zh-CN" sz="1800" dirty="0">
+                <a:solidFill>
+                  <a:srgbClr val="000000"/>
+                </a:solidFill>
+              </a:rPr>
+              <a:t>, 2024</a:t>
             </a:r>
             <a:endParaRPr lang="en-US" altLang="zh-CN" sz="1800" b="0" i="0" u="none" strike="noStrike" dirty="0">
               <a:solidFill>
                 <a:srgbClr val="000000"/>
               </a:solidFill>
               <a:effectLst/>
+            </a:endParaRPr>
+          </a:p>
+          <a:p>
+            <a:r>
+              <a:rPr lang="en-US" altLang="zh-CN" sz="1800" dirty="0">
+                <a:solidFill>
+                  <a:srgbClr val="000000"/>
+                </a:solidFill>
+                <a:hlinkClick r:id="rId3"/>
+              </a:rPr>
+              <a:t>https://github.com/anyfruit/Key-Resume-Attributes-Impacting-Job-Callbacks.git</a:t>
+            </a:r>
+            <a:endParaRPr lang="en-US" altLang="zh-CN" sz="1800" dirty="0">
+              <a:solidFill>
+                <a:srgbClr val="000000"/>
+              </a:solidFill>
             </a:endParaRPr>
           </a:p>
         </p:txBody>
@@ -5285,14 +5926,19 @@
             <p:ph type="title"/>
           </p:nvPr>
         </p:nvSpPr>
-        <p:spPr/>
+        <p:spPr>
+          <a:xfrm>
+            <a:off x="2167128" y="1225296"/>
+            <a:ext cx="9529572" cy="3520440"/>
+          </a:xfrm>
+        </p:spPr>
         <p:txBody>
           <a:bodyPr/>
           <a:lstStyle/>
           <a:p>
             <a:r>
               <a:rPr kumimoji="1" lang="en-US" altLang="zh-CN" dirty="0"/>
-              <a:t>Q&amp;A</a:t>
+              <a:t>Thank you for listening</a:t>
             </a:r>
             <a:endParaRPr kumimoji="1" lang="zh-CN" altLang="en-US" dirty="0"/>
           </a:p>
@@ -5405,7 +6051,7 @@
         </p:nvSpPr>
         <p:spPr>
           <a:xfrm>
-            <a:off x="1374760" y="1978252"/>
+            <a:off x="1387823" y="1997651"/>
             <a:ext cx="9791049" cy="4176712"/>
           </a:xfrm>
         </p:spPr>
@@ -5425,7 +6071,7 @@
               <a:buNone/>
             </a:pPr>
             <a:r>
-              <a:rPr lang="en-US" altLang="zh-CN" sz="2000" b="1" dirty="0"/>
+              <a:rPr lang="en-US" altLang="zh-CN" b="1" dirty="0"/>
               <a:t>Problem to Solve</a:t>
             </a:r>
           </a:p>
@@ -5449,10 +6095,7 @@
               <a:rPr lang="en-US" altLang="zh-CN" sz="1600" i="1" dirty="0"/>
               <a:t>job application callback rates</a:t>
             </a:r>
-            <a:r>
-              <a:rPr lang="en-US" altLang="zh-CN" sz="1600" dirty="0"/>
-              <a:t>.</a:t>
-            </a:r>
+            <a:endParaRPr lang="en-US" altLang="zh-CN" sz="1600" dirty="0"/>
           </a:p>
           <a:p>
             <a:pPr lvl="1">
@@ -5482,7 +6125,7 @@
               <a:buNone/>
             </a:pPr>
             <a:r>
-              <a:rPr lang="en-US" altLang="zh-CN" sz="2000" b="1" dirty="0"/>
+              <a:rPr lang="en-US" altLang="zh-CN" b="1" dirty="0"/>
               <a:t>Why This is Important</a:t>
             </a:r>
           </a:p>
@@ -5495,12 +6138,8 @@
               <a:buChar char="•"/>
             </a:pPr>
             <a:r>
-              <a:rPr lang="en-US" altLang="zh-CN" sz="1600" b="1" dirty="0"/>
-              <a:t>Importance</a:t>
-            </a:r>
-            <a:r>
               <a:rPr lang="en-US" altLang="zh-CN" sz="1600" dirty="0"/>
-              <a:t>: Beneficial to help addressing bias in hiring practices.</a:t>
+              <a:t>Guiding applicants in optimizing their resumes</a:t>
             </a:r>
           </a:p>
           <a:p>
@@ -5512,47 +6151,8 @@
               <a:buChar char="•"/>
             </a:pPr>
             <a:r>
-              <a:rPr lang="en-US" altLang="zh-CN" sz="1600" b="1" dirty="0"/>
-              <a:t>Impact</a:t>
-            </a:r>
-            <a:endParaRPr lang="en-US" altLang="zh-CN" sz="1600" dirty="0"/>
-          </a:p>
-          <a:p>
-            <a:pPr lvl="2">
-              <a:lnSpc>
-                <a:spcPct val="100000"/>
-              </a:lnSpc>
-              <a:buFont typeface="Arial" panose="020B0604020202020204" pitchFamily="34" charset="0"/>
-              <a:buChar char="•"/>
-            </a:pPr>
-            <a:r>
-              <a:rPr lang="en-US" altLang="zh-CN" dirty="0"/>
-              <a:t>Improving fairness and transparency in hiring processes</a:t>
-            </a:r>
-          </a:p>
-          <a:p>
-            <a:pPr lvl="2">
-              <a:lnSpc>
-                <a:spcPct val="100000"/>
-              </a:lnSpc>
-              <a:buFont typeface="Arial" panose="020B0604020202020204" pitchFamily="34" charset="0"/>
-              <a:buChar char="•"/>
-            </a:pPr>
-            <a:r>
-              <a:rPr lang="en-US" altLang="zh-CN" dirty="0"/>
-              <a:t>Guiding applicants in optimizing their resumes</a:t>
-            </a:r>
-          </a:p>
-          <a:p>
-            <a:pPr marL="0" indent="0">
-              <a:lnSpc>
-                <a:spcPct val="100000"/>
-              </a:lnSpc>
-              <a:buNone/>
-            </a:pPr>
-            <a:r>
-              <a:rPr lang="en-US" altLang="zh-CN" b="1" dirty="0"/>
-              <a:t>Type of Problem</a:t>
+              <a:rPr lang="en-US" altLang="zh-CN" sz="1600" dirty="0"/>
+              <a:t>Beneficial to help addressing bias in hiring practices</a:t>
             </a:r>
           </a:p>
           <a:p>
@@ -5564,12 +6164,24 @@
               <a:buChar char="•"/>
             </a:pPr>
             <a:r>
-              <a:rPr lang="en-US" altLang="zh-CN" sz="1600" b="1" dirty="0"/>
-              <a:t>Problem Type</a:t>
-            </a:r>
-          </a:p>
-          <a:p>
-            <a:pPr lvl="2">
+              <a:rPr lang="en-US" altLang="zh-CN" sz="1600" dirty="0"/>
+              <a:t>Improving fairness and transparency in hiring processes</a:t>
+            </a:r>
+          </a:p>
+          <a:p>
+            <a:pPr marL="0" indent="0">
+              <a:lnSpc>
+                <a:spcPct val="100000"/>
+              </a:lnSpc>
+              <a:buNone/>
+            </a:pPr>
+            <a:r>
+              <a:rPr lang="en-US" altLang="zh-CN" sz="1800" b="1" dirty="0"/>
+              <a:t>Type of Problem</a:t>
+            </a:r>
+          </a:p>
+          <a:p>
+            <a:pPr lvl="1">
               <a:lnSpc>
                 <a:spcPct val="100000"/>
               </a:lnSpc>
@@ -5577,24 +6189,31 @@
               <a:buChar char="•"/>
             </a:pPr>
             <a:r>
-              <a:rPr lang="en-US" altLang="zh-CN" dirty="0"/>
-              <a:t>This is a </a:t>
-            </a:r>
-            <a:r>
-              <a:rPr lang="en-US" altLang="zh-CN" i="1" u="sng" dirty="0"/>
-              <a:t>binary classification</a:t>
-            </a:r>
-            <a:r>
-              <a:rPr lang="en-US" altLang="zh-CN" i="1" dirty="0"/>
-              <a:t> </a:t>
-            </a:r>
-            <a:r>
-              <a:rPr lang="en-US" altLang="zh-CN" dirty="0"/>
-              <a:t>problem</a:t>
-            </a:r>
-          </a:p>
-          <a:p>
-            <a:pPr lvl="2">
+              <a:rPr lang="en-US" altLang="zh-CN" sz="1600" i="1" u="sng" dirty="0"/>
+              <a:t>Binary classification</a:t>
+            </a:r>
+            <a:r>
+              <a:rPr lang="en-US" altLang="zh-CN" sz="1600" dirty="0"/>
+              <a:t> problem; target variable is either 1 or 0</a:t>
+            </a:r>
+          </a:p>
+          <a:p>
+            <a:pPr marL="0" lvl="2" indent="0">
+              <a:lnSpc>
+                <a:spcPct val="100000"/>
+              </a:lnSpc>
+              <a:spcBef>
+                <a:spcPts val="1200"/>
+              </a:spcBef>
+              <a:buNone/>
+            </a:pPr>
+            <a:r>
+              <a:rPr lang="en-US" altLang="zh-CN" sz="1800" b="1" dirty="0"/>
+              <a:t>Data Collection</a:t>
+            </a:r>
+          </a:p>
+          <a:p>
+            <a:pPr lvl="1">
               <a:lnSpc>
                 <a:spcPct val="100000"/>
               </a:lnSpc>
@@ -5602,24 +6221,28 @@
               <a:buChar char="•"/>
             </a:pPr>
             <a:r>
-              <a:rPr lang="en-US" altLang="zh-CN" dirty="0"/>
-              <a:t>Target variable (received callback) is either </a:t>
-            </a:r>
-            <a:r>
-              <a:rPr lang="en-US" altLang="zh-CN" b="1" dirty="0"/>
-              <a:t>1</a:t>
-            </a:r>
-            <a:r>
-              <a:rPr lang="en-US" altLang="zh-CN" dirty="0"/>
-              <a:t> (callback received) or </a:t>
-            </a:r>
-            <a:r>
-              <a:rPr lang="en-US" altLang="zh-CN" b="1" dirty="0"/>
-              <a:t>0</a:t>
-            </a:r>
-            <a:r>
-              <a:rPr lang="en-US" altLang="zh-CN" dirty="0"/>
-              <a:t> (no callback received)</a:t>
+              <a:rPr lang="en-US" altLang="zh-CN" sz="1600" dirty="0"/>
+              <a:t>Kaggle Site: </a:t>
+            </a:r>
+            <a:r>
+              <a:rPr lang="en-US" altLang="zh-CN" sz="1400" dirty="0">
+                <a:hlinkClick r:id="rId3"/>
+              </a:rPr>
+              <a:t>https://www.kaggle.com/datasets/utkarshx27/which-resume-attributes-drive-job-callbacks</a:t>
+            </a:r>
+            <a:endParaRPr lang="en-US" altLang="zh-CN" sz="1400" dirty="0"/>
+          </a:p>
+          <a:p>
+            <a:pPr lvl="1">
+              <a:lnSpc>
+                <a:spcPct val="100000"/>
+              </a:lnSpc>
+              <a:buFont typeface="Arial" panose="020B0604020202020204" pitchFamily="34" charset="0"/>
+              <a:buChar char="•"/>
+            </a:pPr>
+            <a:r>
+              <a:rPr lang="en-US" altLang="zh-CN" sz="1600" dirty="0"/>
+              <a:t>Monitored job postings in Boston and Chicago</a:t>
             </a:r>
           </a:p>
         </p:txBody>
@@ -5639,10 +6262,10 @@
           <p:nvPr/>
         </p:nvPicPr>
         <p:blipFill>
-          <a:blip r:embed="rId2">
+          <a:blip r:embed="rId4">
             <a:extLst>
               <a:ext uri="{96DAC541-7B7A-43D3-8B79-37D633B846F1}">
-                <asvg:svgBlip xmlns:asvg="http://schemas.microsoft.com/office/drawing/2016/SVG/main" r:embed="rId3"/>
+                <asvg:svgBlip xmlns:asvg="http://schemas.microsoft.com/office/drawing/2016/SVG/main" r:embed="rId5"/>
               </a:ext>
             </a:extLst>
           </a:blip>
@@ -5652,7 +6275,7 @@
         </p:blipFill>
         <p:spPr>
           <a:xfrm>
-            <a:off x="1038714" y="1999544"/>
+            <a:off x="1058149" y="2018943"/>
             <a:ext cx="355310" cy="355310"/>
           </a:xfrm>
           <a:prstGeom prst="rect">
@@ -5675,10 +6298,10 @@
           <p:nvPr/>
         </p:nvPicPr>
         <p:blipFill>
-          <a:blip r:embed="rId4">
+          <a:blip r:embed="rId6">
             <a:extLst>
               <a:ext uri="{96DAC541-7B7A-43D3-8B79-37D633B846F1}">
-                <asvg:svgBlip xmlns:asvg="http://schemas.microsoft.com/office/drawing/2016/SVG/main" r:embed="rId5"/>
+                <asvg:svgBlip xmlns:asvg="http://schemas.microsoft.com/office/drawing/2016/SVG/main" r:embed="rId7"/>
               </a:ext>
             </a:extLst>
           </a:blip>
@@ -5688,7 +6311,7 @@
         </p:blipFill>
         <p:spPr>
           <a:xfrm>
-            <a:off x="1038714" y="3149510"/>
+            <a:off x="1058149" y="3115865"/>
             <a:ext cx="355310" cy="355310"/>
           </a:xfrm>
           <a:prstGeom prst="rect">
@@ -5711,10 +6334,10 @@
           <p:nvPr/>
         </p:nvPicPr>
         <p:blipFill>
-          <a:blip r:embed="rId6">
+          <a:blip r:embed="rId8">
             <a:extLst>
               <a:ext uri="{96DAC541-7B7A-43D3-8B79-37D633B846F1}">
-                <asvg:svgBlip xmlns:asvg="http://schemas.microsoft.com/office/drawing/2016/SVG/main" r:embed="rId7"/>
+                <asvg:svgBlip xmlns:asvg="http://schemas.microsoft.com/office/drawing/2016/SVG/main" r:embed="rId9"/>
               </a:ext>
             </a:extLst>
           </a:blip>
@@ -5724,7 +6347,43 @@
         </p:blipFill>
         <p:spPr>
           <a:xfrm>
-            <a:off x="1038714" y="4893504"/>
+            <a:off x="1058149" y="4529187"/>
+            <a:ext cx="355310" cy="355310"/>
+          </a:xfrm>
+          <a:prstGeom prst="rect">
+            <a:avLst/>
+          </a:prstGeom>
+        </p:spPr>
+      </p:pic>
+      <p:pic>
+        <p:nvPicPr>
+          <p:cNvPr id="6" name="图形 5" descr="数据库 纯色填充">
+            <a:extLst>
+              <a:ext uri="{FF2B5EF4-FFF2-40B4-BE49-F238E27FC236}">
+                <a16:creationId xmlns:a16="http://schemas.microsoft.com/office/drawing/2014/main" id="{56D25367-5825-242B-3009-CEE3D73109A8}"/>
+              </a:ext>
+            </a:extLst>
+          </p:cNvPr>
+          <p:cNvPicPr>
+            <a:picLocks noChangeAspect="1"/>
+          </p:cNvPicPr>
+          <p:nvPr/>
+        </p:nvPicPr>
+        <p:blipFill>
+          <a:blip r:embed="rId10">
+            <a:extLst>
+              <a:ext uri="{96DAC541-7B7A-43D3-8B79-37D633B846F1}">
+                <asvg:svgBlip xmlns:asvg="http://schemas.microsoft.com/office/drawing/2016/SVG/main" r:embed="rId11"/>
+              </a:ext>
+            </a:extLst>
+          </a:blip>
+          <a:stretch>
+            <a:fillRect/>
+          </a:stretch>
+        </p:blipFill>
+        <p:spPr>
+          <a:xfrm>
+            <a:off x="1072004" y="5259321"/>
             <a:ext cx="355310" cy="355310"/>
           </a:xfrm>
           <a:prstGeom prst="rect">
@@ -5826,47 +6485,32 @@
               <a:buChar char="-"/>
             </a:pPr>
             <a:r>
+              <a:rPr kumimoji="1" lang="en-US" altLang="zh-CN" sz="1800" b="1" dirty="0">
+                <a:solidFill>
+                  <a:schemeClr val="tx1"/>
+                </a:solidFill>
+              </a:rPr>
+              <a:t>Significant geographic and job-specific disparities</a:t>
+            </a:r>
+            <a:endParaRPr lang="en-US" altLang="zh-CN" sz="1800" dirty="0">
+              <a:solidFill>
+                <a:schemeClr val="tx1"/>
+              </a:solidFill>
+            </a:endParaRPr>
+          </a:p>
+          <a:p>
+            <a:pPr marL="285750" indent="-285750">
+              <a:buFontTx/>
+              <a:buChar char="-"/>
+            </a:pPr>
+            <a:r>
               <a:rPr lang="en-US" altLang="zh-CN" sz="1800" dirty="0">
                 <a:solidFill>
                   <a:schemeClr val="tx1"/>
                 </a:solidFill>
               </a:rPr>
-              <a:t>Boston shows significantly higher callback rates across most job</a:t>
-            </a:r>
-          </a:p>
-          <a:p>
-            <a:pPr marL="285750" indent="-285750">
-              <a:buFontTx/>
-              <a:buChar char="-"/>
-            </a:pPr>
-            <a:r>
-              <a:rPr kumimoji="1" lang="en-US" altLang="zh-CN" sz="1800" dirty="0">
-                <a:solidFill>
-                  <a:schemeClr val="tx1"/>
-                </a:solidFill>
-              </a:rPr>
-              <a:t>Chicago outcompete Boston in </a:t>
-            </a:r>
-            <a:r>
-              <a:rPr kumimoji="1" lang="en-US" altLang="zh-CN" sz="1800" dirty="0" err="1">
-                <a:solidFill>
-                  <a:schemeClr val="tx1"/>
-                </a:solidFill>
-              </a:rPr>
-              <a:t>Sales_rep</a:t>
-            </a:r>
-            <a:endParaRPr kumimoji="1" lang="en-US" altLang="zh-CN" sz="1800" dirty="0">
-              <a:solidFill>
-                <a:schemeClr val="tx1"/>
-              </a:solidFill>
-            </a:endParaRPr>
-          </a:p>
-          <a:p>
-            <a:endParaRPr kumimoji="1" lang="zh-CN" altLang="en-US" sz="1100" dirty="0">
-              <a:solidFill>
-                <a:schemeClr val="tx1"/>
-              </a:solidFill>
-            </a:endParaRPr>
+              <a:t>Boston shows higher callback rates across most jobs</a:t>
+            </a:r>
           </a:p>
         </p:txBody>
       </p:sp>
@@ -5901,10 +6545,10 @@
       </p:sp>
       <p:pic>
         <p:nvPicPr>
-          <p:cNvPr id="9" name="图片 8">
+          <p:cNvPr id="3" name="图片 2">
             <a:extLst>
               <a:ext uri="{FF2B5EF4-FFF2-40B4-BE49-F238E27FC236}">
-                <a16:creationId xmlns:a16="http://schemas.microsoft.com/office/drawing/2014/main" id="{705F7D02-3A18-1E5C-1397-1584B6126825}"/>
+                <a16:creationId xmlns:a16="http://schemas.microsoft.com/office/drawing/2014/main" id="{341CC576-853B-0D3C-6D9F-9A6BA110AFA1}"/>
               </a:ext>
             </a:extLst>
           </p:cNvPr>
@@ -5914,21 +6558,83 @@
           <p:nvPr/>
         </p:nvPicPr>
         <p:blipFill>
-          <a:blip r:embed="rId2"/>
+          <a:blip r:embed="rId3"/>
           <a:stretch>
             <a:fillRect/>
           </a:stretch>
         </p:blipFill>
         <p:spPr>
           <a:xfrm>
-            <a:off x="1" y="331780"/>
-            <a:ext cx="8303739" cy="6253432"/>
+            <a:off x="0" y="298505"/>
+            <a:ext cx="8303740" cy="6334016"/>
           </a:xfrm>
           <a:prstGeom prst="rect">
             <a:avLst/>
           </a:prstGeom>
         </p:spPr>
       </p:pic>
+      <p:sp>
+        <p:nvSpPr>
+          <p:cNvPr id="5" name="标题 1">
+            <a:extLst>
+              <a:ext uri="{FF2B5EF4-FFF2-40B4-BE49-F238E27FC236}">
+                <a16:creationId xmlns:a16="http://schemas.microsoft.com/office/drawing/2014/main" id="{759159A4-FE9D-BD59-3DD9-FD0E314C5467}"/>
+              </a:ext>
+            </a:extLst>
+          </p:cNvPr>
+          <p:cNvSpPr txBox="1">
+            <a:spLocks/>
+          </p:cNvSpPr>
+          <p:nvPr/>
+        </p:nvSpPr>
+        <p:spPr>
+          <a:xfrm>
+            <a:off x="8549640" y="-594360"/>
+            <a:ext cx="3200400" cy="1737360"/>
+          </a:xfrm>
+          <a:prstGeom prst="rect">
+            <a:avLst/>
+          </a:prstGeom>
+        </p:spPr>
+        <p:txBody>
+          <a:bodyPr vert="horz" lIns="91440" tIns="45720" rIns="91440" bIns="45720" rtlCol="0" anchor="b">
+            <a:normAutofit/>
+          </a:bodyPr>
+          <a:lstStyle>
+            <a:lvl1pPr algn="l" defTabSz="914400" rtl="0" eaLnBrk="1" latinLnBrk="0" hangingPunct="1">
+              <a:lnSpc>
+                <a:spcPct val="90000"/>
+              </a:lnSpc>
+              <a:spcBef>
+                <a:spcPct val="0"/>
+              </a:spcBef>
+              <a:buNone/>
+              <a:defRPr sz="3200" b="1" kern="1200" cap="all" baseline="0">
+                <a:blipFill>
+                  <a:blip r:embed="rId4">
+                    <a:extLst>
+                      <a:ext uri="{28A0092B-C50C-407E-A947-70E740481C1C}">
+                        <a14:useLocalDpi xmlns:a14="http://schemas.microsoft.com/office/drawing/2010/main" val="0"/>
+                      </a:ext>
+                    </a:extLst>
+                  </a:blip>
+                  <a:tile tx="6350" ty="-127000" sx="65000" sy="64000" flip="none" algn="tl"/>
+                </a:blipFill>
+                <a:latin typeface="+mj-lt"/>
+                <a:ea typeface="+mj-ea"/>
+                <a:cs typeface="+mj-cs"/>
+              </a:defRPr>
+            </a:lvl1pPr>
+          </a:lstStyle>
+          <a:p>
+            <a:r>
+              <a:rPr lang="en-US" altLang="zh-CN" dirty="0"/>
+              <a:t>EDA</a:t>
+            </a:r>
+            <a:endParaRPr kumimoji="1" lang="zh-CN" altLang="en-US" dirty="0"/>
+          </a:p>
+        </p:txBody>
+      </p:sp>
     </p:spTree>
     <p:extLst>
       <p:ext uri="{BB962C8B-B14F-4D97-AF65-F5344CB8AC3E}">
@@ -6048,8 +6754,30 @@
         </p:nvSpPr>
         <p:spPr/>
         <p:txBody>
-          <a:bodyPr/>
-          <a:lstStyle/>
+          <a:bodyPr>
+            <a:normAutofit/>
+          </a:bodyPr>
+          <a:lstStyle/>
+          <a:p>
+            <a:pPr marL="285750" indent="-285750">
+              <a:buFontTx/>
+              <a:buChar char="-"/>
+            </a:pPr>
+            <a:r>
+              <a:rPr lang="en-US" altLang="zh-CN" sz="1800" b="1" dirty="0">
+                <a:solidFill>
+                  <a:srgbClr val="000000"/>
+                </a:solidFill>
+              </a:rPr>
+              <a:t>Unexpected trend with college experience</a:t>
+            </a:r>
+            <a:endParaRPr lang="en-US" altLang="zh-CN" sz="1800" b="0" i="0" u="none" strike="noStrike" dirty="0">
+              <a:solidFill>
+                <a:srgbClr val="000000"/>
+              </a:solidFill>
+              <a:effectLst/>
+            </a:endParaRPr>
+          </a:p>
           <a:p>
             <a:pPr marL="285750" indent="-285750">
               <a:buFontTx/>
@@ -6062,7 +6790,7 @@
                 </a:solidFill>
                 <a:effectLst/>
               </a:rPr>
-              <a:t>Candidates with 2 years of college experience have the highest callback rate</a:t>
+              <a:t>Candidates with 2 years of college experience have highest callback rate</a:t>
             </a:r>
           </a:p>
           <a:p>
@@ -6077,18 +6805,17 @@
                 </a:solidFill>
                 <a:effectLst/>
               </a:rPr>
-              <a:t>Surprisingly, those with 4 years show lower callback rates.</a:t>
-            </a:r>
-            <a:endParaRPr kumimoji="1" lang="zh-CN" altLang="en-US" dirty="0"/>
+              <a:t>Surprisingly, those with 4 years show lower callback rates</a:t>
+            </a:r>
           </a:p>
         </p:txBody>
       </p:sp>
       <p:pic>
         <p:nvPicPr>
-          <p:cNvPr id="7" name="图片 6">
+          <p:cNvPr id="5" name="图片 4">
             <a:extLst>
               <a:ext uri="{FF2B5EF4-FFF2-40B4-BE49-F238E27FC236}">
-                <a16:creationId xmlns:a16="http://schemas.microsoft.com/office/drawing/2014/main" id="{04762C09-E2C4-740B-9221-1AFCEB4C80B9}"/>
+                <a16:creationId xmlns:a16="http://schemas.microsoft.com/office/drawing/2014/main" id="{69D4E56C-1CBD-2762-A14F-7115E8A71E26}"/>
               </a:ext>
             </a:extLst>
           </p:cNvPr>
@@ -6098,21 +6825,83 @@
           <p:nvPr/>
         </p:nvPicPr>
         <p:blipFill>
-          <a:blip r:embed="rId2"/>
+          <a:blip r:embed="rId3"/>
           <a:stretch>
             <a:fillRect/>
           </a:stretch>
         </p:blipFill>
         <p:spPr>
           <a:xfrm>
-            <a:off x="1" y="973321"/>
-            <a:ext cx="8303739" cy="4911358"/>
+            <a:off x="19304" y="984738"/>
+            <a:ext cx="8265132" cy="4888523"/>
           </a:xfrm>
           <a:prstGeom prst="rect">
             <a:avLst/>
           </a:prstGeom>
         </p:spPr>
       </p:pic>
+      <p:sp>
+        <p:nvSpPr>
+          <p:cNvPr id="6" name="标题 1">
+            <a:extLst>
+              <a:ext uri="{FF2B5EF4-FFF2-40B4-BE49-F238E27FC236}">
+                <a16:creationId xmlns:a16="http://schemas.microsoft.com/office/drawing/2014/main" id="{73C0882C-A8B1-457A-8FD6-291344C01CB2}"/>
+              </a:ext>
+            </a:extLst>
+          </p:cNvPr>
+          <p:cNvSpPr txBox="1">
+            <a:spLocks/>
+          </p:cNvSpPr>
+          <p:nvPr/>
+        </p:nvSpPr>
+        <p:spPr>
+          <a:xfrm>
+            <a:off x="8549640" y="-594360"/>
+            <a:ext cx="3200400" cy="1737360"/>
+          </a:xfrm>
+          <a:prstGeom prst="rect">
+            <a:avLst/>
+          </a:prstGeom>
+        </p:spPr>
+        <p:txBody>
+          <a:bodyPr vert="horz" lIns="91440" tIns="45720" rIns="91440" bIns="45720" rtlCol="0" anchor="b">
+            <a:normAutofit/>
+          </a:bodyPr>
+          <a:lstStyle>
+            <a:lvl1pPr algn="l" defTabSz="914400" rtl="0" eaLnBrk="1" latinLnBrk="0" hangingPunct="1">
+              <a:lnSpc>
+                <a:spcPct val="90000"/>
+              </a:lnSpc>
+              <a:spcBef>
+                <a:spcPct val="0"/>
+              </a:spcBef>
+              <a:buNone/>
+              <a:defRPr sz="3200" b="1" kern="1200" cap="all" baseline="0">
+                <a:blipFill>
+                  <a:blip r:embed="rId4">
+                    <a:extLst>
+                      <a:ext uri="{28A0092B-C50C-407E-A947-70E740481C1C}">
+                        <a14:useLocalDpi xmlns:a14="http://schemas.microsoft.com/office/drawing/2010/main" val="0"/>
+                      </a:ext>
+                    </a:extLst>
+                  </a:blip>
+                  <a:tile tx="6350" ty="-127000" sx="65000" sy="64000" flip="none" algn="tl"/>
+                </a:blipFill>
+                <a:latin typeface="+mj-lt"/>
+                <a:ea typeface="+mj-ea"/>
+                <a:cs typeface="+mj-cs"/>
+              </a:defRPr>
+            </a:lvl1pPr>
+          </a:lstStyle>
+          <a:p>
+            <a:r>
+              <a:rPr lang="en-US" altLang="zh-CN" dirty="0"/>
+              <a:t>EDA</a:t>
+            </a:r>
+            <a:endParaRPr kumimoji="1" lang="zh-CN" altLang="en-US" dirty="0"/>
+          </a:p>
+        </p:txBody>
+      </p:sp>
     </p:spTree>
     <p:extLst>
       <p:ext uri="{BB962C8B-B14F-4D97-AF65-F5344CB8AC3E}">
@@ -6247,7 +7036,7 @@
                   <a:schemeClr val="tx1"/>
                 </a:solidFill>
               </a:rPr>
-              <a:t>A surprising 55.9% of callbacks are for applicants without listed computer skills</a:t>
+              <a:t>55.9% of callbacks are for applicants without listed computer skills</a:t>
             </a:r>
           </a:p>
           <a:p>
@@ -6261,7 +7050,7 @@
                   <a:schemeClr val="tx1"/>
                 </a:solidFill>
               </a:rPr>
-              <a:t>While 44.1% of callbacks are for those with computer skills.</a:t>
+              <a:t>44.1% of callbacks are for those with computer skills</a:t>
             </a:r>
             <a:endParaRPr kumimoji="1" lang="zh-CN" altLang="en-US" sz="1800" dirty="0">
               <a:solidFill>
@@ -6273,10 +7062,10 @@
       </p:sp>
       <p:pic>
         <p:nvPicPr>
-          <p:cNvPr id="5" name="图片 4">
+          <p:cNvPr id="6" name="图片 5">
             <a:extLst>
               <a:ext uri="{FF2B5EF4-FFF2-40B4-BE49-F238E27FC236}">
-                <a16:creationId xmlns:a16="http://schemas.microsoft.com/office/drawing/2014/main" id="{17BD4F98-218B-C6A9-E911-D6E01B1311F2}"/>
+                <a16:creationId xmlns:a16="http://schemas.microsoft.com/office/drawing/2014/main" id="{A3AEEBEC-4D63-FC6D-79F8-794DCD7887FB}"/>
               </a:ext>
             </a:extLst>
           </p:cNvPr>
@@ -6293,14 +7082,76 @@
         </p:blipFill>
         <p:spPr>
           <a:xfrm>
-            <a:off x="1225951" y="0"/>
-            <a:ext cx="5853275" cy="6828820"/>
+            <a:off x="857544" y="0"/>
+            <a:ext cx="6588651" cy="6857999"/>
           </a:xfrm>
           <a:prstGeom prst="rect">
             <a:avLst/>
           </a:prstGeom>
         </p:spPr>
       </p:pic>
+      <p:sp>
+        <p:nvSpPr>
+          <p:cNvPr id="7" name="标题 1">
+            <a:extLst>
+              <a:ext uri="{FF2B5EF4-FFF2-40B4-BE49-F238E27FC236}">
+                <a16:creationId xmlns:a16="http://schemas.microsoft.com/office/drawing/2014/main" id="{1C7F0CB2-B0ED-490D-2580-3BA7D32D81AD}"/>
+              </a:ext>
+            </a:extLst>
+          </p:cNvPr>
+          <p:cNvSpPr txBox="1">
+            <a:spLocks/>
+          </p:cNvSpPr>
+          <p:nvPr/>
+        </p:nvSpPr>
+        <p:spPr>
+          <a:xfrm>
+            <a:off x="8549640" y="-594360"/>
+            <a:ext cx="3200400" cy="1737360"/>
+          </a:xfrm>
+          <a:prstGeom prst="rect">
+            <a:avLst/>
+          </a:prstGeom>
+        </p:spPr>
+        <p:txBody>
+          <a:bodyPr vert="horz" lIns="91440" tIns="45720" rIns="91440" bIns="45720" rtlCol="0" anchor="b">
+            <a:normAutofit/>
+          </a:bodyPr>
+          <a:lstStyle>
+            <a:lvl1pPr algn="l" defTabSz="914400" rtl="0" eaLnBrk="1" latinLnBrk="0" hangingPunct="1">
+              <a:lnSpc>
+                <a:spcPct val="90000"/>
+              </a:lnSpc>
+              <a:spcBef>
+                <a:spcPct val="0"/>
+              </a:spcBef>
+              <a:buNone/>
+              <a:defRPr sz="3200" b="1" kern="1200" cap="all" baseline="0">
+                <a:blipFill>
+                  <a:blip r:embed="rId4">
+                    <a:extLst>
+                      <a:ext uri="{28A0092B-C50C-407E-A947-70E740481C1C}">
+                        <a14:useLocalDpi xmlns:a14="http://schemas.microsoft.com/office/drawing/2010/main" val="0"/>
+                      </a:ext>
+                    </a:extLst>
+                  </a:blip>
+                  <a:tile tx="6350" ty="-127000" sx="65000" sy="64000" flip="none" algn="tl"/>
+                </a:blipFill>
+                <a:latin typeface="+mj-lt"/>
+                <a:ea typeface="+mj-ea"/>
+                <a:cs typeface="+mj-cs"/>
+              </a:defRPr>
+            </a:lvl1pPr>
+          </a:lstStyle>
+          <a:p>
+            <a:r>
+              <a:rPr lang="en-US" altLang="zh-CN" dirty="0"/>
+              <a:t>EDA</a:t>
+            </a:r>
+            <a:endParaRPr kumimoji="1" lang="zh-CN" altLang="en-US" dirty="0"/>
+          </a:p>
+        </p:txBody>
+      </p:sp>
     </p:spTree>
     <p:extLst>
       <p:ext uri="{BB962C8B-B14F-4D97-AF65-F5344CB8AC3E}">
@@ -6434,10 +7285,10 @@
         </p:nvGrpSpPr>
         <p:grpSpPr>
           <a:xfrm>
-            <a:off x="1297134" y="2608793"/>
-            <a:ext cx="5358309" cy="2948287"/>
-            <a:chOff x="1223421" y="2276856"/>
-            <a:chExt cx="5358309" cy="2948287"/>
+            <a:off x="1297134" y="2436632"/>
+            <a:ext cx="5358309" cy="3292610"/>
+            <a:chOff x="1223421" y="1932533"/>
+            <a:chExt cx="5358309" cy="3292610"/>
           </a:xfrm>
         </p:grpSpPr>
         <p:sp>
@@ -6454,8 +7305,8 @@
           </p:nvSpPr>
           <p:spPr>
             <a:xfrm>
-              <a:off x="2942949" y="2276856"/>
-              <a:ext cx="1951590" cy="587829"/>
+              <a:off x="2942949" y="1932533"/>
+              <a:ext cx="1951590" cy="1061051"/>
             </a:xfrm>
             <a:prstGeom prst="rect">
               <a:avLst/>
@@ -6490,6 +7341,21 @@
               <a:r>
                 <a:rPr kumimoji="1" lang="en-US" altLang="zh-CN" dirty="0"/>
                 <a:t>Dataset</a:t>
+              </a:r>
+            </a:p>
+            <a:p>
+              <a:pPr algn="ctr"/>
+              <a:r>
+                <a:rPr kumimoji="1" lang="en-US" altLang="zh-CN" dirty="0"/>
+                <a:t>4870</a:t>
+              </a:r>
+              <a:r>
+                <a:rPr kumimoji="1" lang="zh-CN" altLang="en-US" dirty="0"/>
+                <a:t> </a:t>
+              </a:r>
+              <a:r>
+                <a:rPr kumimoji="1" lang="en-US" altLang="zh-CN" dirty="0"/>
+                <a:t>rows</a:t>
               </a:r>
               <a:endParaRPr kumimoji="1" lang="zh-CN" altLang="en-US" dirty="0"/>
             </a:p>
@@ -6553,6 +7419,13 @@
                 <a:rPr kumimoji="1" lang="en-US" altLang="zh-CN" dirty="0"/>
                 <a:t>60%</a:t>
               </a:r>
+            </a:p>
+            <a:p>
+              <a:pPr algn="ctr"/>
+              <a:r>
+                <a:rPr kumimoji="1" lang="en-US" altLang="zh-CN" dirty="0"/>
+                <a:t>2922 rows</a:t>
+              </a:r>
               <a:endParaRPr kumimoji="1" lang="zh-CN" altLang="en-US" dirty="0"/>
             </a:p>
           </p:txBody>
@@ -6615,6 +7488,13 @@
                 <a:rPr kumimoji="1" lang="en-US" altLang="zh-CN" dirty="0"/>
                 <a:t>20%</a:t>
               </a:r>
+            </a:p>
+            <a:p>
+              <a:pPr algn="ctr"/>
+              <a:r>
+                <a:rPr kumimoji="1" lang="en-US" altLang="zh-CN" dirty="0"/>
+                <a:t>974 rows</a:t>
+              </a:r>
               <a:endParaRPr kumimoji="1" lang="zh-CN" altLang="en-US" dirty="0"/>
             </a:p>
           </p:txBody>
@@ -6668,7 +7548,7 @@
               <a:pPr algn="ctr"/>
               <a:r>
                 <a:rPr kumimoji="1" lang="en-US" altLang="zh-CN" dirty="0"/>
-                <a:t>Training Set</a:t>
+                <a:t>Test Set</a:t>
               </a:r>
             </a:p>
             <a:p>
@@ -6676,6 +7556,13 @@
               <a:r>
                 <a:rPr kumimoji="1" lang="en-US" altLang="zh-CN" dirty="0"/>
                 <a:t>20%</a:t>
+              </a:r>
+            </a:p>
+            <a:p>
+              <a:pPr algn="ctr"/>
+              <a:r>
+                <a:rPr kumimoji="1" lang="en-US" altLang="zh-CN" dirty="0"/>
+                <a:t>974 rows</a:t>
               </a:r>
               <a:endParaRPr kumimoji="1" lang="zh-CN" altLang="en-US" dirty="0"/>
             </a:p>
@@ -7309,8 +8196,8 @@
         </p:nvSpPr>
         <p:spPr>
           <a:xfrm>
-            <a:off x="1519082" y="3414251"/>
-            <a:ext cx="5456553" cy="2736850"/>
+            <a:off x="1180412" y="3414251"/>
+            <a:ext cx="6561582" cy="2736850"/>
           </a:xfrm>
           <a:prstGeom prst="rect">
             <a:avLst/>
@@ -7364,7 +8251,7 @@
         </p:nvSpPr>
         <p:spPr>
           <a:xfrm>
-            <a:off x="8104089" y="3430227"/>
+            <a:off x="8649508" y="3414251"/>
             <a:ext cx="2343223" cy="2720874"/>
           </a:xfrm>
           <a:prstGeom prst="rect">
@@ -7419,8 +8306,8 @@
         </p:nvSpPr>
         <p:spPr>
           <a:xfrm>
-            <a:off x="1665514" y="3997440"/>
-            <a:ext cx="2937824" cy="505434"/>
+            <a:off x="1326844" y="3997440"/>
+            <a:ext cx="2653099" cy="505434"/>
           </a:xfrm>
           <a:prstGeom prst="rect">
             <a:avLst/>
@@ -7453,10 +8340,10 @@
           <a:p>
             <a:pPr algn="ctr"/>
             <a:r>
-              <a:rPr lang="en-US" altLang="zh-CN" dirty="0" err="1"/>
+              <a:rPr lang="en-US" altLang="zh-CN" sz="1600" dirty="0" err="1"/>
               <a:t>job_fed_contractor</a:t>
             </a:r>
-            <a:endParaRPr kumimoji="1" lang="zh-CN" altLang="en-US" dirty="0"/>
+            <a:endParaRPr kumimoji="1" lang="zh-CN" altLang="en-US" sz="1600" dirty="0"/>
           </a:p>
         </p:txBody>
       </p:sp>
@@ -7474,8 +8361,8 @@
         </p:nvSpPr>
         <p:spPr>
           <a:xfrm>
-            <a:off x="1665514" y="4738269"/>
-            <a:ext cx="2937824" cy="505434"/>
+            <a:off x="1326844" y="4738269"/>
+            <a:ext cx="2653099" cy="505434"/>
           </a:xfrm>
           <a:prstGeom prst="rect">
             <a:avLst/>
@@ -7508,10 +8395,10 @@
           <a:p>
             <a:pPr algn="ctr"/>
             <a:r>
-              <a:rPr lang="en-US" altLang="zh-CN" dirty="0" err="1"/>
+              <a:rPr lang="en-US" altLang="zh-CN" sz="1600" dirty="0" err="1"/>
               <a:t>job_ownership</a:t>
             </a:r>
-            <a:endParaRPr kumimoji="1" lang="zh-CN" altLang="en-US" dirty="0"/>
+            <a:endParaRPr kumimoji="1" lang="zh-CN" altLang="en-US" sz="1600" dirty="0"/>
           </a:p>
         </p:txBody>
       </p:sp>
@@ -7529,8 +8416,8 @@
         </p:nvSpPr>
         <p:spPr>
           <a:xfrm>
-            <a:off x="1665514" y="5471724"/>
-            <a:ext cx="2937824" cy="505434"/>
+            <a:off x="1326844" y="5471724"/>
+            <a:ext cx="2653099" cy="505434"/>
           </a:xfrm>
           <a:prstGeom prst="rect">
             <a:avLst/>
@@ -7563,10 +8450,10 @@
           <a:p>
             <a:pPr algn="ctr"/>
             <a:r>
-              <a:rPr lang="en-US" altLang="zh-CN" dirty="0" err="1"/>
+              <a:rPr lang="en-US" altLang="zh-CN" sz="1600" dirty="0" err="1"/>
               <a:t>job_req_min_experience</a:t>
             </a:r>
-            <a:endParaRPr kumimoji="1" lang="zh-CN" altLang="en-US" dirty="0"/>
+            <a:endParaRPr kumimoji="1" lang="zh-CN" altLang="en-US" sz="1600" dirty="0"/>
           </a:p>
         </p:txBody>
       </p:sp>
@@ -7585,10 +8472,10 @@
           <p:nvPr/>
         </p:nvPicPr>
         <p:blipFill>
-          <a:blip r:embed="rId2">
+          <a:blip r:embed="rId3">
             <a:extLst>
               <a:ext uri="{96DAC541-7B7A-43D3-8B79-37D633B846F1}">
-                <asvg:svgBlip xmlns:asvg="http://schemas.microsoft.com/office/drawing/2016/SVG/main" r:embed="rId3"/>
+                <asvg:svgBlip xmlns:asvg="http://schemas.microsoft.com/office/drawing/2016/SVG/main" r:embed="rId4"/>
               </a:ext>
             </a:extLst>
           </a:blip>
@@ -7598,7 +8485,7 @@
         </p:blipFill>
         <p:spPr>
           <a:xfrm>
-            <a:off x="7182111" y="4386996"/>
+            <a:off x="7834736" y="4383310"/>
             <a:ext cx="709917" cy="709917"/>
           </a:xfrm>
           <a:prstGeom prst="rect">
@@ -7620,7 +8507,7 @@
         </p:nvSpPr>
         <p:spPr>
           <a:xfrm>
-            <a:off x="9193793" y="3997440"/>
+            <a:off x="9739212" y="3981464"/>
             <a:ext cx="1103509" cy="505434"/>
           </a:xfrm>
           <a:prstGeom prst="rect">
@@ -7679,7 +8566,7 @@
         </p:nvSpPr>
         <p:spPr>
           <a:xfrm>
-            <a:off x="9193792" y="4738269"/>
+            <a:off x="9739211" y="4722293"/>
             <a:ext cx="1103509" cy="505434"/>
           </a:xfrm>
           <a:prstGeom prst="rect">
@@ -7738,7 +8625,7 @@
         </p:nvSpPr>
         <p:spPr>
           <a:xfrm>
-            <a:off x="9193792" y="5471724"/>
+            <a:off x="9739211" y="5455748"/>
             <a:ext cx="1103509" cy="505434"/>
           </a:xfrm>
           <a:prstGeom prst="rect">
@@ -7797,7 +8684,7 @@
         </p:nvSpPr>
         <p:spPr>
           <a:xfrm>
-            <a:off x="8241880" y="3997440"/>
+            <a:off x="8787299" y="3981464"/>
             <a:ext cx="745437" cy="505434"/>
           </a:xfrm>
           <a:prstGeom prst="rect">
@@ -7856,7 +8743,7 @@
         </p:nvSpPr>
         <p:spPr>
           <a:xfrm>
-            <a:off x="8241879" y="4738269"/>
+            <a:off x="8787298" y="4722293"/>
             <a:ext cx="745437" cy="505434"/>
           </a:xfrm>
           <a:prstGeom prst="rect">
@@ -7915,7 +8802,7 @@
         </p:nvSpPr>
         <p:spPr>
           <a:xfrm>
-            <a:off x="8241879" y="5471724"/>
+            <a:off x="8787298" y="5455748"/>
             <a:ext cx="745437" cy="505434"/>
           </a:xfrm>
           <a:prstGeom prst="rect">
@@ -7974,8 +8861,8 @@
         </p:nvSpPr>
         <p:spPr>
           <a:xfrm>
-            <a:off x="5693041" y="3997440"/>
-            <a:ext cx="1103509" cy="505434"/>
+            <a:off x="4147455" y="3997440"/>
+            <a:ext cx="1565604" cy="505434"/>
           </a:xfrm>
           <a:prstGeom prst="rect">
             <a:avLst/>
@@ -8033,8 +8920,8 @@
         </p:nvSpPr>
         <p:spPr>
           <a:xfrm>
-            <a:off x="5693040" y="4738269"/>
-            <a:ext cx="1103509" cy="505434"/>
+            <a:off x="4147455" y="4738269"/>
+            <a:ext cx="1565604" cy="505434"/>
           </a:xfrm>
           <a:prstGeom prst="rect">
             <a:avLst/>
@@ -8092,8 +8979,8 @@
         </p:nvSpPr>
         <p:spPr>
           <a:xfrm>
-            <a:off x="5693040" y="5471724"/>
-            <a:ext cx="1103509" cy="505434"/>
+            <a:off x="4147455" y="5471724"/>
+            <a:ext cx="1565604" cy="505434"/>
           </a:xfrm>
           <a:prstGeom prst="rect">
             <a:avLst/>
@@ -8151,8 +9038,8 @@
         </p:nvSpPr>
         <p:spPr>
           <a:xfrm>
-            <a:off x="4741128" y="3997440"/>
-            <a:ext cx="745437" cy="505434"/>
+            <a:off x="5891391" y="3997440"/>
+            <a:ext cx="868915" cy="505434"/>
           </a:xfrm>
           <a:prstGeom prst="rect">
             <a:avLst/>
@@ -8210,8 +9097,8 @@
         </p:nvSpPr>
         <p:spPr>
           <a:xfrm>
-            <a:off x="4741127" y="4738269"/>
-            <a:ext cx="745437" cy="505434"/>
+            <a:off x="5891391" y="4734582"/>
+            <a:ext cx="868915" cy="505434"/>
           </a:xfrm>
           <a:prstGeom prst="rect">
             <a:avLst/>
@@ -8269,8 +9156,8 @@
         </p:nvSpPr>
         <p:spPr>
           <a:xfrm>
-            <a:off x="4741127" y="5471724"/>
-            <a:ext cx="745437" cy="505434"/>
+            <a:off x="5891391" y="5471724"/>
+            <a:ext cx="868915" cy="505434"/>
           </a:xfrm>
           <a:prstGeom prst="rect">
             <a:avLst/>
@@ -8328,8 +9215,8 @@
         </p:nvSpPr>
         <p:spPr>
           <a:xfrm>
-            <a:off x="1665514" y="3558799"/>
-            <a:ext cx="2937824" cy="293914"/>
+            <a:off x="1326844" y="3558799"/>
+            <a:ext cx="2653099" cy="293914"/>
           </a:xfrm>
           <a:prstGeom prst="rect">
             <a:avLst/>
@@ -8365,14 +9252,14 @@
           <a:p>
             <a:pPr algn="ctr"/>
             <a:r>
-              <a:rPr kumimoji="1" lang="en-US" altLang="zh-CN" dirty="0">
+              <a:rPr kumimoji="1" lang="en-US" altLang="zh-CN" sz="1600" dirty="0">
                 <a:solidFill>
                   <a:schemeClr val="tx1"/>
                 </a:solidFill>
               </a:rPr>
               <a:t>Feature Name</a:t>
             </a:r>
-            <a:endParaRPr kumimoji="1" lang="zh-CN" altLang="en-US" dirty="0">
+            <a:endParaRPr kumimoji="1" lang="zh-CN" altLang="en-US" sz="1600" dirty="0">
               <a:solidFill>
                 <a:schemeClr val="tx1"/>
               </a:solidFill>
@@ -8394,7 +9281,73 @@
         </p:nvSpPr>
         <p:spPr>
           <a:xfrm>
-            <a:off x="4741127" y="3558799"/>
+            <a:off x="4147455" y="3558799"/>
+            <a:ext cx="1565604" cy="293914"/>
+          </a:xfrm>
+          <a:prstGeom prst="rect">
+            <a:avLst/>
+          </a:prstGeom>
+          <a:solidFill>
+            <a:schemeClr val="bg1">
+              <a:lumMod val="75000"/>
+            </a:schemeClr>
+          </a:solidFill>
+          <a:ln>
+            <a:noFill/>
+          </a:ln>
+        </p:spPr>
+        <p:style>
+          <a:lnRef idx="2">
+            <a:schemeClr val="accent1">
+              <a:shade val="15000"/>
+            </a:schemeClr>
+          </a:lnRef>
+          <a:fillRef idx="1">
+            <a:schemeClr val="accent1"/>
+          </a:fillRef>
+          <a:effectRef idx="0">
+            <a:schemeClr val="accent1"/>
+          </a:effectRef>
+          <a:fontRef idx="minor">
+            <a:schemeClr val="lt1"/>
+          </a:fontRef>
+        </p:style>
+        <p:txBody>
+          <a:bodyPr rtlCol="0" anchor="ctr"/>
+          <a:lstStyle/>
+          <a:p>
+            <a:pPr algn="ctr"/>
+            <a:r>
+              <a:rPr kumimoji="1" lang="en-US" altLang="zh-CN" sz="1600" dirty="0">
+                <a:solidFill>
+                  <a:schemeClr val="tx1"/>
+                </a:solidFill>
+              </a:rPr>
+              <a:t>Missing Values</a:t>
+            </a:r>
+            <a:endParaRPr kumimoji="1" lang="zh-CN" altLang="en-US" sz="1600" dirty="0">
+              <a:solidFill>
+                <a:schemeClr val="tx1"/>
+              </a:solidFill>
+            </a:endParaRPr>
+          </a:p>
+        </p:txBody>
+      </p:sp>
+      <p:sp>
+        <p:nvSpPr>
+          <p:cNvPr id="28" name="矩形 27">
+            <a:extLst>
+              <a:ext uri="{FF2B5EF4-FFF2-40B4-BE49-F238E27FC236}">
+                <a16:creationId xmlns:a16="http://schemas.microsoft.com/office/drawing/2014/main" id="{4D5345B6-CF5F-238C-A224-EB78B6720CC9}"/>
+              </a:ext>
+            </a:extLst>
+          </p:cNvPr>
+          <p:cNvSpPr/>
+          <p:nvPr/>
+        </p:nvSpPr>
+        <p:spPr>
+          <a:xfrm>
+            <a:off x="8793408" y="3543273"/>
             <a:ext cx="2055422" cy="293914"/>
           </a:xfrm>
           <a:prstGeom prst="rect">
@@ -8431,14 +9384,14 @@
           <a:p>
             <a:pPr algn="ctr"/>
             <a:r>
-              <a:rPr kumimoji="1" lang="en-US" altLang="zh-CN" dirty="0">
+              <a:rPr kumimoji="1" lang="en-US" altLang="zh-CN" sz="1600" dirty="0">
                 <a:solidFill>
                   <a:schemeClr val="tx1"/>
                 </a:solidFill>
               </a:rPr>
-              <a:t>Missing Values</a:t>
-            </a:r>
-            <a:endParaRPr kumimoji="1" lang="zh-CN" altLang="en-US" dirty="0">
+              <a:t>Renamed Values</a:t>
+            </a:r>
+            <a:endParaRPr kumimoji="1" lang="zh-CN" altLang="en-US" sz="1600" dirty="0">
               <a:solidFill>
                 <a:schemeClr val="tx1"/>
               </a:solidFill>
@@ -8446,12 +9399,48 @@
           </a:p>
         </p:txBody>
       </p:sp>
-      <p:sp>
-        <p:nvSpPr>
-          <p:cNvPr id="28" name="矩形 27">
+      <p:pic>
+        <p:nvPicPr>
+          <p:cNvPr id="30" name="图形 29" descr="文件夹搜索 纯色填充">
             <a:extLst>
               <a:ext uri="{FF2B5EF4-FFF2-40B4-BE49-F238E27FC236}">
-                <a16:creationId xmlns:a16="http://schemas.microsoft.com/office/drawing/2014/main" id="{4D5345B6-CF5F-238C-A224-EB78B6720CC9}"/>
+                <a16:creationId xmlns:a16="http://schemas.microsoft.com/office/drawing/2014/main" id="{095E3130-038C-4720-587E-BAC7C1AAE8E7}"/>
+              </a:ext>
+            </a:extLst>
+          </p:cNvPr>
+          <p:cNvPicPr>
+            <a:picLocks noChangeAspect="1"/>
+          </p:cNvPicPr>
+          <p:nvPr/>
+        </p:nvPicPr>
+        <p:blipFill>
+          <a:blip r:embed="rId5">
+            <a:extLst>
+              <a:ext uri="{96DAC541-7B7A-43D3-8B79-37D633B846F1}">
+                <asvg:svgBlip xmlns:asvg="http://schemas.microsoft.com/office/drawing/2016/SVG/main" r:embed="rId6"/>
+              </a:ext>
+            </a:extLst>
+          </a:blip>
+          <a:stretch>
+            <a:fillRect/>
+          </a:stretch>
+        </p:blipFill>
+        <p:spPr>
+          <a:xfrm>
+            <a:off x="1040940" y="1931372"/>
+            <a:ext cx="452326" cy="452326"/>
+          </a:xfrm>
+          <a:prstGeom prst="rect">
+            <a:avLst/>
+          </a:prstGeom>
+        </p:spPr>
+      </p:pic>
+      <p:sp>
+        <p:nvSpPr>
+          <p:cNvPr id="9" name="矩形 8">
+            <a:extLst>
+              <a:ext uri="{FF2B5EF4-FFF2-40B4-BE49-F238E27FC236}">
+                <a16:creationId xmlns:a16="http://schemas.microsoft.com/office/drawing/2014/main" id="{AAB51072-E736-73DA-A95B-07020501B7CE}"/>
               </a:ext>
             </a:extLst>
           </p:cNvPr>
@@ -8460,8 +9449,8 @@
         </p:nvSpPr>
         <p:spPr>
           <a:xfrm>
-            <a:off x="8247989" y="3559249"/>
-            <a:ext cx="2055422" cy="293914"/>
+            <a:off x="6973677" y="3558799"/>
+            <a:ext cx="593270" cy="293914"/>
           </a:xfrm>
           <a:prstGeom prst="rect">
             <a:avLst/>
@@ -8497,14 +9486,14 @@
           <a:p>
             <a:pPr algn="ctr"/>
             <a:r>
-              <a:rPr kumimoji="1" lang="en-US" altLang="zh-CN" dirty="0">
+              <a:rPr kumimoji="1" lang="en-US" altLang="zh-CN" sz="1600" dirty="0">
                 <a:solidFill>
                   <a:schemeClr val="tx1"/>
                 </a:solidFill>
               </a:rPr>
-              <a:t>Renamed Values</a:t>
-            </a:r>
-            <a:endParaRPr kumimoji="1" lang="zh-CN" altLang="en-US" dirty="0">
+              <a:t>%</a:t>
+            </a:r>
+            <a:endParaRPr kumimoji="1" lang="zh-CN" altLang="en-US" sz="1600" dirty="0">
               <a:solidFill>
                 <a:schemeClr val="tx1"/>
               </a:solidFill>
@@ -8512,42 +9501,249 @@
           </a:p>
         </p:txBody>
       </p:sp>
-      <p:pic>
-        <p:nvPicPr>
-          <p:cNvPr id="30" name="图形 29" descr="文件夹搜索 纯色填充">
+      <p:sp>
+        <p:nvSpPr>
+          <p:cNvPr id="10" name="矩形 9">
             <a:extLst>
               <a:ext uri="{FF2B5EF4-FFF2-40B4-BE49-F238E27FC236}">
-                <a16:creationId xmlns:a16="http://schemas.microsoft.com/office/drawing/2014/main" id="{095E3130-038C-4720-587E-BAC7C1AAE8E7}"/>
+                <a16:creationId xmlns:a16="http://schemas.microsoft.com/office/drawing/2014/main" id="{A1A17281-15A2-E2FC-B13B-B3BBA3415853}"/>
               </a:ext>
             </a:extLst>
           </p:cNvPr>
-          <p:cNvPicPr>
-            <a:picLocks noChangeAspect="1"/>
-          </p:cNvPicPr>
+          <p:cNvSpPr/>
           <p:nvPr/>
-        </p:nvPicPr>
-        <p:blipFill>
-          <a:blip r:embed="rId4">
-            <a:extLst>
-              <a:ext uri="{96DAC541-7B7A-43D3-8B79-37D633B846F1}">
-                <asvg:svgBlip xmlns:asvg="http://schemas.microsoft.com/office/drawing/2016/SVG/main" r:embed="rId5"/>
-              </a:ext>
-            </a:extLst>
-          </a:blip>
-          <a:stretch>
-            <a:fillRect/>
-          </a:stretch>
-        </p:blipFill>
+        </p:nvSpPr>
         <p:spPr>
           <a:xfrm>
-            <a:off x="1040940" y="1931372"/>
-            <a:ext cx="452326" cy="452326"/>
+            <a:off x="6973677" y="3997440"/>
+            <a:ext cx="594000" cy="505434"/>
           </a:xfrm>
           <a:prstGeom prst="rect">
             <a:avLst/>
           </a:prstGeom>
+          <a:solidFill>
+            <a:schemeClr val="accent2">
+              <a:lumMod val="40000"/>
+              <a:lumOff val="60000"/>
+            </a:schemeClr>
+          </a:solidFill>
+          <a:ln>
+            <a:noFill/>
+          </a:ln>
         </p:spPr>
-      </p:pic>
+        <p:style>
+          <a:lnRef idx="2">
+            <a:schemeClr val="accent1">
+              <a:shade val="15000"/>
+            </a:schemeClr>
+          </a:lnRef>
+          <a:fillRef idx="1">
+            <a:schemeClr val="accent1"/>
+          </a:fillRef>
+          <a:effectRef idx="0">
+            <a:schemeClr val="accent1"/>
+          </a:effectRef>
+          <a:fontRef idx="minor">
+            <a:schemeClr val="lt1"/>
+          </a:fontRef>
+        </p:style>
+        <p:txBody>
+          <a:bodyPr rtlCol="0" anchor="ctr"/>
+          <a:lstStyle/>
+          <a:p>
+            <a:pPr algn="ctr"/>
+            <a:r>
+              <a:rPr kumimoji="1" lang="en-US" altLang="zh-CN" sz="1600" dirty="0"/>
+              <a:t>36.3</a:t>
+            </a:r>
+            <a:endParaRPr kumimoji="1" lang="zh-CN" altLang="en-US" sz="1600" dirty="0"/>
+          </a:p>
+        </p:txBody>
+      </p:sp>
+      <p:sp>
+        <p:nvSpPr>
+          <p:cNvPr id="11" name="矩形 10">
+            <a:extLst>
+              <a:ext uri="{FF2B5EF4-FFF2-40B4-BE49-F238E27FC236}">
+                <a16:creationId xmlns:a16="http://schemas.microsoft.com/office/drawing/2014/main" id="{C02406D6-289F-E07C-5706-BE27EF5AC0F9}"/>
+              </a:ext>
+            </a:extLst>
+          </p:cNvPr>
+          <p:cNvSpPr/>
+          <p:nvPr/>
+        </p:nvSpPr>
+        <p:spPr>
+          <a:xfrm>
+            <a:off x="6973677" y="4734582"/>
+            <a:ext cx="594000" cy="505434"/>
+          </a:xfrm>
+          <a:prstGeom prst="rect">
+            <a:avLst/>
+          </a:prstGeom>
+          <a:solidFill>
+            <a:schemeClr val="accent2">
+              <a:lumMod val="40000"/>
+              <a:lumOff val="60000"/>
+            </a:schemeClr>
+          </a:solidFill>
+          <a:ln>
+            <a:noFill/>
+          </a:ln>
+        </p:spPr>
+        <p:style>
+          <a:lnRef idx="2">
+            <a:schemeClr val="accent1">
+              <a:shade val="15000"/>
+            </a:schemeClr>
+          </a:lnRef>
+          <a:fillRef idx="1">
+            <a:schemeClr val="accent1"/>
+          </a:fillRef>
+          <a:effectRef idx="0">
+            <a:schemeClr val="accent1"/>
+          </a:effectRef>
+          <a:fontRef idx="minor">
+            <a:schemeClr val="lt1"/>
+          </a:fontRef>
+        </p:style>
+        <p:txBody>
+          <a:bodyPr rtlCol="0" anchor="ctr"/>
+          <a:lstStyle/>
+          <a:p>
+            <a:pPr algn="ctr"/>
+            <a:r>
+              <a:rPr kumimoji="1" lang="en-US" altLang="zh-CN" sz="1600" dirty="0"/>
+              <a:t>40.9</a:t>
+            </a:r>
+            <a:endParaRPr kumimoji="1" lang="zh-CN" altLang="en-US" sz="1600" dirty="0"/>
+          </a:p>
+        </p:txBody>
+      </p:sp>
+      <p:sp>
+        <p:nvSpPr>
+          <p:cNvPr id="12" name="矩形 11">
+            <a:extLst>
+              <a:ext uri="{FF2B5EF4-FFF2-40B4-BE49-F238E27FC236}">
+                <a16:creationId xmlns:a16="http://schemas.microsoft.com/office/drawing/2014/main" id="{F535664B-1DF8-227E-71F8-C9204923F905}"/>
+              </a:ext>
+            </a:extLst>
+          </p:cNvPr>
+          <p:cNvSpPr/>
+          <p:nvPr/>
+        </p:nvSpPr>
+        <p:spPr>
+          <a:xfrm>
+            <a:off x="6973677" y="5471724"/>
+            <a:ext cx="594000" cy="505434"/>
+          </a:xfrm>
+          <a:prstGeom prst="rect">
+            <a:avLst/>
+          </a:prstGeom>
+          <a:solidFill>
+            <a:schemeClr val="accent2">
+              <a:lumMod val="40000"/>
+              <a:lumOff val="60000"/>
+            </a:schemeClr>
+          </a:solidFill>
+          <a:ln>
+            <a:noFill/>
+          </a:ln>
+        </p:spPr>
+        <p:style>
+          <a:lnRef idx="2">
+            <a:schemeClr val="accent1">
+              <a:shade val="15000"/>
+            </a:schemeClr>
+          </a:lnRef>
+          <a:fillRef idx="1">
+            <a:schemeClr val="accent1"/>
+          </a:fillRef>
+          <a:effectRef idx="0">
+            <a:schemeClr val="accent1"/>
+          </a:effectRef>
+          <a:fontRef idx="minor">
+            <a:schemeClr val="lt1"/>
+          </a:fontRef>
+        </p:style>
+        <p:txBody>
+          <a:bodyPr rtlCol="0" anchor="ctr"/>
+          <a:lstStyle/>
+          <a:p>
+            <a:pPr algn="ctr"/>
+            <a:r>
+              <a:rPr kumimoji="1" lang="en-US" altLang="zh-CN" sz="1600" dirty="0"/>
+              <a:t>56.4</a:t>
+            </a:r>
+            <a:endParaRPr kumimoji="1" lang="zh-CN" altLang="en-US" sz="1600" dirty="0"/>
+          </a:p>
+        </p:txBody>
+      </p:sp>
+      <p:sp>
+        <p:nvSpPr>
+          <p:cNvPr id="29" name="矩形 28">
+            <a:extLst>
+              <a:ext uri="{FF2B5EF4-FFF2-40B4-BE49-F238E27FC236}">
+                <a16:creationId xmlns:a16="http://schemas.microsoft.com/office/drawing/2014/main" id="{AB32DFA8-A2EB-7B24-E261-6D2835B26840}"/>
+              </a:ext>
+            </a:extLst>
+          </p:cNvPr>
+          <p:cNvSpPr/>
+          <p:nvPr/>
+        </p:nvSpPr>
+        <p:spPr>
+          <a:xfrm>
+            <a:off x="5891391" y="3558799"/>
+            <a:ext cx="868915" cy="293914"/>
+          </a:xfrm>
+          <a:prstGeom prst="rect">
+            <a:avLst/>
+          </a:prstGeom>
+          <a:solidFill>
+            <a:schemeClr val="bg1">
+              <a:lumMod val="75000"/>
+            </a:schemeClr>
+          </a:solidFill>
+          <a:ln>
+            <a:noFill/>
+          </a:ln>
+        </p:spPr>
+        <p:style>
+          <a:lnRef idx="2">
+            <a:schemeClr val="accent1">
+              <a:shade val="15000"/>
+            </a:schemeClr>
+          </a:lnRef>
+          <a:fillRef idx="1">
+            <a:schemeClr val="accent1"/>
+          </a:fillRef>
+          <a:effectRef idx="0">
+            <a:schemeClr val="accent1"/>
+          </a:effectRef>
+          <a:fontRef idx="minor">
+            <a:schemeClr val="lt1"/>
+          </a:fontRef>
+        </p:style>
+        <p:txBody>
+          <a:bodyPr rtlCol="0" anchor="ctr"/>
+          <a:lstStyle/>
+          <a:p>
+            <a:pPr algn="ctr"/>
+            <a:r>
+              <a:rPr kumimoji="1" lang="en-US" altLang="zh-CN" sz="1600" dirty="0">
+                <a:solidFill>
+                  <a:schemeClr val="tx1"/>
+                </a:solidFill>
+              </a:rPr>
+              <a:t>Count</a:t>
+            </a:r>
+            <a:endParaRPr kumimoji="1" lang="zh-CN" altLang="en-US" sz="1600" dirty="0">
+              <a:solidFill>
+                <a:schemeClr val="tx1"/>
+              </a:solidFill>
+            </a:endParaRPr>
+          </a:p>
+        </p:txBody>
+      </p:sp>
     </p:spTree>
     <p:extLst>
       <p:ext uri="{BB962C8B-B14F-4D97-AF65-F5344CB8AC3E}">
@@ -9302,7 +10498,7 @@
           <a:p>
             <a:r>
               <a:rPr kumimoji="1" lang="en-US" altLang="zh-CN" dirty="0"/>
-              <a:t>Feature ENCODING</a:t>
+              <a:t>Preprocessing</a:t>
             </a:r>
             <a:endParaRPr kumimoji="1" lang="zh-CN" altLang="en-US" dirty="0"/>
           </a:p>
@@ -9397,7 +10593,7 @@
             </a:pPr>
             <a:r>
               <a:rPr lang="en-US" altLang="zh-CN" b="1" dirty="0"/>
-              <a:t>Final Dataset</a:t>
+              <a:t>Final Training Dataset</a:t>
             </a:r>
             <a:endParaRPr lang="en-US" altLang="zh-CN" dirty="0"/>
           </a:p>
